--- a/Group6_IIT_A3_Presentation.pptx
+++ b/Group6_IIT_A3_Presentation.pptx
@@ -110,6 +110,11 @@
       </a:defRPr>
     </a:lvl9pPr>
   </p:defaultTextStyle>
+  <p:extLst>
+    <p:ext uri="{EFAFB233-063F-42B5-8137-9DF3F51BA10A}">
+      <p15:sldGuideLst xmlns:p15="http://schemas.microsoft.com/office/powerpoint/2012/main"/>
+    </p:ext>
+  </p:extLst>
 </p:presentation>
 </file>
 
@@ -163,7 +168,7 @@
           <a:noFill/>
           <a:extLst>
             <a:ext uri="{909E8E84-426E-40dd-AFC4-6F175D3DCCD1}">
-              <a14:hiddenFill xmlns:a14="http://schemas.microsoft.com/office/drawing/2010/main" xmlns="">
+              <a14:hiddenFill xmlns="" xmlns:a14="http://schemas.microsoft.com/office/drawing/2010/main">
                 <a:solidFill>
                   <a:srgbClr val="FFFFFF"/>
                 </a:solidFill>
@@ -223,7 +228,7 @@
             </a:ln>
             <a:extLst>
               <a:ext uri="{91240B29-F687-4f45-9708-019B960494DF}">
-                <a14:hiddenLine xmlns:a14="http://schemas.microsoft.com/office/drawing/2010/main" xmlns="" w="9525">
+                <a14:hiddenLine xmlns="" xmlns:a14="http://schemas.microsoft.com/office/drawing/2010/main" w="9525">
                   <a:solidFill>
                     <a:srgbClr val="000000"/>
                   </a:solidFill>
@@ -313,7 +318,7 @@
             </a:ln>
             <a:extLst>
               <a:ext uri="{91240B29-F687-4f45-9708-019B960494DF}">
-                <a14:hiddenLine xmlns:a14="http://schemas.microsoft.com/office/drawing/2010/main" xmlns="" w="9525">
+                <a14:hiddenLine xmlns="" xmlns:a14="http://schemas.microsoft.com/office/drawing/2010/main" w="9525">
                   <a:solidFill>
                     <a:srgbClr val="000000"/>
                   </a:solidFill>
@@ -403,7 +408,7 @@
             </a:ln>
             <a:extLst>
               <a:ext uri="{91240B29-F687-4f45-9708-019B960494DF}">
-                <a14:hiddenLine xmlns:a14="http://schemas.microsoft.com/office/drawing/2010/main" xmlns="" w="9525">
+                <a14:hiddenLine xmlns="" xmlns:a14="http://schemas.microsoft.com/office/drawing/2010/main" w="9525">
                   <a:solidFill>
                     <a:srgbClr val="000000"/>
                   </a:solidFill>
@@ -437,7 +442,7 @@
             </a:ln>
             <a:extLst>
               <a:ext uri="{91240B29-F687-4f45-9708-019B960494DF}">
-                <a14:hiddenLine xmlns:a14="http://schemas.microsoft.com/office/drawing/2010/main" xmlns="" w="9525">
+                <a14:hiddenLine xmlns="" xmlns:a14="http://schemas.microsoft.com/office/drawing/2010/main" w="9525">
                   <a:solidFill>
                     <a:srgbClr val="000000"/>
                   </a:solidFill>
@@ -527,7 +532,7 @@
             </a:ln>
             <a:extLst>
               <a:ext uri="{91240B29-F687-4f45-9708-019B960494DF}">
-                <a14:hiddenLine xmlns:a14="http://schemas.microsoft.com/office/drawing/2010/main" xmlns="" w="9525">
+                <a14:hiddenLine xmlns="" xmlns:a14="http://schemas.microsoft.com/office/drawing/2010/main" w="9525">
                   <a:solidFill>
                     <a:srgbClr val="000000"/>
                   </a:solidFill>
@@ -589,7 +594,7 @@
             </a:ln>
             <a:extLst>
               <a:ext uri="{91240B29-F687-4f45-9708-019B960494DF}">
-                <a14:hiddenLine xmlns:a14="http://schemas.microsoft.com/office/drawing/2010/main" xmlns="" w="9525">
+                <a14:hiddenLine xmlns="" xmlns:a14="http://schemas.microsoft.com/office/drawing/2010/main" w="9525">
                   <a:solidFill>
                     <a:srgbClr val="000000"/>
                   </a:solidFill>
@@ -651,7 +656,7 @@
             </a:ln>
             <a:extLst>
               <a:ext uri="{91240B29-F687-4f45-9708-019B960494DF}">
-                <a14:hiddenLine xmlns:a14="http://schemas.microsoft.com/office/drawing/2010/main" xmlns="" w="9525">
+                <a14:hiddenLine xmlns="" xmlns:a14="http://schemas.microsoft.com/office/drawing/2010/main" w="9525">
                   <a:solidFill>
                     <a:srgbClr val="000000"/>
                   </a:solidFill>
@@ -741,7 +746,7 @@
             </a:ln>
             <a:extLst>
               <a:ext uri="{91240B29-F687-4f45-9708-019B960494DF}">
-                <a14:hiddenLine xmlns:a14="http://schemas.microsoft.com/office/drawing/2010/main" xmlns="" w="9525">
+                <a14:hiddenLine xmlns="" xmlns:a14="http://schemas.microsoft.com/office/drawing/2010/main" w="9525">
                   <a:solidFill>
                     <a:srgbClr val="000000"/>
                   </a:solidFill>
@@ -803,7 +808,7 @@
             </a:ln>
             <a:extLst>
               <a:ext uri="{91240B29-F687-4f45-9708-019B960494DF}">
-                <a14:hiddenLine xmlns:a14="http://schemas.microsoft.com/office/drawing/2010/main" xmlns="" w="9525">
+                <a14:hiddenLine xmlns="" xmlns:a14="http://schemas.microsoft.com/office/drawing/2010/main" w="9525">
                   <a:solidFill>
                     <a:srgbClr val="000000"/>
                   </a:solidFill>
@@ -865,7 +870,7 @@
             </a:ln>
             <a:extLst>
               <a:ext uri="{91240B29-F687-4f45-9708-019B960494DF}">
-                <a14:hiddenLine xmlns:a14="http://schemas.microsoft.com/office/drawing/2010/main" xmlns="" w="9525">
+                <a14:hiddenLine xmlns="" xmlns:a14="http://schemas.microsoft.com/office/drawing/2010/main" w="9525">
                   <a:solidFill>
                     <a:srgbClr val="000000"/>
                   </a:solidFill>
@@ -955,7 +960,7 @@
             </a:ln>
             <a:extLst>
               <a:ext uri="{91240B29-F687-4f45-9708-019B960494DF}">
-                <a14:hiddenLine xmlns:a14="http://schemas.microsoft.com/office/drawing/2010/main" xmlns="" w="9525">
+                <a14:hiddenLine xmlns="" xmlns:a14="http://schemas.microsoft.com/office/drawing/2010/main" w="9525">
                   <a:solidFill>
                     <a:srgbClr val="000000"/>
                   </a:solidFill>
@@ -1045,7 +1050,7 @@
             </a:ln>
             <a:extLst>
               <a:ext uri="{91240B29-F687-4f45-9708-019B960494DF}">
-                <a14:hiddenLine xmlns:a14="http://schemas.microsoft.com/office/drawing/2010/main" xmlns="" w="9525">
+                <a14:hiddenLine xmlns="" xmlns:a14="http://schemas.microsoft.com/office/drawing/2010/main" w="9525">
                   <a:solidFill>
                     <a:srgbClr val="000000"/>
                   </a:solidFill>
@@ -1107,7 +1112,7 @@
             </a:ln>
             <a:extLst>
               <a:ext uri="{91240B29-F687-4f45-9708-019B960494DF}">
-                <a14:hiddenLine xmlns:a14="http://schemas.microsoft.com/office/drawing/2010/main" xmlns="" w="9525">
+                <a14:hiddenLine xmlns="" xmlns:a14="http://schemas.microsoft.com/office/drawing/2010/main" w="9525">
                   <a:solidFill>
                     <a:srgbClr val="000000"/>
                   </a:solidFill>
@@ -1217,7 +1222,7 @@
             </a:ln>
             <a:extLst>
               <a:ext uri="{91240B29-F687-4f45-9708-019B960494DF}">
-                <a14:hiddenLine xmlns:a14="http://schemas.microsoft.com/office/drawing/2010/main" xmlns="" w="9525">
+                <a14:hiddenLine xmlns="" xmlns:a14="http://schemas.microsoft.com/office/drawing/2010/main" w="9525">
                   <a:solidFill>
                     <a:srgbClr val="000000"/>
                   </a:solidFill>
@@ -1279,7 +1284,7 @@
             </a:ln>
             <a:extLst>
               <a:ext uri="{91240B29-F687-4f45-9708-019B960494DF}">
-                <a14:hiddenLine xmlns:a14="http://schemas.microsoft.com/office/drawing/2010/main" xmlns="" w="9525">
+                <a14:hiddenLine xmlns="" xmlns:a14="http://schemas.microsoft.com/office/drawing/2010/main" w="9525">
                   <a:solidFill>
                     <a:srgbClr val="000000"/>
                   </a:solidFill>
@@ -1369,7 +1374,7 @@
             </a:ln>
             <a:extLst>
               <a:ext uri="{91240B29-F687-4f45-9708-019B960494DF}">
-                <a14:hiddenLine xmlns:a14="http://schemas.microsoft.com/office/drawing/2010/main" xmlns="" w="9525">
+                <a14:hiddenLine xmlns="" xmlns:a14="http://schemas.microsoft.com/office/drawing/2010/main" w="9525">
                   <a:solidFill>
                     <a:srgbClr val="000000"/>
                   </a:solidFill>
@@ -1459,7 +1464,7 @@
             </a:ln>
             <a:extLst>
               <a:ext uri="{91240B29-F687-4f45-9708-019B960494DF}">
-                <a14:hiddenLine xmlns:a14="http://schemas.microsoft.com/office/drawing/2010/main" xmlns="" w="9525">
+                <a14:hiddenLine xmlns="" xmlns:a14="http://schemas.microsoft.com/office/drawing/2010/main" w="9525">
                   <a:solidFill>
                     <a:srgbClr val="000000"/>
                   </a:solidFill>
@@ -1521,7 +1526,7 @@
             </a:ln>
             <a:extLst>
               <a:ext uri="{91240B29-F687-4f45-9708-019B960494DF}">
-                <a14:hiddenLine xmlns:a14="http://schemas.microsoft.com/office/drawing/2010/main" xmlns="" w="9525">
+                <a14:hiddenLine xmlns="" xmlns:a14="http://schemas.microsoft.com/office/drawing/2010/main" w="9525">
                   <a:solidFill>
                     <a:srgbClr val="000000"/>
                   </a:solidFill>
@@ -1611,7 +1616,7 @@
             </a:ln>
             <a:extLst>
               <a:ext uri="{91240B29-F687-4f45-9708-019B960494DF}">
-                <a14:hiddenLine xmlns:a14="http://schemas.microsoft.com/office/drawing/2010/main" xmlns="" w="9525">
+                <a14:hiddenLine xmlns="" xmlns:a14="http://schemas.microsoft.com/office/drawing/2010/main" w="9525">
                   <a:solidFill>
                     <a:srgbClr val="000000"/>
                   </a:solidFill>
@@ -1701,7 +1706,7 @@
             </a:ln>
             <a:extLst>
               <a:ext uri="{91240B29-F687-4f45-9708-019B960494DF}">
-                <a14:hiddenLine xmlns:a14="http://schemas.microsoft.com/office/drawing/2010/main" xmlns="" w="9525">
+                <a14:hiddenLine xmlns="" xmlns:a14="http://schemas.microsoft.com/office/drawing/2010/main" w="9525">
                   <a:solidFill>
                     <a:srgbClr val="000000"/>
                   </a:solidFill>
@@ -1757,7 +1762,7 @@
             </a:ln>
             <a:extLst>
               <a:ext uri="{91240B29-F687-4f45-9708-019B960494DF}">
-                <a14:hiddenLine xmlns:a14="http://schemas.microsoft.com/office/drawing/2010/main" xmlns="" w="9525">
+                <a14:hiddenLine xmlns="" xmlns:a14="http://schemas.microsoft.com/office/drawing/2010/main" w="9525">
                   <a:solidFill>
                     <a:srgbClr val="000000"/>
                   </a:solidFill>
@@ -1847,7 +1852,7 @@
             </a:ln>
             <a:extLst>
               <a:ext uri="{91240B29-F687-4f45-9708-019B960494DF}">
-                <a14:hiddenLine xmlns:a14="http://schemas.microsoft.com/office/drawing/2010/main" xmlns="" w="9525">
+                <a14:hiddenLine xmlns="" xmlns:a14="http://schemas.microsoft.com/office/drawing/2010/main" w="9525">
                   <a:solidFill>
                     <a:srgbClr val="000000"/>
                   </a:solidFill>
@@ -1903,7 +1908,7 @@
             </a:ln>
             <a:extLst>
               <a:ext uri="{91240B29-F687-4f45-9708-019B960494DF}">
-                <a14:hiddenLine xmlns:a14="http://schemas.microsoft.com/office/drawing/2010/main" xmlns="" w="9525">
+                <a14:hiddenLine xmlns="" xmlns:a14="http://schemas.microsoft.com/office/drawing/2010/main" w="9525">
                   <a:solidFill>
                     <a:srgbClr val="000000"/>
                   </a:solidFill>
@@ -1993,7 +1998,7 @@
             </a:ln>
             <a:extLst>
               <a:ext uri="{91240B29-F687-4f45-9708-019B960494DF}">
-                <a14:hiddenLine xmlns:a14="http://schemas.microsoft.com/office/drawing/2010/main" xmlns="" w="9525">
+                <a14:hiddenLine xmlns="" xmlns:a14="http://schemas.microsoft.com/office/drawing/2010/main" w="9525">
                   <a:solidFill>
                     <a:srgbClr val="000000"/>
                   </a:solidFill>
@@ -2061,7 +2066,7 @@
             </a:ln>
             <a:extLst>
               <a:ext uri="{91240B29-F687-4f45-9708-019B960494DF}">
-                <a14:hiddenLine xmlns:a14="http://schemas.microsoft.com/office/drawing/2010/main" xmlns="" w="9525">
+                <a14:hiddenLine xmlns="" xmlns:a14="http://schemas.microsoft.com/office/drawing/2010/main" w="9525">
                   <a:solidFill>
                     <a:srgbClr val="000000"/>
                   </a:solidFill>
@@ -2151,7 +2156,7 @@
             </a:ln>
             <a:extLst>
               <a:ext uri="{91240B29-F687-4f45-9708-019B960494DF}">
-                <a14:hiddenLine xmlns:a14="http://schemas.microsoft.com/office/drawing/2010/main" xmlns="" w="9525">
+                <a14:hiddenLine xmlns="" xmlns:a14="http://schemas.microsoft.com/office/drawing/2010/main" w="9525">
                   <a:solidFill>
                     <a:srgbClr val="000000"/>
                   </a:solidFill>
@@ -2219,7 +2224,7 @@
             </a:ln>
             <a:extLst>
               <a:ext uri="{91240B29-F687-4f45-9708-019B960494DF}">
-                <a14:hiddenLine xmlns:a14="http://schemas.microsoft.com/office/drawing/2010/main" xmlns="" w="9525">
+                <a14:hiddenLine xmlns="" xmlns:a14="http://schemas.microsoft.com/office/drawing/2010/main" w="9525">
                   <a:solidFill>
                     <a:srgbClr val="000000"/>
                   </a:solidFill>
@@ -2309,7 +2314,7 @@
             </a:ln>
             <a:extLst>
               <a:ext uri="{91240B29-F687-4f45-9708-019B960494DF}">
-                <a14:hiddenLine xmlns:a14="http://schemas.microsoft.com/office/drawing/2010/main" xmlns="" w="9525">
+                <a14:hiddenLine xmlns="" xmlns:a14="http://schemas.microsoft.com/office/drawing/2010/main" w="9525">
                   <a:solidFill>
                     <a:srgbClr val="000000"/>
                   </a:solidFill>
@@ -2343,7 +2348,7 @@
             </a:ln>
             <a:extLst>
               <a:ext uri="{91240B29-F687-4f45-9708-019B960494DF}">
-                <a14:hiddenLine xmlns:a14="http://schemas.microsoft.com/office/drawing/2010/main" xmlns="" w="9525">
+                <a14:hiddenLine xmlns="" xmlns:a14="http://schemas.microsoft.com/office/drawing/2010/main" w="9525">
                   <a:solidFill>
                     <a:srgbClr val="000000"/>
                   </a:solidFill>
@@ -2433,7 +2438,7 @@
             </a:ln>
             <a:extLst>
               <a:ext uri="{91240B29-F687-4f45-9708-019B960494DF}">
-                <a14:hiddenLine xmlns:a14="http://schemas.microsoft.com/office/drawing/2010/main" xmlns="" w="9525">
+                <a14:hiddenLine xmlns="" xmlns:a14="http://schemas.microsoft.com/office/drawing/2010/main" w="9525">
                   <a:solidFill>
                     <a:srgbClr val="000000"/>
                   </a:solidFill>
@@ -2495,7 +2500,7 @@
             </a:ln>
             <a:extLst>
               <a:ext uri="{91240B29-F687-4f45-9708-019B960494DF}">
-                <a14:hiddenLine xmlns:a14="http://schemas.microsoft.com/office/drawing/2010/main" xmlns="" w="9525">
+                <a14:hiddenLine xmlns="" xmlns:a14="http://schemas.microsoft.com/office/drawing/2010/main" w="9525">
                   <a:solidFill>
                     <a:srgbClr val="000000"/>
                   </a:solidFill>
@@ -2557,7 +2562,7 @@
             </a:ln>
             <a:extLst>
               <a:ext uri="{91240B29-F687-4f45-9708-019B960494DF}">
-                <a14:hiddenLine xmlns:a14="http://schemas.microsoft.com/office/drawing/2010/main" xmlns="" w="9525">
+                <a14:hiddenLine xmlns="" xmlns:a14="http://schemas.microsoft.com/office/drawing/2010/main" w="9525">
                   <a:solidFill>
                     <a:srgbClr val="000000"/>
                   </a:solidFill>
@@ -2647,7 +2652,7 @@
             </a:ln>
             <a:extLst>
               <a:ext uri="{91240B29-F687-4f45-9708-019B960494DF}">
-                <a14:hiddenLine xmlns:a14="http://schemas.microsoft.com/office/drawing/2010/main" xmlns="" w="9525">
+                <a14:hiddenLine xmlns="" xmlns:a14="http://schemas.microsoft.com/office/drawing/2010/main" w="9525">
                   <a:solidFill>
                     <a:srgbClr val="000000"/>
                   </a:solidFill>
@@ -2715,7 +2720,7 @@
             </a:ln>
             <a:extLst>
               <a:ext uri="{91240B29-F687-4f45-9708-019B960494DF}">
-                <a14:hiddenLine xmlns:a14="http://schemas.microsoft.com/office/drawing/2010/main" xmlns="" w="9525">
+                <a14:hiddenLine xmlns="" xmlns:a14="http://schemas.microsoft.com/office/drawing/2010/main" w="9525">
                   <a:solidFill>
                     <a:srgbClr val="000000"/>
                   </a:solidFill>
@@ -2777,7 +2782,7 @@
             </a:ln>
             <a:extLst>
               <a:ext uri="{91240B29-F687-4f45-9708-019B960494DF}">
-                <a14:hiddenLine xmlns:a14="http://schemas.microsoft.com/office/drawing/2010/main" xmlns="" w="9525">
+                <a14:hiddenLine xmlns="" xmlns:a14="http://schemas.microsoft.com/office/drawing/2010/main" w="9525">
                   <a:solidFill>
                     <a:srgbClr val="000000"/>
                   </a:solidFill>
@@ -2867,7 +2872,7 @@
             </a:ln>
             <a:extLst>
               <a:ext uri="{91240B29-F687-4f45-9708-019B960494DF}">
-                <a14:hiddenLine xmlns:a14="http://schemas.microsoft.com/office/drawing/2010/main" xmlns="" w="9525">
+                <a14:hiddenLine xmlns="" xmlns:a14="http://schemas.microsoft.com/office/drawing/2010/main" w="9525">
                   <a:solidFill>
                     <a:srgbClr val="000000"/>
                   </a:solidFill>
@@ -2929,7 +2934,7 @@
             </a:ln>
             <a:extLst>
               <a:ext uri="{91240B29-F687-4f45-9708-019B960494DF}">
-                <a14:hiddenLine xmlns:a14="http://schemas.microsoft.com/office/drawing/2010/main" xmlns="" w="9525">
+                <a14:hiddenLine xmlns="" xmlns:a14="http://schemas.microsoft.com/office/drawing/2010/main" w="9525">
                   <a:solidFill>
                     <a:srgbClr val="000000"/>
                   </a:solidFill>
@@ -3019,7 +3024,7 @@
             </a:ln>
             <a:extLst>
               <a:ext uri="{91240B29-F687-4f45-9708-019B960494DF}">
-                <a14:hiddenLine xmlns:a14="http://schemas.microsoft.com/office/drawing/2010/main" xmlns="" w="9525">
+                <a14:hiddenLine xmlns="" xmlns:a14="http://schemas.microsoft.com/office/drawing/2010/main" w="9525">
                   <a:solidFill>
                     <a:srgbClr val="000000"/>
                   </a:solidFill>
@@ -3081,7 +3086,7 @@
             </a:ln>
             <a:extLst>
               <a:ext uri="{91240B29-F687-4f45-9708-019B960494DF}">
-                <a14:hiddenLine xmlns:a14="http://schemas.microsoft.com/office/drawing/2010/main" xmlns="" w="9525">
+                <a14:hiddenLine xmlns="" xmlns:a14="http://schemas.microsoft.com/office/drawing/2010/main" w="9525">
                   <a:solidFill>
                     <a:srgbClr val="000000"/>
                   </a:solidFill>
@@ -3171,7 +3176,7 @@
             </a:ln>
             <a:extLst>
               <a:ext uri="{91240B29-F687-4f45-9708-019B960494DF}">
-                <a14:hiddenLine xmlns:a14="http://schemas.microsoft.com/office/drawing/2010/main" xmlns="" w="9525">
+                <a14:hiddenLine xmlns="" xmlns:a14="http://schemas.microsoft.com/office/drawing/2010/main" w="9525">
                   <a:solidFill>
                     <a:srgbClr val="000000"/>
                   </a:solidFill>
@@ -3205,7 +3210,7 @@
             </a:ln>
             <a:extLst>
               <a:ext uri="{91240B29-F687-4f45-9708-019B960494DF}">
-                <a14:hiddenLine xmlns:a14="http://schemas.microsoft.com/office/drawing/2010/main" xmlns="" w="9525">
+                <a14:hiddenLine xmlns="" xmlns:a14="http://schemas.microsoft.com/office/drawing/2010/main" w="9525">
                   <a:solidFill>
                     <a:srgbClr val="000000"/>
                   </a:solidFill>
@@ -3270,7 +3275,7 @@
             </a:ln>
             <a:extLst>
               <a:ext uri="{91240B29-F687-4f45-9708-019B960494DF}">
-                <a14:hiddenLine xmlns:a14="http://schemas.microsoft.com/office/drawing/2010/main" xmlns="" w="9525">
+                <a14:hiddenLine xmlns="" xmlns:a14="http://schemas.microsoft.com/office/drawing/2010/main" w="9525">
                   <a:solidFill>
                     <a:srgbClr val="000000"/>
                   </a:solidFill>
@@ -3360,7 +3365,7 @@
             </a:ln>
             <a:extLst>
               <a:ext uri="{91240B29-F687-4f45-9708-019B960494DF}">
-                <a14:hiddenLine xmlns:a14="http://schemas.microsoft.com/office/drawing/2010/main" xmlns="" w="9525">
+                <a14:hiddenLine xmlns="" xmlns:a14="http://schemas.microsoft.com/office/drawing/2010/main" w="9525">
                   <a:solidFill>
                     <a:srgbClr val="000000"/>
                   </a:solidFill>
@@ -3422,7 +3427,7 @@
             </a:ln>
             <a:extLst>
               <a:ext uri="{91240B29-F687-4f45-9708-019B960494DF}">
-                <a14:hiddenLine xmlns:a14="http://schemas.microsoft.com/office/drawing/2010/main" xmlns="" w="9525">
+                <a14:hiddenLine xmlns="" xmlns:a14="http://schemas.microsoft.com/office/drawing/2010/main" w="9525">
                   <a:solidFill>
                     <a:srgbClr val="000000"/>
                   </a:solidFill>
@@ -3512,7 +3517,7 @@
             </a:ln>
             <a:extLst>
               <a:ext uri="{91240B29-F687-4f45-9708-019B960494DF}">
-                <a14:hiddenLine xmlns:a14="http://schemas.microsoft.com/office/drawing/2010/main" xmlns="" w="9525">
+                <a14:hiddenLine xmlns="" xmlns:a14="http://schemas.microsoft.com/office/drawing/2010/main" w="9525">
                   <a:solidFill>
                     <a:srgbClr val="000000"/>
                   </a:solidFill>
@@ -3602,7 +3607,7 @@
             </a:ln>
             <a:extLst>
               <a:ext uri="{91240B29-F687-4f45-9708-019B960494DF}">
-                <a14:hiddenLine xmlns:a14="http://schemas.microsoft.com/office/drawing/2010/main" xmlns="" w="9525">
+                <a14:hiddenLine xmlns="" xmlns:a14="http://schemas.microsoft.com/office/drawing/2010/main" w="9525">
                   <a:solidFill>
                     <a:srgbClr val="000000"/>
                   </a:solidFill>
@@ -3667,7 +3672,7 @@
             </a:ln>
             <a:extLst>
               <a:ext uri="{91240B29-F687-4f45-9708-019B960494DF}">
-                <a14:hiddenLine xmlns:a14="http://schemas.microsoft.com/office/drawing/2010/main" xmlns="" w="9525">
+                <a14:hiddenLine xmlns="" xmlns:a14="http://schemas.microsoft.com/office/drawing/2010/main" w="9525">
                   <a:solidFill>
                     <a:srgbClr val="000000"/>
                   </a:solidFill>
@@ -3729,7 +3734,7 @@
             </a:ln>
             <a:extLst>
               <a:ext uri="{91240B29-F687-4f45-9708-019B960494DF}">
-                <a14:hiddenLine xmlns:a14="http://schemas.microsoft.com/office/drawing/2010/main" xmlns="" w="9525">
+                <a14:hiddenLine xmlns="" xmlns:a14="http://schemas.microsoft.com/office/drawing/2010/main" w="9525">
                   <a:solidFill>
                     <a:srgbClr val="000000"/>
                   </a:solidFill>
@@ -3819,7 +3824,7 @@
             </a:ln>
             <a:extLst>
               <a:ext uri="{91240B29-F687-4f45-9708-019B960494DF}">
-                <a14:hiddenLine xmlns:a14="http://schemas.microsoft.com/office/drawing/2010/main" xmlns="" w="9525">
+                <a14:hiddenLine xmlns="" xmlns:a14="http://schemas.microsoft.com/office/drawing/2010/main" w="9525">
                   <a:solidFill>
                     <a:srgbClr val="000000"/>
                   </a:solidFill>
@@ -3909,7 +3914,7 @@
             </a:ln>
             <a:extLst>
               <a:ext uri="{91240B29-F687-4f45-9708-019B960494DF}">
-                <a14:hiddenLine xmlns:a14="http://schemas.microsoft.com/office/drawing/2010/main" xmlns="" w="9525">
+                <a14:hiddenLine xmlns="" xmlns:a14="http://schemas.microsoft.com/office/drawing/2010/main" w="9525">
                   <a:solidFill>
                     <a:srgbClr val="000000"/>
                   </a:solidFill>
@@ -3971,7 +3976,7 @@
             </a:ln>
             <a:extLst>
               <a:ext uri="{91240B29-F687-4f45-9708-019B960494DF}">
-                <a14:hiddenLine xmlns:a14="http://schemas.microsoft.com/office/drawing/2010/main" xmlns="" w="9525">
+                <a14:hiddenLine xmlns="" xmlns:a14="http://schemas.microsoft.com/office/drawing/2010/main" w="9525">
                   <a:solidFill>
                     <a:srgbClr val="000000"/>
                   </a:solidFill>
@@ -4091,7 +4096,7 @@
             </a:ln>
             <a:extLst>
               <a:ext uri="{91240B29-F687-4f45-9708-019B960494DF}">
-                <a14:hiddenLine xmlns:a14="http://schemas.microsoft.com/office/drawing/2010/main" xmlns="" w="9525">
+                <a14:hiddenLine xmlns="" xmlns:a14="http://schemas.microsoft.com/office/drawing/2010/main" w="9525">
                   <a:solidFill>
                     <a:srgbClr val="000000"/>
                   </a:solidFill>
@@ -4159,7 +4164,7 @@
             </a:ln>
             <a:extLst>
               <a:ext uri="{91240B29-F687-4f45-9708-019B960494DF}">
-                <a14:hiddenLine xmlns:a14="http://schemas.microsoft.com/office/drawing/2010/main" xmlns="" w="9525">
+                <a14:hiddenLine xmlns="" xmlns:a14="http://schemas.microsoft.com/office/drawing/2010/main" w="9525">
                   <a:solidFill>
                     <a:srgbClr val="000000"/>
                   </a:solidFill>
@@ -4249,7 +4254,7 @@
             </a:ln>
             <a:extLst>
               <a:ext uri="{91240B29-F687-4f45-9708-019B960494DF}">
-                <a14:hiddenLine xmlns:a14="http://schemas.microsoft.com/office/drawing/2010/main" xmlns="" w="9525">
+                <a14:hiddenLine xmlns="" xmlns:a14="http://schemas.microsoft.com/office/drawing/2010/main" w="9525">
                   <a:solidFill>
                     <a:srgbClr val="000000"/>
                   </a:solidFill>
@@ -4389,7 +4394,7 @@
           <a:p>
             <a:fld id="{48A87A34-81AB-432B-8DAE-1953F412C126}" type="datetimeFigureOut">
               <a:rPr lang="en-US" dirty="0"/>
-              <a:t>1/4/22</a:t>
+              <a:t>1/8/2022</a:t>
             </a:fld>
             <a:endParaRPr lang="en-US" dirty="0"/>
           </a:p>
@@ -4651,7 +4656,7 @@
           <a:p>
             <a:fld id="{48A87A34-81AB-432B-8DAE-1953F412C126}" type="datetimeFigureOut">
               <a:rPr lang="en-US" dirty="0"/>
-              <a:t>1/4/22</a:t>
+              <a:t>1/8/2022</a:t>
             </a:fld>
             <a:endParaRPr lang="en-US" dirty="0"/>
           </a:p>
@@ -4842,7 +4847,7 @@
           <a:p>
             <a:fld id="{48A87A34-81AB-432B-8DAE-1953F412C126}" type="datetimeFigureOut">
               <a:rPr lang="en-US" dirty="0"/>
-              <a:t>1/4/22</a:t>
+              <a:t>1/8/2022</a:t>
             </a:fld>
             <a:endParaRPr lang="en-US" dirty="0"/>
           </a:p>
@@ -5100,7 +5105,7 @@
           <a:p>
             <a:fld id="{48A87A34-81AB-432B-8DAE-1953F412C126}" type="datetimeFigureOut">
               <a:rPr lang="en-US" dirty="0"/>
-              <a:t>1/4/22</a:t>
+              <a:t>1/8/2022</a:t>
             </a:fld>
             <a:endParaRPr lang="en-US" dirty="0"/>
           </a:p>
@@ -5529,7 +5534,7 @@
           <a:p>
             <a:fld id="{48A87A34-81AB-432B-8DAE-1953F412C126}" type="datetimeFigureOut">
               <a:rPr lang="en-US" dirty="0"/>
-              <a:t>1/4/22</a:t>
+              <a:t>1/8/2022</a:t>
             </a:fld>
             <a:endParaRPr lang="en-US" dirty="0"/>
           </a:p>
@@ -6070,7 +6075,7 @@
           <a:p>
             <a:fld id="{48A87A34-81AB-432B-8DAE-1953F412C126}" type="datetimeFigureOut">
               <a:rPr lang="en-US" dirty="0"/>
-              <a:t>1/4/22</a:t>
+              <a:t>1/8/2022</a:t>
             </a:fld>
             <a:endParaRPr lang="en-US" dirty="0"/>
           </a:p>
@@ -6785,7 +6790,7 @@
           <a:p>
             <a:fld id="{48A87A34-81AB-432B-8DAE-1953F412C126}" type="datetimeFigureOut">
               <a:rPr lang="en-US" dirty="0"/>
-              <a:t>1/4/22</a:t>
+              <a:t>1/8/2022</a:t>
             </a:fld>
             <a:endParaRPr lang="en-US" dirty="0"/>
           </a:p>
@@ -6950,7 +6955,7 @@
           <a:p>
             <a:fld id="{48A87A34-81AB-432B-8DAE-1953F412C126}" type="datetimeFigureOut">
               <a:rPr lang="en-US" dirty="0"/>
-              <a:t>1/4/22</a:t>
+              <a:t>1/8/2022</a:t>
             </a:fld>
             <a:endParaRPr lang="en-US" dirty="0"/>
           </a:p>
@@ -7125,7 +7130,7 @@
           <a:p>
             <a:fld id="{48A87A34-81AB-432B-8DAE-1953F412C126}" type="datetimeFigureOut">
               <a:rPr lang="en-US" dirty="0"/>
-              <a:t>1/4/22</a:t>
+              <a:t>1/8/2022</a:t>
             </a:fld>
             <a:endParaRPr lang="en-US" dirty="0"/>
           </a:p>
@@ -7290,7 +7295,7 @@
           <a:p>
             <a:fld id="{48A87A34-81AB-432B-8DAE-1953F412C126}" type="datetimeFigureOut">
               <a:rPr lang="en-US" dirty="0"/>
-              <a:t>1/4/22</a:t>
+              <a:t>1/8/2022</a:t>
             </a:fld>
             <a:endParaRPr lang="en-US" dirty="0"/>
           </a:p>
@@ -7535,7 +7540,7 @@
           <a:p>
             <a:fld id="{48A87A34-81AB-432B-8DAE-1953F412C126}" type="datetimeFigureOut">
               <a:rPr lang="en-US" dirty="0"/>
-              <a:t>1/4/22</a:t>
+              <a:t>1/8/2022</a:t>
             </a:fld>
             <a:endParaRPr lang="en-US" dirty="0"/>
           </a:p>
@@ -7762,7 +7767,7 @@
           <a:p>
             <a:fld id="{48A87A34-81AB-432B-8DAE-1953F412C126}" type="datetimeFigureOut">
               <a:rPr lang="en-US" dirty="0"/>
-              <a:t>1/4/22</a:t>
+              <a:t>1/8/2022</a:t>
             </a:fld>
             <a:endParaRPr lang="en-US" dirty="0"/>
           </a:p>
@@ -8138,7 +8143,7 @@
           <a:p>
             <a:fld id="{48A87A34-81AB-432B-8DAE-1953F412C126}" type="datetimeFigureOut">
               <a:rPr lang="en-US" dirty="0"/>
-              <a:t>1/4/22</a:t>
+              <a:t>1/8/2022</a:t>
             </a:fld>
             <a:endParaRPr lang="en-US" dirty="0"/>
           </a:p>
@@ -8251,7 +8256,7 @@
           <a:p>
             <a:fld id="{48A87A34-81AB-432B-8DAE-1953F412C126}" type="datetimeFigureOut">
               <a:rPr lang="en-US" dirty="0"/>
-              <a:t>1/4/22</a:t>
+              <a:t>1/8/2022</a:t>
             </a:fld>
             <a:endParaRPr lang="en-US" dirty="0"/>
           </a:p>
@@ -8341,7 +8346,7 @@
           <a:p>
             <a:fld id="{48A87A34-81AB-432B-8DAE-1953F412C126}" type="datetimeFigureOut">
               <a:rPr lang="en-US" dirty="0"/>
-              <a:t>1/4/22</a:t>
+              <a:t>1/8/2022</a:t>
             </a:fld>
             <a:endParaRPr lang="en-US" dirty="0"/>
           </a:p>
@@ -8585,7 +8590,7 @@
           <a:p>
             <a:fld id="{48A87A34-81AB-432B-8DAE-1953F412C126}" type="datetimeFigureOut">
               <a:rPr lang="en-US" dirty="0"/>
-              <a:t>1/4/22</a:t>
+              <a:t>1/8/2022</a:t>
             </a:fld>
             <a:endParaRPr lang="en-US" dirty="0"/>
           </a:p>
@@ -8860,7 +8865,7 @@
           <a:p>
             <a:fld id="{48A87A34-81AB-432B-8DAE-1953F412C126}" type="datetimeFigureOut">
               <a:rPr lang="en-US" dirty="0"/>
-              <a:t>1/4/22</a:t>
+              <a:t>1/8/2022</a:t>
             </a:fld>
             <a:endParaRPr lang="en-US" dirty="0"/>
           </a:p>
@@ -8971,7 +8976,7 @@
           <a:noFill/>
           <a:extLst>
             <a:ext uri="{909E8E84-426E-40dd-AFC4-6F175D3DCCD1}">
-              <a14:hiddenFill xmlns:a14="http://schemas.microsoft.com/office/drawing/2010/main" xmlns="">
+              <a14:hiddenFill xmlns="" xmlns:a14="http://schemas.microsoft.com/office/drawing/2010/main">
                 <a:solidFill>
                   <a:srgbClr val="FFFFFF"/>
                 </a:solidFill>
@@ -9045,7 +9050,7 @@
               </a:ln>
               <a:extLst>
                 <a:ext uri="{91240B29-F687-4f45-9708-019B960494DF}">
-                  <a14:hiddenLine xmlns:a14="http://schemas.microsoft.com/office/drawing/2010/main" xmlns="" w="9525">
+                  <a14:hiddenLine xmlns="" xmlns:a14="http://schemas.microsoft.com/office/drawing/2010/main" w="9525">
                     <a:solidFill>
                       <a:srgbClr val="000000"/>
                     </a:solidFill>
@@ -9135,7 +9140,7 @@
               </a:ln>
               <a:extLst>
                 <a:ext uri="{91240B29-F687-4f45-9708-019B960494DF}">
-                  <a14:hiddenLine xmlns:a14="http://schemas.microsoft.com/office/drawing/2010/main" xmlns="" w="9525">
+                  <a14:hiddenLine xmlns="" xmlns:a14="http://schemas.microsoft.com/office/drawing/2010/main" w="9525">
                     <a:solidFill>
                       <a:srgbClr val="000000"/>
                     </a:solidFill>
@@ -9225,7 +9230,7 @@
               </a:ln>
               <a:extLst>
                 <a:ext uri="{91240B29-F687-4f45-9708-019B960494DF}">
-                  <a14:hiddenLine xmlns:a14="http://schemas.microsoft.com/office/drawing/2010/main" xmlns="" w="9525">
+                  <a14:hiddenLine xmlns="" xmlns:a14="http://schemas.microsoft.com/office/drawing/2010/main" w="9525">
                     <a:solidFill>
                       <a:srgbClr val="000000"/>
                     </a:solidFill>
@@ -9287,7 +9292,7 @@
               </a:ln>
               <a:extLst>
                 <a:ext uri="{91240B29-F687-4f45-9708-019B960494DF}">
-                  <a14:hiddenLine xmlns:a14="http://schemas.microsoft.com/office/drawing/2010/main" xmlns="" w="9525">
+                  <a14:hiddenLine xmlns="" xmlns:a14="http://schemas.microsoft.com/office/drawing/2010/main" w="9525">
                     <a:solidFill>
                       <a:srgbClr val="000000"/>
                     </a:solidFill>
@@ -9377,7 +9382,7 @@
               </a:ln>
               <a:extLst>
                 <a:ext uri="{91240B29-F687-4f45-9708-019B960494DF}">
-                  <a14:hiddenLine xmlns:a14="http://schemas.microsoft.com/office/drawing/2010/main" xmlns="" w="9525">
+                  <a14:hiddenLine xmlns="" xmlns:a14="http://schemas.microsoft.com/office/drawing/2010/main" w="9525">
                     <a:solidFill>
                       <a:srgbClr val="000000"/>
                     </a:solidFill>
@@ -9439,7 +9444,7 @@
               </a:ln>
               <a:extLst>
                 <a:ext uri="{91240B29-F687-4f45-9708-019B960494DF}">
-                  <a14:hiddenLine xmlns:a14="http://schemas.microsoft.com/office/drawing/2010/main" xmlns="" w="9525">
+                  <a14:hiddenLine xmlns="" xmlns:a14="http://schemas.microsoft.com/office/drawing/2010/main" w="9525">
                     <a:solidFill>
                       <a:srgbClr val="000000"/>
                     </a:solidFill>
@@ -9501,7 +9506,7 @@
               </a:ln>
               <a:extLst>
                 <a:ext uri="{91240B29-F687-4f45-9708-019B960494DF}">
-                  <a14:hiddenLine xmlns:a14="http://schemas.microsoft.com/office/drawing/2010/main" xmlns="" w="9525">
+                  <a14:hiddenLine xmlns="" xmlns:a14="http://schemas.microsoft.com/office/drawing/2010/main" w="9525">
                     <a:solidFill>
                       <a:srgbClr val="000000"/>
                     </a:solidFill>
@@ -9591,7 +9596,7 @@
               </a:ln>
               <a:extLst>
                 <a:ext uri="{91240B29-F687-4f45-9708-019B960494DF}">
-                  <a14:hiddenLine xmlns:a14="http://schemas.microsoft.com/office/drawing/2010/main" xmlns="" w="9525">
+                  <a14:hiddenLine xmlns="" xmlns:a14="http://schemas.microsoft.com/office/drawing/2010/main" w="9525">
                     <a:solidFill>
                       <a:srgbClr val="000000"/>
                     </a:solidFill>
@@ -9681,7 +9686,7 @@
               </a:ln>
               <a:extLst>
                 <a:ext uri="{91240B29-F687-4f45-9708-019B960494DF}">
-                  <a14:hiddenLine xmlns:a14="http://schemas.microsoft.com/office/drawing/2010/main" xmlns="" w="9525">
+                  <a14:hiddenLine xmlns="" xmlns:a14="http://schemas.microsoft.com/office/drawing/2010/main" w="9525">
                     <a:solidFill>
                       <a:srgbClr val="000000"/>
                     </a:solidFill>
@@ -9743,7 +9748,7 @@
               </a:ln>
               <a:extLst>
                 <a:ext uri="{91240B29-F687-4f45-9708-019B960494DF}">
-                  <a14:hiddenLine xmlns:a14="http://schemas.microsoft.com/office/drawing/2010/main" xmlns="" w="9525">
+                  <a14:hiddenLine xmlns="" xmlns:a14="http://schemas.microsoft.com/office/drawing/2010/main" w="9525">
                     <a:solidFill>
                       <a:srgbClr val="000000"/>
                     </a:solidFill>
@@ -9853,7 +9858,7 @@
               </a:ln>
               <a:extLst>
                 <a:ext uri="{91240B29-F687-4f45-9708-019B960494DF}">
-                  <a14:hiddenLine xmlns:a14="http://schemas.microsoft.com/office/drawing/2010/main" xmlns="" w="9525">
+                  <a14:hiddenLine xmlns="" xmlns:a14="http://schemas.microsoft.com/office/drawing/2010/main" w="9525">
                     <a:solidFill>
                       <a:srgbClr val="000000"/>
                     </a:solidFill>
@@ -9937,7 +9942,7 @@
               </a:ln>
               <a:extLst>
                 <a:ext uri="{91240B29-F687-4f45-9708-019B960494DF}">
-                  <a14:hiddenLine xmlns:a14="http://schemas.microsoft.com/office/drawing/2010/main" xmlns="" w="9525">
+                  <a14:hiddenLine xmlns="" xmlns:a14="http://schemas.microsoft.com/office/drawing/2010/main" w="9525">
                     <a:solidFill>
                       <a:srgbClr val="000000"/>
                     </a:solidFill>
@@ -9999,7 +10004,7 @@
               </a:ln>
               <a:extLst>
                 <a:ext uri="{91240B29-F687-4f45-9708-019B960494DF}">
-                  <a14:hiddenLine xmlns:a14="http://schemas.microsoft.com/office/drawing/2010/main" xmlns="" w="9525">
+                  <a14:hiddenLine xmlns="" xmlns:a14="http://schemas.microsoft.com/office/drawing/2010/main" w="9525">
                     <a:solidFill>
                       <a:srgbClr val="000000"/>
                     </a:solidFill>
@@ -10061,7 +10066,7 @@
               </a:ln>
               <a:extLst>
                 <a:ext uri="{91240B29-F687-4f45-9708-019B960494DF}">
-                  <a14:hiddenLine xmlns:a14="http://schemas.microsoft.com/office/drawing/2010/main" xmlns="" w="9525">
+                  <a14:hiddenLine xmlns="" xmlns:a14="http://schemas.microsoft.com/office/drawing/2010/main" w="9525">
                     <a:solidFill>
                       <a:srgbClr val="000000"/>
                     </a:solidFill>
@@ -10151,7 +10156,7 @@
               </a:ln>
               <a:extLst>
                 <a:ext uri="{91240B29-F687-4f45-9708-019B960494DF}">
-                  <a14:hiddenLine xmlns:a14="http://schemas.microsoft.com/office/drawing/2010/main" xmlns="" w="9525">
+                  <a14:hiddenLine xmlns="" xmlns:a14="http://schemas.microsoft.com/office/drawing/2010/main" w="9525">
                     <a:solidFill>
                       <a:srgbClr val="000000"/>
                     </a:solidFill>
@@ -10185,7 +10190,7 @@
               </a:ln>
               <a:extLst>
                 <a:ext uri="{91240B29-F687-4f45-9708-019B960494DF}">
-                  <a14:hiddenLine xmlns:a14="http://schemas.microsoft.com/office/drawing/2010/main" xmlns="" w="9525">
+                  <a14:hiddenLine xmlns="" xmlns:a14="http://schemas.microsoft.com/office/drawing/2010/main" w="9525">
                     <a:solidFill>
                       <a:srgbClr val="000000"/>
                     </a:solidFill>
@@ -10250,7 +10255,7 @@
               </a:ln>
               <a:extLst>
                 <a:ext uri="{91240B29-F687-4f45-9708-019B960494DF}">
-                  <a14:hiddenLine xmlns:a14="http://schemas.microsoft.com/office/drawing/2010/main" xmlns="" w="9525">
+                  <a14:hiddenLine xmlns="" xmlns:a14="http://schemas.microsoft.com/office/drawing/2010/main" w="9525">
                     <a:solidFill>
                       <a:srgbClr val="000000"/>
                     </a:solidFill>
@@ -10340,7 +10345,7 @@
               </a:ln>
               <a:extLst>
                 <a:ext uri="{91240B29-F687-4f45-9708-019B960494DF}">
-                  <a14:hiddenLine xmlns:a14="http://schemas.microsoft.com/office/drawing/2010/main" xmlns="" w="9525">
+                  <a14:hiddenLine xmlns="" xmlns:a14="http://schemas.microsoft.com/office/drawing/2010/main" w="9525">
                     <a:solidFill>
                       <a:srgbClr val="000000"/>
                     </a:solidFill>
@@ -10402,7 +10407,7 @@
               </a:ln>
               <a:extLst>
                 <a:ext uri="{91240B29-F687-4f45-9708-019B960494DF}">
-                  <a14:hiddenLine xmlns:a14="http://schemas.microsoft.com/office/drawing/2010/main" xmlns="" w="9525">
+                  <a14:hiddenLine xmlns="" xmlns:a14="http://schemas.microsoft.com/office/drawing/2010/main" w="9525">
                     <a:solidFill>
                       <a:srgbClr val="000000"/>
                     </a:solidFill>
@@ -10492,7 +10497,7 @@
               </a:ln>
               <a:extLst>
                 <a:ext uri="{91240B29-F687-4f45-9708-019B960494DF}">
-                  <a14:hiddenLine xmlns:a14="http://schemas.microsoft.com/office/drawing/2010/main" xmlns="" w="9525">
+                  <a14:hiddenLine xmlns="" xmlns:a14="http://schemas.microsoft.com/office/drawing/2010/main" w="9525">
                     <a:solidFill>
                       <a:srgbClr val="000000"/>
                     </a:solidFill>
@@ -10557,7 +10562,7 @@
               </a:ln>
               <a:extLst>
                 <a:ext uri="{91240B29-F687-4f45-9708-019B960494DF}">
-                  <a14:hiddenLine xmlns:a14="http://schemas.microsoft.com/office/drawing/2010/main" xmlns="" w="9525">
+                  <a14:hiddenLine xmlns="" xmlns:a14="http://schemas.microsoft.com/office/drawing/2010/main" w="9525">
                     <a:solidFill>
                       <a:srgbClr val="000000"/>
                     </a:solidFill>
@@ -10619,7 +10624,7 @@
               </a:ln>
               <a:extLst>
                 <a:ext uri="{91240B29-F687-4f45-9708-019B960494DF}">
-                  <a14:hiddenLine xmlns:a14="http://schemas.microsoft.com/office/drawing/2010/main" xmlns="" w="9525">
+                  <a14:hiddenLine xmlns="" xmlns:a14="http://schemas.microsoft.com/office/drawing/2010/main" w="9525">
                     <a:solidFill>
                       <a:srgbClr val="000000"/>
                     </a:solidFill>
@@ -10709,7 +10714,7 @@
               </a:ln>
               <a:extLst>
                 <a:ext uri="{91240B29-F687-4f45-9708-019B960494DF}">
-                  <a14:hiddenLine xmlns:a14="http://schemas.microsoft.com/office/drawing/2010/main" xmlns="" w="9525">
+                  <a14:hiddenLine xmlns="" xmlns:a14="http://schemas.microsoft.com/office/drawing/2010/main" w="9525">
                     <a:solidFill>
                       <a:srgbClr val="000000"/>
                     </a:solidFill>
@@ -10799,7 +10804,7 @@
               </a:ln>
               <a:extLst>
                 <a:ext uri="{91240B29-F687-4f45-9708-019B960494DF}">
-                  <a14:hiddenLine xmlns:a14="http://schemas.microsoft.com/office/drawing/2010/main" xmlns="" w="9525">
+                  <a14:hiddenLine xmlns="" xmlns:a14="http://schemas.microsoft.com/office/drawing/2010/main" w="9525">
                     <a:solidFill>
                       <a:srgbClr val="000000"/>
                     </a:solidFill>
@@ -10864,7 +10869,7 @@
               </a:ln>
               <a:extLst>
                 <a:ext uri="{91240B29-F687-4f45-9708-019B960494DF}">
-                  <a14:hiddenLine xmlns:a14="http://schemas.microsoft.com/office/drawing/2010/main" xmlns="" w="9525">
+                  <a14:hiddenLine xmlns="" xmlns:a14="http://schemas.microsoft.com/office/drawing/2010/main" w="9525">
                     <a:solidFill>
                       <a:srgbClr val="000000"/>
                     </a:solidFill>
@@ -10984,7 +10989,7 @@
               </a:ln>
               <a:extLst>
                 <a:ext uri="{91240B29-F687-4f45-9708-019B960494DF}">
-                  <a14:hiddenLine xmlns:a14="http://schemas.microsoft.com/office/drawing/2010/main" xmlns="" w="9525">
+                  <a14:hiddenLine xmlns="" xmlns:a14="http://schemas.microsoft.com/office/drawing/2010/main" w="9525">
                     <a:solidFill>
                       <a:srgbClr val="000000"/>
                     </a:solidFill>
@@ -11082,7 +11087,7 @@
               </a:ln>
               <a:extLst>
                 <a:ext uri="{91240B29-F687-4f45-9708-019B960494DF}">
-                  <a14:hiddenLine xmlns:a14="http://schemas.microsoft.com/office/drawing/2010/main" xmlns="" w="9525">
+                  <a14:hiddenLine xmlns="" xmlns:a14="http://schemas.microsoft.com/office/drawing/2010/main" w="9525">
                     <a:solidFill>
                       <a:srgbClr val="000000"/>
                     </a:solidFill>
@@ -11197,7 +11202,7 @@
               </a:ln>
               <a:extLst>
                 <a:ext uri="{91240B29-F687-4f45-9708-019B960494DF}">
-                  <a14:hiddenLine xmlns:a14="http://schemas.microsoft.com/office/drawing/2010/main" xmlns="" w="9525">
+                  <a14:hiddenLine xmlns="" xmlns:a14="http://schemas.microsoft.com/office/drawing/2010/main" w="9525">
                     <a:solidFill>
                       <a:srgbClr val="000000"/>
                     </a:solidFill>
@@ -11287,7 +11292,7 @@
               </a:ln>
               <a:extLst>
                 <a:ext uri="{91240B29-F687-4f45-9708-019B960494DF}">
-                  <a14:hiddenLine xmlns:a14="http://schemas.microsoft.com/office/drawing/2010/main" xmlns="" w="9525">
+                  <a14:hiddenLine xmlns="" xmlns:a14="http://schemas.microsoft.com/office/drawing/2010/main" w="9525">
                     <a:solidFill>
                       <a:srgbClr val="000000"/>
                     </a:solidFill>
@@ -11352,7 +11357,7 @@
               </a:ln>
               <a:extLst>
                 <a:ext uri="{91240B29-F687-4f45-9708-019B960494DF}">
-                  <a14:hiddenLine xmlns:a14="http://schemas.microsoft.com/office/drawing/2010/main" xmlns="" w="9525">
+                  <a14:hiddenLine xmlns="" xmlns:a14="http://schemas.microsoft.com/office/drawing/2010/main" w="9525">
                     <a:solidFill>
                       <a:srgbClr val="000000"/>
                     </a:solidFill>
@@ -11442,7 +11447,7 @@
               </a:ln>
               <a:extLst>
                 <a:ext uri="{91240B29-F687-4f45-9708-019B960494DF}">
-                  <a14:hiddenLine xmlns:a14="http://schemas.microsoft.com/office/drawing/2010/main" xmlns="" w="9525">
+                  <a14:hiddenLine xmlns="" xmlns:a14="http://schemas.microsoft.com/office/drawing/2010/main" w="9525">
                     <a:solidFill>
                       <a:srgbClr val="000000"/>
                     </a:solidFill>
@@ -11510,7 +11515,7 @@
               </a:ln>
               <a:extLst>
                 <a:ext uri="{91240B29-F687-4f45-9708-019B960494DF}">
-                  <a14:hiddenLine xmlns:a14="http://schemas.microsoft.com/office/drawing/2010/main" xmlns="" w="9525">
+                  <a14:hiddenLine xmlns="" xmlns:a14="http://schemas.microsoft.com/office/drawing/2010/main" w="9525">
                     <a:solidFill>
                       <a:srgbClr val="000000"/>
                     </a:solidFill>
@@ -11600,7 +11605,7 @@
               </a:ln>
               <a:extLst>
                 <a:ext uri="{91240B29-F687-4f45-9708-019B960494DF}">
-                  <a14:hiddenLine xmlns:a14="http://schemas.microsoft.com/office/drawing/2010/main" xmlns="" w="9525">
+                  <a14:hiddenLine xmlns="" xmlns:a14="http://schemas.microsoft.com/office/drawing/2010/main" w="9525">
                     <a:solidFill>
                       <a:srgbClr val="000000"/>
                     </a:solidFill>
@@ -11668,7 +11673,7 @@
               </a:ln>
               <a:extLst>
                 <a:ext uri="{91240B29-F687-4f45-9708-019B960494DF}">
-                  <a14:hiddenLine xmlns:a14="http://schemas.microsoft.com/office/drawing/2010/main" xmlns="" w="9525">
+                  <a14:hiddenLine xmlns="" xmlns:a14="http://schemas.microsoft.com/office/drawing/2010/main" w="9525">
                     <a:solidFill>
                       <a:srgbClr val="000000"/>
                     </a:solidFill>
@@ -11758,7 +11763,7 @@
               </a:ln>
               <a:extLst>
                 <a:ext uri="{91240B29-F687-4f45-9708-019B960494DF}">
-                  <a14:hiddenLine xmlns:a14="http://schemas.microsoft.com/office/drawing/2010/main" xmlns="" w="9525">
+                  <a14:hiddenLine xmlns="" xmlns:a14="http://schemas.microsoft.com/office/drawing/2010/main" w="9525">
                     <a:solidFill>
                       <a:srgbClr val="000000"/>
                     </a:solidFill>
@@ -11792,7 +11797,7 @@
               </a:ln>
               <a:extLst>
                 <a:ext uri="{91240B29-F687-4f45-9708-019B960494DF}">
-                  <a14:hiddenLine xmlns:a14="http://schemas.microsoft.com/office/drawing/2010/main" xmlns="" w="9525">
+                  <a14:hiddenLine xmlns="" xmlns:a14="http://schemas.microsoft.com/office/drawing/2010/main" w="9525">
                     <a:solidFill>
                       <a:srgbClr val="000000"/>
                     </a:solidFill>
@@ -11933,7 +11938,7 @@
             <a:fld id="{48A87A34-81AB-432B-8DAE-1953F412C126}" type="datetimeFigureOut">
               <a:rPr lang="en-US" dirty="0"/>
               <a:pPr/>
-              <a:t>1/4/22</a:t>
+              <a:t>1/8/2022</a:t>
             </a:fld>
             <a:endParaRPr lang="en-US" dirty="0"/>
           </a:p>
@@ -13199,8 +13204,25 @@
                 <a:latin typeface="Times New Roman" panose="02020603050405020304" pitchFamily="18" charset="0"/>
                 <a:cs typeface="Times New Roman" panose="02020603050405020304" pitchFamily="18" charset="0"/>
               </a:rPr>
-              <a:t>3. Innovation – what’s new with “jeff”?</a:t>
+              <a:t>3. solution – </a:t>
             </a:r>
+            <a:r>
+              <a:rPr lang="en-US" dirty="0" err="1">
+                <a:solidFill>
+                  <a:schemeClr val="bg1"/>
+                </a:solidFill>
+                <a:latin typeface="Times New Roman" panose="02020603050405020304" pitchFamily="18" charset="0"/>
+                <a:cs typeface="Times New Roman" panose="02020603050405020304" pitchFamily="18" charset="0"/>
+              </a:rPr>
+              <a:t>Machenics</a:t>
+            </a:r>
+            <a:endParaRPr lang="en-US" dirty="0">
+              <a:solidFill>
+                <a:schemeClr val="bg1"/>
+              </a:solidFill>
+              <a:latin typeface="Times New Roman" panose="02020603050405020304" pitchFamily="18" charset="0"/>
+              <a:cs typeface="Times New Roman" panose="02020603050405020304" pitchFamily="18" charset="0"/>
+            </a:endParaRPr>
           </a:p>
         </p:txBody>
       </p:sp>
@@ -13222,10 +13244,115 @@
         </p:nvSpPr>
         <p:spPr/>
         <p:txBody>
-          <a:bodyPr/>
+          <a:bodyPr>
+            <a:normAutofit fontScale="92500" lnSpcReduction="20000"/>
+          </a:bodyPr>
           <a:lstStyle/>
           <a:p>
-            <a:endParaRPr lang="en-US" dirty="0"/>
+            <a:r>
+              <a:rPr lang="en-US" dirty="0">
+                <a:solidFill>
+                  <a:schemeClr val="bg1"/>
+                </a:solidFill>
+              </a:rPr>
+              <a:t>How step to step VA works:</a:t>
+            </a:r>
+          </a:p>
+          <a:p>
+            <a:pPr marL="0" indent="0">
+              <a:buNone/>
+            </a:pPr>
+            <a:r>
+              <a:rPr lang="en-US" dirty="0">
+                <a:solidFill>
+                  <a:schemeClr val="bg1"/>
+                </a:solidFill>
+              </a:rPr>
+              <a:t>	</a:t>
+            </a:r>
+            <a:r>
+              <a:rPr lang="en-US" sz="2000" dirty="0">
+                <a:solidFill>
+                  <a:schemeClr val="bg1"/>
+                </a:solidFill>
+              </a:rPr>
+              <a:t>Determine user needs – knowledge transfer – execution - reporting</a:t>
+            </a:r>
+          </a:p>
+          <a:p>
+            <a:r>
+              <a:rPr lang="en-US" dirty="0">
+                <a:solidFill>
+                  <a:schemeClr val="bg1"/>
+                </a:solidFill>
+              </a:rPr>
+              <a:t>Mining data: </a:t>
+            </a:r>
+          </a:p>
+          <a:p>
+            <a:pPr marL="914400" lvl="2" indent="0">
+              <a:buNone/>
+            </a:pPr>
+            <a:r>
+              <a:rPr lang="en-US" dirty="0">
+                <a:solidFill>
+                  <a:schemeClr val="bg1"/>
+                </a:solidFill>
+              </a:rPr>
+              <a:t>- </a:t>
+            </a:r>
+            <a:r>
+              <a:rPr lang="en-US" sz="2000" dirty="0">
+                <a:solidFill>
+                  <a:schemeClr val="bg1"/>
+                </a:solidFill>
+              </a:rPr>
+              <a:t>Read the available data parameters as required without the need for a big data warehouse</a:t>
+            </a:r>
+          </a:p>
+          <a:p>
+            <a:pPr marL="0" indent="0">
+              <a:buNone/>
+            </a:pPr>
+            <a:r>
+              <a:rPr lang="en-US" dirty="0">
+                <a:solidFill>
+                  <a:schemeClr val="bg1"/>
+                </a:solidFill>
+              </a:rPr>
+              <a:t>	-</a:t>
+            </a:r>
+            <a:r>
+              <a:rPr lang="en-US" sz="2000" dirty="0">
+                <a:solidFill>
+                  <a:schemeClr val="bg1"/>
+                </a:solidFill>
+              </a:rPr>
+              <a:t>with big data warehouse, mining from available sources via API</a:t>
+            </a:r>
+          </a:p>
+          <a:p>
+            <a:r>
+              <a:rPr lang="en-US" dirty="0">
+                <a:solidFill>
+                  <a:schemeClr val="bg1"/>
+                </a:solidFill>
+              </a:rPr>
+              <a:t>Natural language processing:</a:t>
+            </a:r>
+          </a:p>
+          <a:p>
+            <a:pPr marL="914400" lvl="2" indent="0">
+              <a:buNone/>
+            </a:pPr>
+            <a:r>
+              <a:rPr lang="en-US" dirty="0">
+                <a:solidFill>
+                  <a:schemeClr val="bg1"/>
+                </a:solidFill>
+              </a:rPr>
+              <a:t>- question recognition and answer according to the pre-loaded template. To make it unique, we created our own answers to each question type.</a:t>
+            </a:r>
           </a:p>
         </p:txBody>
       </p:sp>
@@ -13296,7 +13423,7 @@
                 <a:latin typeface="Times New Roman" panose="02020603050405020304" pitchFamily="18" charset="0"/>
                 <a:cs typeface="Times New Roman" panose="02020603050405020304" pitchFamily="18" charset="0"/>
               </a:rPr>
-              <a:t>4. Mechanics &amp; design </a:t>
+              <a:t>4. design </a:t>
             </a:r>
           </a:p>
         </p:txBody>

--- a/Group6_IIT_A3_Presentation.pptx
+++ b/Group6_IIT_A3_Presentation.pptx
@@ -168,7 +168,7 @@
           <a:noFill/>
           <a:extLst>
             <a:ext uri="{909E8E84-426E-40dd-AFC4-6F175D3DCCD1}">
-              <a14:hiddenFill xmlns="" xmlns:a14="http://schemas.microsoft.com/office/drawing/2010/main">
+              <a14:hiddenFill xmlns:a14="http://schemas.microsoft.com/office/drawing/2010/main" xmlns="">
                 <a:solidFill>
                   <a:srgbClr val="FFFFFF"/>
                 </a:solidFill>
@@ -228,7 +228,7 @@
             </a:ln>
             <a:extLst>
               <a:ext uri="{91240B29-F687-4f45-9708-019B960494DF}">
-                <a14:hiddenLine xmlns="" xmlns:a14="http://schemas.microsoft.com/office/drawing/2010/main" w="9525">
+                <a14:hiddenLine xmlns:a14="http://schemas.microsoft.com/office/drawing/2010/main" xmlns="" w="9525">
                   <a:solidFill>
                     <a:srgbClr val="000000"/>
                   </a:solidFill>
@@ -318,7 +318,7 @@
             </a:ln>
             <a:extLst>
               <a:ext uri="{91240B29-F687-4f45-9708-019B960494DF}">
-                <a14:hiddenLine xmlns="" xmlns:a14="http://schemas.microsoft.com/office/drawing/2010/main" w="9525">
+                <a14:hiddenLine xmlns:a14="http://schemas.microsoft.com/office/drawing/2010/main" xmlns="" w="9525">
                   <a:solidFill>
                     <a:srgbClr val="000000"/>
                   </a:solidFill>
@@ -408,7 +408,7 @@
             </a:ln>
             <a:extLst>
               <a:ext uri="{91240B29-F687-4f45-9708-019B960494DF}">
-                <a14:hiddenLine xmlns="" xmlns:a14="http://schemas.microsoft.com/office/drawing/2010/main" w="9525">
+                <a14:hiddenLine xmlns:a14="http://schemas.microsoft.com/office/drawing/2010/main" xmlns="" w="9525">
                   <a:solidFill>
                     <a:srgbClr val="000000"/>
                   </a:solidFill>
@@ -442,7 +442,7 @@
             </a:ln>
             <a:extLst>
               <a:ext uri="{91240B29-F687-4f45-9708-019B960494DF}">
-                <a14:hiddenLine xmlns="" xmlns:a14="http://schemas.microsoft.com/office/drawing/2010/main" w="9525">
+                <a14:hiddenLine xmlns:a14="http://schemas.microsoft.com/office/drawing/2010/main" xmlns="" w="9525">
                   <a:solidFill>
                     <a:srgbClr val="000000"/>
                   </a:solidFill>
@@ -532,7 +532,7 @@
             </a:ln>
             <a:extLst>
               <a:ext uri="{91240B29-F687-4f45-9708-019B960494DF}">
-                <a14:hiddenLine xmlns="" xmlns:a14="http://schemas.microsoft.com/office/drawing/2010/main" w="9525">
+                <a14:hiddenLine xmlns:a14="http://schemas.microsoft.com/office/drawing/2010/main" xmlns="" w="9525">
                   <a:solidFill>
                     <a:srgbClr val="000000"/>
                   </a:solidFill>
@@ -594,7 +594,7 @@
             </a:ln>
             <a:extLst>
               <a:ext uri="{91240B29-F687-4f45-9708-019B960494DF}">
-                <a14:hiddenLine xmlns="" xmlns:a14="http://schemas.microsoft.com/office/drawing/2010/main" w="9525">
+                <a14:hiddenLine xmlns:a14="http://schemas.microsoft.com/office/drawing/2010/main" xmlns="" w="9525">
                   <a:solidFill>
                     <a:srgbClr val="000000"/>
                   </a:solidFill>
@@ -656,7 +656,7 @@
             </a:ln>
             <a:extLst>
               <a:ext uri="{91240B29-F687-4f45-9708-019B960494DF}">
-                <a14:hiddenLine xmlns="" xmlns:a14="http://schemas.microsoft.com/office/drawing/2010/main" w="9525">
+                <a14:hiddenLine xmlns:a14="http://schemas.microsoft.com/office/drawing/2010/main" xmlns="" w="9525">
                   <a:solidFill>
                     <a:srgbClr val="000000"/>
                   </a:solidFill>
@@ -746,7 +746,7 @@
             </a:ln>
             <a:extLst>
               <a:ext uri="{91240B29-F687-4f45-9708-019B960494DF}">
-                <a14:hiddenLine xmlns="" xmlns:a14="http://schemas.microsoft.com/office/drawing/2010/main" w="9525">
+                <a14:hiddenLine xmlns:a14="http://schemas.microsoft.com/office/drawing/2010/main" xmlns="" w="9525">
                   <a:solidFill>
                     <a:srgbClr val="000000"/>
                   </a:solidFill>
@@ -808,7 +808,7 @@
             </a:ln>
             <a:extLst>
               <a:ext uri="{91240B29-F687-4f45-9708-019B960494DF}">
-                <a14:hiddenLine xmlns="" xmlns:a14="http://schemas.microsoft.com/office/drawing/2010/main" w="9525">
+                <a14:hiddenLine xmlns:a14="http://schemas.microsoft.com/office/drawing/2010/main" xmlns="" w="9525">
                   <a:solidFill>
                     <a:srgbClr val="000000"/>
                   </a:solidFill>
@@ -870,7 +870,7 @@
             </a:ln>
             <a:extLst>
               <a:ext uri="{91240B29-F687-4f45-9708-019B960494DF}">
-                <a14:hiddenLine xmlns="" xmlns:a14="http://schemas.microsoft.com/office/drawing/2010/main" w="9525">
+                <a14:hiddenLine xmlns:a14="http://schemas.microsoft.com/office/drawing/2010/main" xmlns="" w="9525">
                   <a:solidFill>
                     <a:srgbClr val="000000"/>
                   </a:solidFill>
@@ -960,7 +960,7 @@
             </a:ln>
             <a:extLst>
               <a:ext uri="{91240B29-F687-4f45-9708-019B960494DF}">
-                <a14:hiddenLine xmlns="" xmlns:a14="http://schemas.microsoft.com/office/drawing/2010/main" w="9525">
+                <a14:hiddenLine xmlns:a14="http://schemas.microsoft.com/office/drawing/2010/main" xmlns="" w="9525">
                   <a:solidFill>
                     <a:srgbClr val="000000"/>
                   </a:solidFill>
@@ -1050,7 +1050,7 @@
             </a:ln>
             <a:extLst>
               <a:ext uri="{91240B29-F687-4f45-9708-019B960494DF}">
-                <a14:hiddenLine xmlns="" xmlns:a14="http://schemas.microsoft.com/office/drawing/2010/main" w="9525">
+                <a14:hiddenLine xmlns:a14="http://schemas.microsoft.com/office/drawing/2010/main" xmlns="" w="9525">
                   <a:solidFill>
                     <a:srgbClr val="000000"/>
                   </a:solidFill>
@@ -1112,7 +1112,7 @@
             </a:ln>
             <a:extLst>
               <a:ext uri="{91240B29-F687-4f45-9708-019B960494DF}">
-                <a14:hiddenLine xmlns="" xmlns:a14="http://schemas.microsoft.com/office/drawing/2010/main" w="9525">
+                <a14:hiddenLine xmlns:a14="http://schemas.microsoft.com/office/drawing/2010/main" xmlns="" w="9525">
                   <a:solidFill>
                     <a:srgbClr val="000000"/>
                   </a:solidFill>
@@ -1222,7 +1222,7 @@
             </a:ln>
             <a:extLst>
               <a:ext uri="{91240B29-F687-4f45-9708-019B960494DF}">
-                <a14:hiddenLine xmlns="" xmlns:a14="http://schemas.microsoft.com/office/drawing/2010/main" w="9525">
+                <a14:hiddenLine xmlns:a14="http://schemas.microsoft.com/office/drawing/2010/main" xmlns="" w="9525">
                   <a:solidFill>
                     <a:srgbClr val="000000"/>
                   </a:solidFill>
@@ -1284,7 +1284,7 @@
             </a:ln>
             <a:extLst>
               <a:ext uri="{91240B29-F687-4f45-9708-019B960494DF}">
-                <a14:hiddenLine xmlns="" xmlns:a14="http://schemas.microsoft.com/office/drawing/2010/main" w="9525">
+                <a14:hiddenLine xmlns:a14="http://schemas.microsoft.com/office/drawing/2010/main" xmlns="" w="9525">
                   <a:solidFill>
                     <a:srgbClr val="000000"/>
                   </a:solidFill>
@@ -1374,7 +1374,7 @@
             </a:ln>
             <a:extLst>
               <a:ext uri="{91240B29-F687-4f45-9708-019B960494DF}">
-                <a14:hiddenLine xmlns="" xmlns:a14="http://schemas.microsoft.com/office/drawing/2010/main" w="9525">
+                <a14:hiddenLine xmlns:a14="http://schemas.microsoft.com/office/drawing/2010/main" xmlns="" w="9525">
                   <a:solidFill>
                     <a:srgbClr val="000000"/>
                   </a:solidFill>
@@ -1464,7 +1464,7 @@
             </a:ln>
             <a:extLst>
               <a:ext uri="{91240B29-F687-4f45-9708-019B960494DF}">
-                <a14:hiddenLine xmlns="" xmlns:a14="http://schemas.microsoft.com/office/drawing/2010/main" w="9525">
+                <a14:hiddenLine xmlns:a14="http://schemas.microsoft.com/office/drawing/2010/main" xmlns="" w="9525">
                   <a:solidFill>
                     <a:srgbClr val="000000"/>
                   </a:solidFill>
@@ -1526,7 +1526,7 @@
             </a:ln>
             <a:extLst>
               <a:ext uri="{91240B29-F687-4f45-9708-019B960494DF}">
-                <a14:hiddenLine xmlns="" xmlns:a14="http://schemas.microsoft.com/office/drawing/2010/main" w="9525">
+                <a14:hiddenLine xmlns:a14="http://schemas.microsoft.com/office/drawing/2010/main" xmlns="" w="9525">
                   <a:solidFill>
                     <a:srgbClr val="000000"/>
                   </a:solidFill>
@@ -1616,7 +1616,7 @@
             </a:ln>
             <a:extLst>
               <a:ext uri="{91240B29-F687-4f45-9708-019B960494DF}">
-                <a14:hiddenLine xmlns="" xmlns:a14="http://schemas.microsoft.com/office/drawing/2010/main" w="9525">
+                <a14:hiddenLine xmlns:a14="http://schemas.microsoft.com/office/drawing/2010/main" xmlns="" w="9525">
                   <a:solidFill>
                     <a:srgbClr val="000000"/>
                   </a:solidFill>
@@ -1706,7 +1706,7 @@
             </a:ln>
             <a:extLst>
               <a:ext uri="{91240B29-F687-4f45-9708-019B960494DF}">
-                <a14:hiddenLine xmlns="" xmlns:a14="http://schemas.microsoft.com/office/drawing/2010/main" w="9525">
+                <a14:hiddenLine xmlns:a14="http://schemas.microsoft.com/office/drawing/2010/main" xmlns="" w="9525">
                   <a:solidFill>
                     <a:srgbClr val="000000"/>
                   </a:solidFill>
@@ -1762,7 +1762,7 @@
             </a:ln>
             <a:extLst>
               <a:ext uri="{91240B29-F687-4f45-9708-019B960494DF}">
-                <a14:hiddenLine xmlns="" xmlns:a14="http://schemas.microsoft.com/office/drawing/2010/main" w="9525">
+                <a14:hiddenLine xmlns:a14="http://schemas.microsoft.com/office/drawing/2010/main" xmlns="" w="9525">
                   <a:solidFill>
                     <a:srgbClr val="000000"/>
                   </a:solidFill>
@@ -1852,7 +1852,7 @@
             </a:ln>
             <a:extLst>
               <a:ext uri="{91240B29-F687-4f45-9708-019B960494DF}">
-                <a14:hiddenLine xmlns="" xmlns:a14="http://schemas.microsoft.com/office/drawing/2010/main" w="9525">
+                <a14:hiddenLine xmlns:a14="http://schemas.microsoft.com/office/drawing/2010/main" xmlns="" w="9525">
                   <a:solidFill>
                     <a:srgbClr val="000000"/>
                   </a:solidFill>
@@ -1908,7 +1908,7 @@
             </a:ln>
             <a:extLst>
               <a:ext uri="{91240B29-F687-4f45-9708-019B960494DF}">
-                <a14:hiddenLine xmlns="" xmlns:a14="http://schemas.microsoft.com/office/drawing/2010/main" w="9525">
+                <a14:hiddenLine xmlns:a14="http://schemas.microsoft.com/office/drawing/2010/main" xmlns="" w="9525">
                   <a:solidFill>
                     <a:srgbClr val="000000"/>
                   </a:solidFill>
@@ -1998,7 +1998,7 @@
             </a:ln>
             <a:extLst>
               <a:ext uri="{91240B29-F687-4f45-9708-019B960494DF}">
-                <a14:hiddenLine xmlns="" xmlns:a14="http://schemas.microsoft.com/office/drawing/2010/main" w="9525">
+                <a14:hiddenLine xmlns:a14="http://schemas.microsoft.com/office/drawing/2010/main" xmlns="" w="9525">
                   <a:solidFill>
                     <a:srgbClr val="000000"/>
                   </a:solidFill>
@@ -2066,7 +2066,7 @@
             </a:ln>
             <a:extLst>
               <a:ext uri="{91240B29-F687-4f45-9708-019B960494DF}">
-                <a14:hiddenLine xmlns="" xmlns:a14="http://schemas.microsoft.com/office/drawing/2010/main" w="9525">
+                <a14:hiddenLine xmlns:a14="http://schemas.microsoft.com/office/drawing/2010/main" xmlns="" w="9525">
                   <a:solidFill>
                     <a:srgbClr val="000000"/>
                   </a:solidFill>
@@ -2156,7 +2156,7 @@
             </a:ln>
             <a:extLst>
               <a:ext uri="{91240B29-F687-4f45-9708-019B960494DF}">
-                <a14:hiddenLine xmlns="" xmlns:a14="http://schemas.microsoft.com/office/drawing/2010/main" w="9525">
+                <a14:hiddenLine xmlns:a14="http://schemas.microsoft.com/office/drawing/2010/main" xmlns="" w="9525">
                   <a:solidFill>
                     <a:srgbClr val="000000"/>
                   </a:solidFill>
@@ -2224,7 +2224,7 @@
             </a:ln>
             <a:extLst>
               <a:ext uri="{91240B29-F687-4f45-9708-019B960494DF}">
-                <a14:hiddenLine xmlns="" xmlns:a14="http://schemas.microsoft.com/office/drawing/2010/main" w="9525">
+                <a14:hiddenLine xmlns:a14="http://schemas.microsoft.com/office/drawing/2010/main" xmlns="" w="9525">
                   <a:solidFill>
                     <a:srgbClr val="000000"/>
                   </a:solidFill>
@@ -2314,7 +2314,7 @@
             </a:ln>
             <a:extLst>
               <a:ext uri="{91240B29-F687-4f45-9708-019B960494DF}">
-                <a14:hiddenLine xmlns="" xmlns:a14="http://schemas.microsoft.com/office/drawing/2010/main" w="9525">
+                <a14:hiddenLine xmlns:a14="http://schemas.microsoft.com/office/drawing/2010/main" xmlns="" w="9525">
                   <a:solidFill>
                     <a:srgbClr val="000000"/>
                   </a:solidFill>
@@ -2348,7 +2348,7 @@
             </a:ln>
             <a:extLst>
               <a:ext uri="{91240B29-F687-4f45-9708-019B960494DF}">
-                <a14:hiddenLine xmlns="" xmlns:a14="http://schemas.microsoft.com/office/drawing/2010/main" w="9525">
+                <a14:hiddenLine xmlns:a14="http://schemas.microsoft.com/office/drawing/2010/main" xmlns="" w="9525">
                   <a:solidFill>
                     <a:srgbClr val="000000"/>
                   </a:solidFill>
@@ -2438,7 +2438,7 @@
             </a:ln>
             <a:extLst>
               <a:ext uri="{91240B29-F687-4f45-9708-019B960494DF}">
-                <a14:hiddenLine xmlns="" xmlns:a14="http://schemas.microsoft.com/office/drawing/2010/main" w="9525">
+                <a14:hiddenLine xmlns:a14="http://schemas.microsoft.com/office/drawing/2010/main" xmlns="" w="9525">
                   <a:solidFill>
                     <a:srgbClr val="000000"/>
                   </a:solidFill>
@@ -2500,7 +2500,7 @@
             </a:ln>
             <a:extLst>
               <a:ext uri="{91240B29-F687-4f45-9708-019B960494DF}">
-                <a14:hiddenLine xmlns="" xmlns:a14="http://schemas.microsoft.com/office/drawing/2010/main" w="9525">
+                <a14:hiddenLine xmlns:a14="http://schemas.microsoft.com/office/drawing/2010/main" xmlns="" w="9525">
                   <a:solidFill>
                     <a:srgbClr val="000000"/>
                   </a:solidFill>
@@ -2562,7 +2562,7 @@
             </a:ln>
             <a:extLst>
               <a:ext uri="{91240B29-F687-4f45-9708-019B960494DF}">
-                <a14:hiddenLine xmlns="" xmlns:a14="http://schemas.microsoft.com/office/drawing/2010/main" w="9525">
+                <a14:hiddenLine xmlns:a14="http://schemas.microsoft.com/office/drawing/2010/main" xmlns="" w="9525">
                   <a:solidFill>
                     <a:srgbClr val="000000"/>
                   </a:solidFill>
@@ -2652,7 +2652,7 @@
             </a:ln>
             <a:extLst>
               <a:ext uri="{91240B29-F687-4f45-9708-019B960494DF}">
-                <a14:hiddenLine xmlns="" xmlns:a14="http://schemas.microsoft.com/office/drawing/2010/main" w="9525">
+                <a14:hiddenLine xmlns:a14="http://schemas.microsoft.com/office/drawing/2010/main" xmlns="" w="9525">
                   <a:solidFill>
                     <a:srgbClr val="000000"/>
                   </a:solidFill>
@@ -2720,7 +2720,7 @@
             </a:ln>
             <a:extLst>
               <a:ext uri="{91240B29-F687-4f45-9708-019B960494DF}">
-                <a14:hiddenLine xmlns="" xmlns:a14="http://schemas.microsoft.com/office/drawing/2010/main" w="9525">
+                <a14:hiddenLine xmlns:a14="http://schemas.microsoft.com/office/drawing/2010/main" xmlns="" w="9525">
                   <a:solidFill>
                     <a:srgbClr val="000000"/>
                   </a:solidFill>
@@ -2782,7 +2782,7 @@
             </a:ln>
             <a:extLst>
               <a:ext uri="{91240B29-F687-4f45-9708-019B960494DF}">
-                <a14:hiddenLine xmlns="" xmlns:a14="http://schemas.microsoft.com/office/drawing/2010/main" w="9525">
+                <a14:hiddenLine xmlns:a14="http://schemas.microsoft.com/office/drawing/2010/main" xmlns="" w="9525">
                   <a:solidFill>
                     <a:srgbClr val="000000"/>
                   </a:solidFill>
@@ -2872,7 +2872,7 @@
             </a:ln>
             <a:extLst>
               <a:ext uri="{91240B29-F687-4f45-9708-019B960494DF}">
-                <a14:hiddenLine xmlns="" xmlns:a14="http://schemas.microsoft.com/office/drawing/2010/main" w="9525">
+                <a14:hiddenLine xmlns:a14="http://schemas.microsoft.com/office/drawing/2010/main" xmlns="" w="9525">
                   <a:solidFill>
                     <a:srgbClr val="000000"/>
                   </a:solidFill>
@@ -2934,7 +2934,7 @@
             </a:ln>
             <a:extLst>
               <a:ext uri="{91240B29-F687-4f45-9708-019B960494DF}">
-                <a14:hiddenLine xmlns="" xmlns:a14="http://schemas.microsoft.com/office/drawing/2010/main" w="9525">
+                <a14:hiddenLine xmlns:a14="http://schemas.microsoft.com/office/drawing/2010/main" xmlns="" w="9525">
                   <a:solidFill>
                     <a:srgbClr val="000000"/>
                   </a:solidFill>
@@ -3024,7 +3024,7 @@
             </a:ln>
             <a:extLst>
               <a:ext uri="{91240B29-F687-4f45-9708-019B960494DF}">
-                <a14:hiddenLine xmlns="" xmlns:a14="http://schemas.microsoft.com/office/drawing/2010/main" w="9525">
+                <a14:hiddenLine xmlns:a14="http://schemas.microsoft.com/office/drawing/2010/main" xmlns="" w="9525">
                   <a:solidFill>
                     <a:srgbClr val="000000"/>
                   </a:solidFill>
@@ -3086,7 +3086,7 @@
             </a:ln>
             <a:extLst>
               <a:ext uri="{91240B29-F687-4f45-9708-019B960494DF}">
-                <a14:hiddenLine xmlns="" xmlns:a14="http://schemas.microsoft.com/office/drawing/2010/main" w="9525">
+                <a14:hiddenLine xmlns:a14="http://schemas.microsoft.com/office/drawing/2010/main" xmlns="" w="9525">
                   <a:solidFill>
                     <a:srgbClr val="000000"/>
                   </a:solidFill>
@@ -3176,7 +3176,7 @@
             </a:ln>
             <a:extLst>
               <a:ext uri="{91240B29-F687-4f45-9708-019B960494DF}">
-                <a14:hiddenLine xmlns="" xmlns:a14="http://schemas.microsoft.com/office/drawing/2010/main" w="9525">
+                <a14:hiddenLine xmlns:a14="http://schemas.microsoft.com/office/drawing/2010/main" xmlns="" w="9525">
                   <a:solidFill>
                     <a:srgbClr val="000000"/>
                   </a:solidFill>
@@ -3210,7 +3210,7 @@
             </a:ln>
             <a:extLst>
               <a:ext uri="{91240B29-F687-4f45-9708-019B960494DF}">
-                <a14:hiddenLine xmlns="" xmlns:a14="http://schemas.microsoft.com/office/drawing/2010/main" w="9525">
+                <a14:hiddenLine xmlns:a14="http://schemas.microsoft.com/office/drawing/2010/main" xmlns="" w="9525">
                   <a:solidFill>
                     <a:srgbClr val="000000"/>
                   </a:solidFill>
@@ -3275,7 +3275,7 @@
             </a:ln>
             <a:extLst>
               <a:ext uri="{91240B29-F687-4f45-9708-019B960494DF}">
-                <a14:hiddenLine xmlns="" xmlns:a14="http://schemas.microsoft.com/office/drawing/2010/main" w="9525">
+                <a14:hiddenLine xmlns:a14="http://schemas.microsoft.com/office/drawing/2010/main" xmlns="" w="9525">
                   <a:solidFill>
                     <a:srgbClr val="000000"/>
                   </a:solidFill>
@@ -3365,7 +3365,7 @@
             </a:ln>
             <a:extLst>
               <a:ext uri="{91240B29-F687-4f45-9708-019B960494DF}">
-                <a14:hiddenLine xmlns="" xmlns:a14="http://schemas.microsoft.com/office/drawing/2010/main" w="9525">
+                <a14:hiddenLine xmlns:a14="http://schemas.microsoft.com/office/drawing/2010/main" xmlns="" w="9525">
                   <a:solidFill>
                     <a:srgbClr val="000000"/>
                   </a:solidFill>
@@ -3427,7 +3427,7 @@
             </a:ln>
             <a:extLst>
               <a:ext uri="{91240B29-F687-4f45-9708-019B960494DF}">
-                <a14:hiddenLine xmlns="" xmlns:a14="http://schemas.microsoft.com/office/drawing/2010/main" w="9525">
+                <a14:hiddenLine xmlns:a14="http://schemas.microsoft.com/office/drawing/2010/main" xmlns="" w="9525">
                   <a:solidFill>
                     <a:srgbClr val="000000"/>
                   </a:solidFill>
@@ -3517,7 +3517,7 @@
             </a:ln>
             <a:extLst>
               <a:ext uri="{91240B29-F687-4f45-9708-019B960494DF}">
-                <a14:hiddenLine xmlns="" xmlns:a14="http://schemas.microsoft.com/office/drawing/2010/main" w="9525">
+                <a14:hiddenLine xmlns:a14="http://schemas.microsoft.com/office/drawing/2010/main" xmlns="" w="9525">
                   <a:solidFill>
                     <a:srgbClr val="000000"/>
                   </a:solidFill>
@@ -3607,7 +3607,7 @@
             </a:ln>
             <a:extLst>
               <a:ext uri="{91240B29-F687-4f45-9708-019B960494DF}">
-                <a14:hiddenLine xmlns="" xmlns:a14="http://schemas.microsoft.com/office/drawing/2010/main" w="9525">
+                <a14:hiddenLine xmlns:a14="http://schemas.microsoft.com/office/drawing/2010/main" xmlns="" w="9525">
                   <a:solidFill>
                     <a:srgbClr val="000000"/>
                   </a:solidFill>
@@ -3672,7 +3672,7 @@
             </a:ln>
             <a:extLst>
               <a:ext uri="{91240B29-F687-4f45-9708-019B960494DF}">
-                <a14:hiddenLine xmlns="" xmlns:a14="http://schemas.microsoft.com/office/drawing/2010/main" w="9525">
+                <a14:hiddenLine xmlns:a14="http://schemas.microsoft.com/office/drawing/2010/main" xmlns="" w="9525">
                   <a:solidFill>
                     <a:srgbClr val="000000"/>
                   </a:solidFill>
@@ -3734,7 +3734,7 @@
             </a:ln>
             <a:extLst>
               <a:ext uri="{91240B29-F687-4f45-9708-019B960494DF}">
-                <a14:hiddenLine xmlns="" xmlns:a14="http://schemas.microsoft.com/office/drawing/2010/main" w="9525">
+                <a14:hiddenLine xmlns:a14="http://schemas.microsoft.com/office/drawing/2010/main" xmlns="" w="9525">
                   <a:solidFill>
                     <a:srgbClr val="000000"/>
                   </a:solidFill>
@@ -3824,7 +3824,7 @@
             </a:ln>
             <a:extLst>
               <a:ext uri="{91240B29-F687-4f45-9708-019B960494DF}">
-                <a14:hiddenLine xmlns="" xmlns:a14="http://schemas.microsoft.com/office/drawing/2010/main" w="9525">
+                <a14:hiddenLine xmlns:a14="http://schemas.microsoft.com/office/drawing/2010/main" xmlns="" w="9525">
                   <a:solidFill>
                     <a:srgbClr val="000000"/>
                   </a:solidFill>
@@ -3914,7 +3914,7 @@
             </a:ln>
             <a:extLst>
               <a:ext uri="{91240B29-F687-4f45-9708-019B960494DF}">
-                <a14:hiddenLine xmlns="" xmlns:a14="http://schemas.microsoft.com/office/drawing/2010/main" w="9525">
+                <a14:hiddenLine xmlns:a14="http://schemas.microsoft.com/office/drawing/2010/main" xmlns="" w="9525">
                   <a:solidFill>
                     <a:srgbClr val="000000"/>
                   </a:solidFill>
@@ -3976,7 +3976,7 @@
             </a:ln>
             <a:extLst>
               <a:ext uri="{91240B29-F687-4f45-9708-019B960494DF}">
-                <a14:hiddenLine xmlns="" xmlns:a14="http://schemas.microsoft.com/office/drawing/2010/main" w="9525">
+                <a14:hiddenLine xmlns:a14="http://schemas.microsoft.com/office/drawing/2010/main" xmlns="" w="9525">
                   <a:solidFill>
                     <a:srgbClr val="000000"/>
                   </a:solidFill>
@@ -4096,7 +4096,7 @@
             </a:ln>
             <a:extLst>
               <a:ext uri="{91240B29-F687-4f45-9708-019B960494DF}">
-                <a14:hiddenLine xmlns="" xmlns:a14="http://schemas.microsoft.com/office/drawing/2010/main" w="9525">
+                <a14:hiddenLine xmlns:a14="http://schemas.microsoft.com/office/drawing/2010/main" xmlns="" w="9525">
                   <a:solidFill>
                     <a:srgbClr val="000000"/>
                   </a:solidFill>
@@ -4164,7 +4164,7 @@
             </a:ln>
             <a:extLst>
               <a:ext uri="{91240B29-F687-4f45-9708-019B960494DF}">
-                <a14:hiddenLine xmlns="" xmlns:a14="http://schemas.microsoft.com/office/drawing/2010/main" w="9525">
+                <a14:hiddenLine xmlns:a14="http://schemas.microsoft.com/office/drawing/2010/main" xmlns="" w="9525">
                   <a:solidFill>
                     <a:srgbClr val="000000"/>
                   </a:solidFill>
@@ -4254,7 +4254,7 @@
             </a:ln>
             <a:extLst>
               <a:ext uri="{91240B29-F687-4f45-9708-019B960494DF}">
-                <a14:hiddenLine xmlns="" xmlns:a14="http://schemas.microsoft.com/office/drawing/2010/main" w="9525">
+                <a14:hiddenLine xmlns:a14="http://schemas.microsoft.com/office/drawing/2010/main" xmlns="" w="9525">
                   <a:solidFill>
                     <a:srgbClr val="000000"/>
                   </a:solidFill>
@@ -8976,7 +8976,7 @@
           <a:noFill/>
           <a:extLst>
             <a:ext uri="{909E8E84-426E-40dd-AFC4-6F175D3DCCD1}">
-              <a14:hiddenFill xmlns="" xmlns:a14="http://schemas.microsoft.com/office/drawing/2010/main">
+              <a14:hiddenFill xmlns:a14="http://schemas.microsoft.com/office/drawing/2010/main" xmlns="">
                 <a:solidFill>
                   <a:srgbClr val="FFFFFF"/>
                 </a:solidFill>
@@ -9050,7 +9050,7 @@
               </a:ln>
               <a:extLst>
                 <a:ext uri="{91240B29-F687-4f45-9708-019B960494DF}">
-                  <a14:hiddenLine xmlns="" xmlns:a14="http://schemas.microsoft.com/office/drawing/2010/main" w="9525">
+                  <a14:hiddenLine xmlns:a14="http://schemas.microsoft.com/office/drawing/2010/main" xmlns="" w="9525">
                     <a:solidFill>
                       <a:srgbClr val="000000"/>
                     </a:solidFill>
@@ -9140,7 +9140,7 @@
               </a:ln>
               <a:extLst>
                 <a:ext uri="{91240B29-F687-4f45-9708-019B960494DF}">
-                  <a14:hiddenLine xmlns="" xmlns:a14="http://schemas.microsoft.com/office/drawing/2010/main" w="9525">
+                  <a14:hiddenLine xmlns:a14="http://schemas.microsoft.com/office/drawing/2010/main" xmlns="" w="9525">
                     <a:solidFill>
                       <a:srgbClr val="000000"/>
                     </a:solidFill>
@@ -9230,7 +9230,7 @@
               </a:ln>
               <a:extLst>
                 <a:ext uri="{91240B29-F687-4f45-9708-019B960494DF}">
-                  <a14:hiddenLine xmlns="" xmlns:a14="http://schemas.microsoft.com/office/drawing/2010/main" w="9525">
+                  <a14:hiddenLine xmlns:a14="http://schemas.microsoft.com/office/drawing/2010/main" xmlns="" w="9525">
                     <a:solidFill>
                       <a:srgbClr val="000000"/>
                     </a:solidFill>
@@ -9292,7 +9292,7 @@
               </a:ln>
               <a:extLst>
                 <a:ext uri="{91240B29-F687-4f45-9708-019B960494DF}">
-                  <a14:hiddenLine xmlns="" xmlns:a14="http://schemas.microsoft.com/office/drawing/2010/main" w="9525">
+                  <a14:hiddenLine xmlns:a14="http://schemas.microsoft.com/office/drawing/2010/main" xmlns="" w="9525">
                     <a:solidFill>
                       <a:srgbClr val="000000"/>
                     </a:solidFill>
@@ -9382,7 +9382,7 @@
               </a:ln>
               <a:extLst>
                 <a:ext uri="{91240B29-F687-4f45-9708-019B960494DF}">
-                  <a14:hiddenLine xmlns="" xmlns:a14="http://schemas.microsoft.com/office/drawing/2010/main" w="9525">
+                  <a14:hiddenLine xmlns:a14="http://schemas.microsoft.com/office/drawing/2010/main" xmlns="" w="9525">
                     <a:solidFill>
                       <a:srgbClr val="000000"/>
                     </a:solidFill>
@@ -9444,7 +9444,7 @@
               </a:ln>
               <a:extLst>
                 <a:ext uri="{91240B29-F687-4f45-9708-019B960494DF}">
-                  <a14:hiddenLine xmlns="" xmlns:a14="http://schemas.microsoft.com/office/drawing/2010/main" w="9525">
+                  <a14:hiddenLine xmlns:a14="http://schemas.microsoft.com/office/drawing/2010/main" xmlns="" w="9525">
                     <a:solidFill>
                       <a:srgbClr val="000000"/>
                     </a:solidFill>
@@ -9506,7 +9506,7 @@
               </a:ln>
               <a:extLst>
                 <a:ext uri="{91240B29-F687-4f45-9708-019B960494DF}">
-                  <a14:hiddenLine xmlns="" xmlns:a14="http://schemas.microsoft.com/office/drawing/2010/main" w="9525">
+                  <a14:hiddenLine xmlns:a14="http://schemas.microsoft.com/office/drawing/2010/main" xmlns="" w="9525">
                     <a:solidFill>
                       <a:srgbClr val="000000"/>
                     </a:solidFill>
@@ -9596,7 +9596,7 @@
               </a:ln>
               <a:extLst>
                 <a:ext uri="{91240B29-F687-4f45-9708-019B960494DF}">
-                  <a14:hiddenLine xmlns="" xmlns:a14="http://schemas.microsoft.com/office/drawing/2010/main" w="9525">
+                  <a14:hiddenLine xmlns:a14="http://schemas.microsoft.com/office/drawing/2010/main" xmlns="" w="9525">
                     <a:solidFill>
                       <a:srgbClr val="000000"/>
                     </a:solidFill>
@@ -9686,7 +9686,7 @@
               </a:ln>
               <a:extLst>
                 <a:ext uri="{91240B29-F687-4f45-9708-019B960494DF}">
-                  <a14:hiddenLine xmlns="" xmlns:a14="http://schemas.microsoft.com/office/drawing/2010/main" w="9525">
+                  <a14:hiddenLine xmlns:a14="http://schemas.microsoft.com/office/drawing/2010/main" xmlns="" w="9525">
                     <a:solidFill>
                       <a:srgbClr val="000000"/>
                     </a:solidFill>
@@ -9748,7 +9748,7 @@
               </a:ln>
               <a:extLst>
                 <a:ext uri="{91240B29-F687-4f45-9708-019B960494DF}">
-                  <a14:hiddenLine xmlns="" xmlns:a14="http://schemas.microsoft.com/office/drawing/2010/main" w="9525">
+                  <a14:hiddenLine xmlns:a14="http://schemas.microsoft.com/office/drawing/2010/main" xmlns="" w="9525">
                     <a:solidFill>
                       <a:srgbClr val="000000"/>
                     </a:solidFill>
@@ -9858,7 +9858,7 @@
               </a:ln>
               <a:extLst>
                 <a:ext uri="{91240B29-F687-4f45-9708-019B960494DF}">
-                  <a14:hiddenLine xmlns="" xmlns:a14="http://schemas.microsoft.com/office/drawing/2010/main" w="9525">
+                  <a14:hiddenLine xmlns:a14="http://schemas.microsoft.com/office/drawing/2010/main" xmlns="" w="9525">
                     <a:solidFill>
                       <a:srgbClr val="000000"/>
                     </a:solidFill>
@@ -9942,7 +9942,7 @@
               </a:ln>
               <a:extLst>
                 <a:ext uri="{91240B29-F687-4f45-9708-019B960494DF}">
-                  <a14:hiddenLine xmlns="" xmlns:a14="http://schemas.microsoft.com/office/drawing/2010/main" w="9525">
+                  <a14:hiddenLine xmlns:a14="http://schemas.microsoft.com/office/drawing/2010/main" xmlns="" w="9525">
                     <a:solidFill>
                       <a:srgbClr val="000000"/>
                     </a:solidFill>
@@ -10004,7 +10004,7 @@
               </a:ln>
               <a:extLst>
                 <a:ext uri="{91240B29-F687-4f45-9708-019B960494DF}">
-                  <a14:hiddenLine xmlns="" xmlns:a14="http://schemas.microsoft.com/office/drawing/2010/main" w="9525">
+                  <a14:hiddenLine xmlns:a14="http://schemas.microsoft.com/office/drawing/2010/main" xmlns="" w="9525">
                     <a:solidFill>
                       <a:srgbClr val="000000"/>
                     </a:solidFill>
@@ -10066,7 +10066,7 @@
               </a:ln>
               <a:extLst>
                 <a:ext uri="{91240B29-F687-4f45-9708-019B960494DF}">
-                  <a14:hiddenLine xmlns="" xmlns:a14="http://schemas.microsoft.com/office/drawing/2010/main" w="9525">
+                  <a14:hiddenLine xmlns:a14="http://schemas.microsoft.com/office/drawing/2010/main" xmlns="" w="9525">
                     <a:solidFill>
                       <a:srgbClr val="000000"/>
                     </a:solidFill>
@@ -10156,7 +10156,7 @@
               </a:ln>
               <a:extLst>
                 <a:ext uri="{91240B29-F687-4f45-9708-019B960494DF}">
-                  <a14:hiddenLine xmlns="" xmlns:a14="http://schemas.microsoft.com/office/drawing/2010/main" w="9525">
+                  <a14:hiddenLine xmlns:a14="http://schemas.microsoft.com/office/drawing/2010/main" xmlns="" w="9525">
                     <a:solidFill>
                       <a:srgbClr val="000000"/>
                     </a:solidFill>
@@ -10190,7 +10190,7 @@
               </a:ln>
               <a:extLst>
                 <a:ext uri="{91240B29-F687-4f45-9708-019B960494DF}">
-                  <a14:hiddenLine xmlns="" xmlns:a14="http://schemas.microsoft.com/office/drawing/2010/main" w="9525">
+                  <a14:hiddenLine xmlns:a14="http://schemas.microsoft.com/office/drawing/2010/main" xmlns="" w="9525">
                     <a:solidFill>
                       <a:srgbClr val="000000"/>
                     </a:solidFill>
@@ -10255,7 +10255,7 @@
               </a:ln>
               <a:extLst>
                 <a:ext uri="{91240B29-F687-4f45-9708-019B960494DF}">
-                  <a14:hiddenLine xmlns="" xmlns:a14="http://schemas.microsoft.com/office/drawing/2010/main" w="9525">
+                  <a14:hiddenLine xmlns:a14="http://schemas.microsoft.com/office/drawing/2010/main" xmlns="" w="9525">
                     <a:solidFill>
                       <a:srgbClr val="000000"/>
                     </a:solidFill>
@@ -10345,7 +10345,7 @@
               </a:ln>
               <a:extLst>
                 <a:ext uri="{91240B29-F687-4f45-9708-019B960494DF}">
-                  <a14:hiddenLine xmlns="" xmlns:a14="http://schemas.microsoft.com/office/drawing/2010/main" w="9525">
+                  <a14:hiddenLine xmlns:a14="http://schemas.microsoft.com/office/drawing/2010/main" xmlns="" w="9525">
                     <a:solidFill>
                       <a:srgbClr val="000000"/>
                     </a:solidFill>
@@ -10407,7 +10407,7 @@
               </a:ln>
               <a:extLst>
                 <a:ext uri="{91240B29-F687-4f45-9708-019B960494DF}">
-                  <a14:hiddenLine xmlns="" xmlns:a14="http://schemas.microsoft.com/office/drawing/2010/main" w="9525">
+                  <a14:hiddenLine xmlns:a14="http://schemas.microsoft.com/office/drawing/2010/main" xmlns="" w="9525">
                     <a:solidFill>
                       <a:srgbClr val="000000"/>
                     </a:solidFill>
@@ -10497,7 +10497,7 @@
               </a:ln>
               <a:extLst>
                 <a:ext uri="{91240B29-F687-4f45-9708-019B960494DF}">
-                  <a14:hiddenLine xmlns="" xmlns:a14="http://schemas.microsoft.com/office/drawing/2010/main" w="9525">
+                  <a14:hiddenLine xmlns:a14="http://schemas.microsoft.com/office/drawing/2010/main" xmlns="" w="9525">
                     <a:solidFill>
                       <a:srgbClr val="000000"/>
                     </a:solidFill>
@@ -10562,7 +10562,7 @@
               </a:ln>
               <a:extLst>
                 <a:ext uri="{91240B29-F687-4f45-9708-019B960494DF}">
-                  <a14:hiddenLine xmlns="" xmlns:a14="http://schemas.microsoft.com/office/drawing/2010/main" w="9525">
+                  <a14:hiddenLine xmlns:a14="http://schemas.microsoft.com/office/drawing/2010/main" xmlns="" w="9525">
                     <a:solidFill>
                       <a:srgbClr val="000000"/>
                     </a:solidFill>
@@ -10624,7 +10624,7 @@
               </a:ln>
               <a:extLst>
                 <a:ext uri="{91240B29-F687-4f45-9708-019B960494DF}">
-                  <a14:hiddenLine xmlns="" xmlns:a14="http://schemas.microsoft.com/office/drawing/2010/main" w="9525">
+                  <a14:hiddenLine xmlns:a14="http://schemas.microsoft.com/office/drawing/2010/main" xmlns="" w="9525">
                     <a:solidFill>
                       <a:srgbClr val="000000"/>
                     </a:solidFill>
@@ -10714,7 +10714,7 @@
               </a:ln>
               <a:extLst>
                 <a:ext uri="{91240B29-F687-4f45-9708-019B960494DF}">
-                  <a14:hiddenLine xmlns="" xmlns:a14="http://schemas.microsoft.com/office/drawing/2010/main" w="9525">
+                  <a14:hiddenLine xmlns:a14="http://schemas.microsoft.com/office/drawing/2010/main" xmlns="" w="9525">
                     <a:solidFill>
                       <a:srgbClr val="000000"/>
                     </a:solidFill>
@@ -10804,7 +10804,7 @@
               </a:ln>
               <a:extLst>
                 <a:ext uri="{91240B29-F687-4f45-9708-019B960494DF}">
-                  <a14:hiddenLine xmlns="" xmlns:a14="http://schemas.microsoft.com/office/drawing/2010/main" w="9525">
+                  <a14:hiddenLine xmlns:a14="http://schemas.microsoft.com/office/drawing/2010/main" xmlns="" w="9525">
                     <a:solidFill>
                       <a:srgbClr val="000000"/>
                     </a:solidFill>
@@ -10869,7 +10869,7 @@
               </a:ln>
               <a:extLst>
                 <a:ext uri="{91240B29-F687-4f45-9708-019B960494DF}">
-                  <a14:hiddenLine xmlns="" xmlns:a14="http://schemas.microsoft.com/office/drawing/2010/main" w="9525">
+                  <a14:hiddenLine xmlns:a14="http://schemas.microsoft.com/office/drawing/2010/main" xmlns="" w="9525">
                     <a:solidFill>
                       <a:srgbClr val="000000"/>
                     </a:solidFill>
@@ -10989,7 +10989,7 @@
               </a:ln>
               <a:extLst>
                 <a:ext uri="{91240B29-F687-4f45-9708-019B960494DF}">
-                  <a14:hiddenLine xmlns="" xmlns:a14="http://schemas.microsoft.com/office/drawing/2010/main" w="9525">
+                  <a14:hiddenLine xmlns:a14="http://schemas.microsoft.com/office/drawing/2010/main" xmlns="" w="9525">
                     <a:solidFill>
                       <a:srgbClr val="000000"/>
                     </a:solidFill>
@@ -11087,7 +11087,7 @@
               </a:ln>
               <a:extLst>
                 <a:ext uri="{91240B29-F687-4f45-9708-019B960494DF}">
-                  <a14:hiddenLine xmlns="" xmlns:a14="http://schemas.microsoft.com/office/drawing/2010/main" w="9525">
+                  <a14:hiddenLine xmlns:a14="http://schemas.microsoft.com/office/drawing/2010/main" xmlns="" w="9525">
                     <a:solidFill>
                       <a:srgbClr val="000000"/>
                     </a:solidFill>
@@ -11202,7 +11202,7 @@
               </a:ln>
               <a:extLst>
                 <a:ext uri="{91240B29-F687-4f45-9708-019B960494DF}">
-                  <a14:hiddenLine xmlns="" xmlns:a14="http://schemas.microsoft.com/office/drawing/2010/main" w="9525">
+                  <a14:hiddenLine xmlns:a14="http://schemas.microsoft.com/office/drawing/2010/main" xmlns="" w="9525">
                     <a:solidFill>
                       <a:srgbClr val="000000"/>
                     </a:solidFill>
@@ -11292,7 +11292,7 @@
               </a:ln>
               <a:extLst>
                 <a:ext uri="{91240B29-F687-4f45-9708-019B960494DF}">
-                  <a14:hiddenLine xmlns="" xmlns:a14="http://schemas.microsoft.com/office/drawing/2010/main" w="9525">
+                  <a14:hiddenLine xmlns:a14="http://schemas.microsoft.com/office/drawing/2010/main" xmlns="" w="9525">
                     <a:solidFill>
                       <a:srgbClr val="000000"/>
                     </a:solidFill>
@@ -11357,7 +11357,7 @@
               </a:ln>
               <a:extLst>
                 <a:ext uri="{91240B29-F687-4f45-9708-019B960494DF}">
-                  <a14:hiddenLine xmlns="" xmlns:a14="http://schemas.microsoft.com/office/drawing/2010/main" w="9525">
+                  <a14:hiddenLine xmlns:a14="http://schemas.microsoft.com/office/drawing/2010/main" xmlns="" w="9525">
                     <a:solidFill>
                       <a:srgbClr val="000000"/>
                     </a:solidFill>
@@ -11447,7 +11447,7 @@
               </a:ln>
               <a:extLst>
                 <a:ext uri="{91240B29-F687-4f45-9708-019B960494DF}">
-                  <a14:hiddenLine xmlns="" xmlns:a14="http://schemas.microsoft.com/office/drawing/2010/main" w="9525">
+                  <a14:hiddenLine xmlns:a14="http://schemas.microsoft.com/office/drawing/2010/main" xmlns="" w="9525">
                     <a:solidFill>
                       <a:srgbClr val="000000"/>
                     </a:solidFill>
@@ -11515,7 +11515,7 @@
               </a:ln>
               <a:extLst>
                 <a:ext uri="{91240B29-F687-4f45-9708-019B960494DF}">
-                  <a14:hiddenLine xmlns="" xmlns:a14="http://schemas.microsoft.com/office/drawing/2010/main" w="9525">
+                  <a14:hiddenLine xmlns:a14="http://schemas.microsoft.com/office/drawing/2010/main" xmlns="" w="9525">
                     <a:solidFill>
                       <a:srgbClr val="000000"/>
                     </a:solidFill>
@@ -11605,7 +11605,7 @@
               </a:ln>
               <a:extLst>
                 <a:ext uri="{91240B29-F687-4f45-9708-019B960494DF}">
-                  <a14:hiddenLine xmlns="" xmlns:a14="http://schemas.microsoft.com/office/drawing/2010/main" w="9525">
+                  <a14:hiddenLine xmlns:a14="http://schemas.microsoft.com/office/drawing/2010/main" xmlns="" w="9525">
                     <a:solidFill>
                       <a:srgbClr val="000000"/>
                     </a:solidFill>
@@ -11673,7 +11673,7 @@
               </a:ln>
               <a:extLst>
                 <a:ext uri="{91240B29-F687-4f45-9708-019B960494DF}">
-                  <a14:hiddenLine xmlns="" xmlns:a14="http://schemas.microsoft.com/office/drawing/2010/main" w="9525">
+                  <a14:hiddenLine xmlns:a14="http://schemas.microsoft.com/office/drawing/2010/main" xmlns="" w="9525">
                     <a:solidFill>
                       <a:srgbClr val="000000"/>
                     </a:solidFill>
@@ -11763,7 +11763,7 @@
               </a:ln>
               <a:extLst>
                 <a:ext uri="{91240B29-F687-4f45-9708-019B960494DF}">
-                  <a14:hiddenLine xmlns="" xmlns:a14="http://schemas.microsoft.com/office/drawing/2010/main" w="9525">
+                  <a14:hiddenLine xmlns:a14="http://schemas.microsoft.com/office/drawing/2010/main" xmlns="" w="9525">
                     <a:solidFill>
                       <a:srgbClr val="000000"/>
                     </a:solidFill>
@@ -11797,7 +11797,7 @@
               </a:ln>
               <a:extLst>
                 <a:ext uri="{91240B29-F687-4f45-9708-019B960494DF}">
-                  <a14:hiddenLine xmlns="" xmlns:a14="http://schemas.microsoft.com/office/drawing/2010/main" w="9525">
+                  <a14:hiddenLine xmlns:a14="http://schemas.microsoft.com/office/drawing/2010/main" xmlns="" w="9525">
                     <a:solidFill>
                       <a:srgbClr val="000000"/>
                     </a:solidFill>
@@ -13245,7 +13245,7 @@
         <p:spPr/>
         <p:txBody>
           <a:bodyPr>
-            <a:normAutofit fontScale="92500" lnSpcReduction="20000"/>
+            <a:normAutofit lnSpcReduction="10000"/>
           </a:bodyPr>
           <a:lstStyle/>
           <a:p>
@@ -13259,99 +13259,128 @@
             </a:r>
           </a:p>
           <a:p>
-            <a:pPr marL="0" indent="0">
-              <a:buNone/>
+            <a:pPr>
+              <a:buFontTx/>
+              <a:buChar char="-"/>
             </a:pPr>
-            <a:r>
-              <a:rPr lang="en-US" dirty="0">
-                <a:solidFill>
-                  <a:schemeClr val="bg1"/>
-                </a:solidFill>
-              </a:rPr>
-              <a:t>	</a:t>
-            </a:r>
             <a:r>
               <a:rPr lang="en-US" sz="2000" dirty="0">
                 <a:solidFill>
                   <a:schemeClr val="bg1"/>
                 </a:solidFill>
               </a:rPr>
-              <a:t>Determine user needs – knowledge transfer – execution - reporting</a:t>
+              <a:t>Determine user need: </a:t>
             </a:r>
           </a:p>
           <a:p>
+            <a:pPr lvl="1">
+              <a:buFontTx/>
+              <a:buChar char="-"/>
+            </a:pPr>
             <a:r>
-              <a:rPr lang="en-US" dirty="0">
+              <a:rPr lang="en-US" sz="1600" dirty="0">
                 <a:solidFill>
                   <a:schemeClr val="bg1"/>
                 </a:solidFill>
               </a:rPr>
-              <a:t>Mining data: </a:t>
+              <a:t>Speech </a:t>
             </a:r>
-          </a:p>
-          <a:p>
-            <a:pPr marL="914400" lvl="2" indent="0">
-              <a:buNone/>
-            </a:pPr>
             <a:r>
-              <a:rPr lang="en-US" dirty="0">
+              <a:rPr lang="en-US" sz="1600" dirty="0" err="1">
                 <a:solidFill>
                   <a:schemeClr val="bg1"/>
                 </a:solidFill>
               </a:rPr>
-              <a:t>- </a:t>
+              <a:t>regcognition</a:t>
             </a:r>
+            <a:endParaRPr lang="en-US" sz="1600" dirty="0">
+              <a:solidFill>
+                <a:schemeClr val="bg1"/>
+              </a:solidFill>
+            </a:endParaRPr>
+          </a:p>
+          <a:p>
+            <a:pPr lvl="1">
+              <a:buFontTx/>
+              <a:buChar char="-"/>
+            </a:pPr>
+            <a:r>
+              <a:rPr lang="en-US" sz="1600" dirty="0">
+                <a:solidFill>
+                  <a:schemeClr val="bg1"/>
+                </a:solidFill>
+              </a:rPr>
+              <a:t>Natural language processing</a:t>
+            </a:r>
+          </a:p>
+          <a:p>
+            <a:pPr>
+              <a:buFontTx/>
+              <a:buChar char="-"/>
+            </a:pPr>
             <a:r>
               <a:rPr lang="en-US" sz="2000" dirty="0">
                 <a:solidFill>
                   <a:schemeClr val="bg1"/>
                 </a:solidFill>
               </a:rPr>
-              <a:t>Read the available data parameters as required without the need for a big data warehouse</a:t>
+              <a:t>Execute task:</a:t>
             </a:r>
           </a:p>
           <a:p>
-            <a:pPr marL="0" indent="0">
-              <a:buNone/>
+            <a:pPr lvl="1">
+              <a:buFontTx/>
+              <a:buChar char="-"/>
             </a:pPr>
             <a:r>
-              <a:rPr lang="en-US" dirty="0">
+              <a:rPr lang="en-US" sz="1600" dirty="0">
                 <a:solidFill>
                   <a:schemeClr val="bg1"/>
                 </a:solidFill>
               </a:rPr>
-              <a:t>	-</a:t>
+              <a:t>Mining data</a:t>
             </a:r>
+          </a:p>
+          <a:p>
+            <a:pPr>
+              <a:buFontTx/>
+              <a:buChar char="-"/>
+            </a:pPr>
             <a:r>
               <a:rPr lang="en-US" sz="2000" dirty="0">
                 <a:solidFill>
                   <a:schemeClr val="bg1"/>
                 </a:solidFill>
               </a:rPr>
-              <a:t>with big data warehouse, mining from available sources via API</a:t>
+              <a:t>Report:</a:t>
             </a:r>
           </a:p>
           <a:p>
+            <a:pPr lvl="1">
+              <a:buFontTx/>
+              <a:buChar char="-"/>
+            </a:pPr>
             <a:r>
-              <a:rPr lang="en-US" dirty="0">
+              <a:rPr lang="en-US" sz="1600" dirty="0">
                 <a:solidFill>
                   <a:schemeClr val="bg1"/>
                 </a:solidFill>
               </a:rPr>
-              <a:t>Natural language processing:</a:t>
+              <a:t>Dialogue management</a:t>
             </a:r>
           </a:p>
           <a:p>
-            <a:pPr marL="914400" lvl="2" indent="0">
-              <a:buNone/>
+            <a:pPr lvl="1">
+              <a:buFontTx/>
+              <a:buChar char="-"/>
             </a:pPr>
             <a:r>
-              <a:rPr lang="en-US" dirty="0">
+              <a:rPr lang="en-US" sz="1600" dirty="0">
                 <a:solidFill>
                   <a:schemeClr val="bg1"/>
                 </a:solidFill>
               </a:rPr>
-              <a:t>- question recognition and answer according to the pre-loaded template. To make it unique, we created our own answers to each question type.</a:t>
+              <a:t>Text to speech</a:t>
             </a:r>
           </a:p>
         </p:txBody>

--- a/Group6_IIT_A3_Presentation.pptx
+++ b/Group6_IIT_A3_Presentation.pptx
@@ -168,7 +168,7 @@
           <a:noFill/>
           <a:extLst>
             <a:ext uri="{909E8E84-426E-40dd-AFC4-6F175D3DCCD1}">
-              <a14:hiddenFill xmlns:a14="http://schemas.microsoft.com/office/drawing/2010/main" xmlns="">
+              <a14:hiddenFill xmlns="" xmlns:a14="http://schemas.microsoft.com/office/drawing/2010/main">
                 <a:solidFill>
                   <a:srgbClr val="FFFFFF"/>
                 </a:solidFill>
@@ -228,7 +228,7 @@
             </a:ln>
             <a:extLst>
               <a:ext uri="{91240B29-F687-4f45-9708-019B960494DF}">
-                <a14:hiddenLine xmlns:a14="http://schemas.microsoft.com/office/drawing/2010/main" xmlns="" w="9525">
+                <a14:hiddenLine xmlns="" xmlns:a14="http://schemas.microsoft.com/office/drawing/2010/main" w="9525">
                   <a:solidFill>
                     <a:srgbClr val="000000"/>
                   </a:solidFill>
@@ -318,7 +318,7 @@
             </a:ln>
             <a:extLst>
               <a:ext uri="{91240B29-F687-4f45-9708-019B960494DF}">
-                <a14:hiddenLine xmlns:a14="http://schemas.microsoft.com/office/drawing/2010/main" xmlns="" w="9525">
+                <a14:hiddenLine xmlns="" xmlns:a14="http://schemas.microsoft.com/office/drawing/2010/main" w="9525">
                   <a:solidFill>
                     <a:srgbClr val="000000"/>
                   </a:solidFill>
@@ -408,7 +408,7 @@
             </a:ln>
             <a:extLst>
               <a:ext uri="{91240B29-F687-4f45-9708-019B960494DF}">
-                <a14:hiddenLine xmlns:a14="http://schemas.microsoft.com/office/drawing/2010/main" xmlns="" w="9525">
+                <a14:hiddenLine xmlns="" xmlns:a14="http://schemas.microsoft.com/office/drawing/2010/main" w="9525">
                   <a:solidFill>
                     <a:srgbClr val="000000"/>
                   </a:solidFill>
@@ -442,7 +442,7 @@
             </a:ln>
             <a:extLst>
               <a:ext uri="{91240B29-F687-4f45-9708-019B960494DF}">
-                <a14:hiddenLine xmlns:a14="http://schemas.microsoft.com/office/drawing/2010/main" xmlns="" w="9525">
+                <a14:hiddenLine xmlns="" xmlns:a14="http://schemas.microsoft.com/office/drawing/2010/main" w="9525">
                   <a:solidFill>
                     <a:srgbClr val="000000"/>
                   </a:solidFill>
@@ -532,7 +532,7 @@
             </a:ln>
             <a:extLst>
               <a:ext uri="{91240B29-F687-4f45-9708-019B960494DF}">
-                <a14:hiddenLine xmlns:a14="http://schemas.microsoft.com/office/drawing/2010/main" xmlns="" w="9525">
+                <a14:hiddenLine xmlns="" xmlns:a14="http://schemas.microsoft.com/office/drawing/2010/main" w="9525">
                   <a:solidFill>
                     <a:srgbClr val="000000"/>
                   </a:solidFill>
@@ -594,7 +594,7 @@
             </a:ln>
             <a:extLst>
               <a:ext uri="{91240B29-F687-4f45-9708-019B960494DF}">
-                <a14:hiddenLine xmlns:a14="http://schemas.microsoft.com/office/drawing/2010/main" xmlns="" w="9525">
+                <a14:hiddenLine xmlns="" xmlns:a14="http://schemas.microsoft.com/office/drawing/2010/main" w="9525">
                   <a:solidFill>
                     <a:srgbClr val="000000"/>
                   </a:solidFill>
@@ -656,7 +656,7 @@
             </a:ln>
             <a:extLst>
               <a:ext uri="{91240B29-F687-4f45-9708-019B960494DF}">
-                <a14:hiddenLine xmlns:a14="http://schemas.microsoft.com/office/drawing/2010/main" xmlns="" w="9525">
+                <a14:hiddenLine xmlns="" xmlns:a14="http://schemas.microsoft.com/office/drawing/2010/main" w="9525">
                   <a:solidFill>
                     <a:srgbClr val="000000"/>
                   </a:solidFill>
@@ -746,7 +746,7 @@
             </a:ln>
             <a:extLst>
               <a:ext uri="{91240B29-F687-4f45-9708-019B960494DF}">
-                <a14:hiddenLine xmlns:a14="http://schemas.microsoft.com/office/drawing/2010/main" xmlns="" w="9525">
+                <a14:hiddenLine xmlns="" xmlns:a14="http://schemas.microsoft.com/office/drawing/2010/main" w="9525">
                   <a:solidFill>
                     <a:srgbClr val="000000"/>
                   </a:solidFill>
@@ -808,7 +808,7 @@
             </a:ln>
             <a:extLst>
               <a:ext uri="{91240B29-F687-4f45-9708-019B960494DF}">
-                <a14:hiddenLine xmlns:a14="http://schemas.microsoft.com/office/drawing/2010/main" xmlns="" w="9525">
+                <a14:hiddenLine xmlns="" xmlns:a14="http://schemas.microsoft.com/office/drawing/2010/main" w="9525">
                   <a:solidFill>
                     <a:srgbClr val="000000"/>
                   </a:solidFill>
@@ -870,7 +870,7 @@
             </a:ln>
             <a:extLst>
               <a:ext uri="{91240B29-F687-4f45-9708-019B960494DF}">
-                <a14:hiddenLine xmlns:a14="http://schemas.microsoft.com/office/drawing/2010/main" xmlns="" w="9525">
+                <a14:hiddenLine xmlns="" xmlns:a14="http://schemas.microsoft.com/office/drawing/2010/main" w="9525">
                   <a:solidFill>
                     <a:srgbClr val="000000"/>
                   </a:solidFill>
@@ -960,7 +960,7 @@
             </a:ln>
             <a:extLst>
               <a:ext uri="{91240B29-F687-4f45-9708-019B960494DF}">
-                <a14:hiddenLine xmlns:a14="http://schemas.microsoft.com/office/drawing/2010/main" xmlns="" w="9525">
+                <a14:hiddenLine xmlns="" xmlns:a14="http://schemas.microsoft.com/office/drawing/2010/main" w="9525">
                   <a:solidFill>
                     <a:srgbClr val="000000"/>
                   </a:solidFill>
@@ -1050,7 +1050,7 @@
             </a:ln>
             <a:extLst>
               <a:ext uri="{91240B29-F687-4f45-9708-019B960494DF}">
-                <a14:hiddenLine xmlns:a14="http://schemas.microsoft.com/office/drawing/2010/main" xmlns="" w="9525">
+                <a14:hiddenLine xmlns="" xmlns:a14="http://schemas.microsoft.com/office/drawing/2010/main" w="9525">
                   <a:solidFill>
                     <a:srgbClr val="000000"/>
                   </a:solidFill>
@@ -1112,7 +1112,7 @@
             </a:ln>
             <a:extLst>
               <a:ext uri="{91240B29-F687-4f45-9708-019B960494DF}">
-                <a14:hiddenLine xmlns:a14="http://schemas.microsoft.com/office/drawing/2010/main" xmlns="" w="9525">
+                <a14:hiddenLine xmlns="" xmlns:a14="http://schemas.microsoft.com/office/drawing/2010/main" w="9525">
                   <a:solidFill>
                     <a:srgbClr val="000000"/>
                   </a:solidFill>
@@ -1222,7 +1222,7 @@
             </a:ln>
             <a:extLst>
               <a:ext uri="{91240B29-F687-4f45-9708-019B960494DF}">
-                <a14:hiddenLine xmlns:a14="http://schemas.microsoft.com/office/drawing/2010/main" xmlns="" w="9525">
+                <a14:hiddenLine xmlns="" xmlns:a14="http://schemas.microsoft.com/office/drawing/2010/main" w="9525">
                   <a:solidFill>
                     <a:srgbClr val="000000"/>
                   </a:solidFill>
@@ -1284,7 +1284,7 @@
             </a:ln>
             <a:extLst>
               <a:ext uri="{91240B29-F687-4f45-9708-019B960494DF}">
-                <a14:hiddenLine xmlns:a14="http://schemas.microsoft.com/office/drawing/2010/main" xmlns="" w="9525">
+                <a14:hiddenLine xmlns="" xmlns:a14="http://schemas.microsoft.com/office/drawing/2010/main" w="9525">
                   <a:solidFill>
                     <a:srgbClr val="000000"/>
                   </a:solidFill>
@@ -1374,7 +1374,7 @@
             </a:ln>
             <a:extLst>
               <a:ext uri="{91240B29-F687-4f45-9708-019B960494DF}">
-                <a14:hiddenLine xmlns:a14="http://schemas.microsoft.com/office/drawing/2010/main" xmlns="" w="9525">
+                <a14:hiddenLine xmlns="" xmlns:a14="http://schemas.microsoft.com/office/drawing/2010/main" w="9525">
                   <a:solidFill>
                     <a:srgbClr val="000000"/>
                   </a:solidFill>
@@ -1464,7 +1464,7 @@
             </a:ln>
             <a:extLst>
               <a:ext uri="{91240B29-F687-4f45-9708-019B960494DF}">
-                <a14:hiddenLine xmlns:a14="http://schemas.microsoft.com/office/drawing/2010/main" xmlns="" w="9525">
+                <a14:hiddenLine xmlns="" xmlns:a14="http://schemas.microsoft.com/office/drawing/2010/main" w="9525">
                   <a:solidFill>
                     <a:srgbClr val="000000"/>
                   </a:solidFill>
@@ -1526,7 +1526,7 @@
             </a:ln>
             <a:extLst>
               <a:ext uri="{91240B29-F687-4f45-9708-019B960494DF}">
-                <a14:hiddenLine xmlns:a14="http://schemas.microsoft.com/office/drawing/2010/main" xmlns="" w="9525">
+                <a14:hiddenLine xmlns="" xmlns:a14="http://schemas.microsoft.com/office/drawing/2010/main" w="9525">
                   <a:solidFill>
                     <a:srgbClr val="000000"/>
                   </a:solidFill>
@@ -1616,7 +1616,7 @@
             </a:ln>
             <a:extLst>
               <a:ext uri="{91240B29-F687-4f45-9708-019B960494DF}">
-                <a14:hiddenLine xmlns:a14="http://schemas.microsoft.com/office/drawing/2010/main" xmlns="" w="9525">
+                <a14:hiddenLine xmlns="" xmlns:a14="http://schemas.microsoft.com/office/drawing/2010/main" w="9525">
                   <a:solidFill>
                     <a:srgbClr val="000000"/>
                   </a:solidFill>
@@ -1706,7 +1706,7 @@
             </a:ln>
             <a:extLst>
               <a:ext uri="{91240B29-F687-4f45-9708-019B960494DF}">
-                <a14:hiddenLine xmlns:a14="http://schemas.microsoft.com/office/drawing/2010/main" xmlns="" w="9525">
+                <a14:hiddenLine xmlns="" xmlns:a14="http://schemas.microsoft.com/office/drawing/2010/main" w="9525">
                   <a:solidFill>
                     <a:srgbClr val="000000"/>
                   </a:solidFill>
@@ -1762,7 +1762,7 @@
             </a:ln>
             <a:extLst>
               <a:ext uri="{91240B29-F687-4f45-9708-019B960494DF}">
-                <a14:hiddenLine xmlns:a14="http://schemas.microsoft.com/office/drawing/2010/main" xmlns="" w="9525">
+                <a14:hiddenLine xmlns="" xmlns:a14="http://schemas.microsoft.com/office/drawing/2010/main" w="9525">
                   <a:solidFill>
                     <a:srgbClr val="000000"/>
                   </a:solidFill>
@@ -1852,7 +1852,7 @@
             </a:ln>
             <a:extLst>
               <a:ext uri="{91240B29-F687-4f45-9708-019B960494DF}">
-                <a14:hiddenLine xmlns:a14="http://schemas.microsoft.com/office/drawing/2010/main" xmlns="" w="9525">
+                <a14:hiddenLine xmlns="" xmlns:a14="http://schemas.microsoft.com/office/drawing/2010/main" w="9525">
                   <a:solidFill>
                     <a:srgbClr val="000000"/>
                   </a:solidFill>
@@ -1908,7 +1908,7 @@
             </a:ln>
             <a:extLst>
               <a:ext uri="{91240B29-F687-4f45-9708-019B960494DF}">
-                <a14:hiddenLine xmlns:a14="http://schemas.microsoft.com/office/drawing/2010/main" xmlns="" w="9525">
+                <a14:hiddenLine xmlns="" xmlns:a14="http://schemas.microsoft.com/office/drawing/2010/main" w="9525">
                   <a:solidFill>
                     <a:srgbClr val="000000"/>
                   </a:solidFill>
@@ -1998,7 +1998,7 @@
             </a:ln>
             <a:extLst>
               <a:ext uri="{91240B29-F687-4f45-9708-019B960494DF}">
-                <a14:hiddenLine xmlns:a14="http://schemas.microsoft.com/office/drawing/2010/main" xmlns="" w="9525">
+                <a14:hiddenLine xmlns="" xmlns:a14="http://schemas.microsoft.com/office/drawing/2010/main" w="9525">
                   <a:solidFill>
                     <a:srgbClr val="000000"/>
                   </a:solidFill>
@@ -2066,7 +2066,7 @@
             </a:ln>
             <a:extLst>
               <a:ext uri="{91240B29-F687-4f45-9708-019B960494DF}">
-                <a14:hiddenLine xmlns:a14="http://schemas.microsoft.com/office/drawing/2010/main" xmlns="" w="9525">
+                <a14:hiddenLine xmlns="" xmlns:a14="http://schemas.microsoft.com/office/drawing/2010/main" w="9525">
                   <a:solidFill>
                     <a:srgbClr val="000000"/>
                   </a:solidFill>
@@ -2156,7 +2156,7 @@
             </a:ln>
             <a:extLst>
               <a:ext uri="{91240B29-F687-4f45-9708-019B960494DF}">
-                <a14:hiddenLine xmlns:a14="http://schemas.microsoft.com/office/drawing/2010/main" xmlns="" w="9525">
+                <a14:hiddenLine xmlns="" xmlns:a14="http://schemas.microsoft.com/office/drawing/2010/main" w="9525">
                   <a:solidFill>
                     <a:srgbClr val="000000"/>
                   </a:solidFill>
@@ -2224,7 +2224,7 @@
             </a:ln>
             <a:extLst>
               <a:ext uri="{91240B29-F687-4f45-9708-019B960494DF}">
-                <a14:hiddenLine xmlns:a14="http://schemas.microsoft.com/office/drawing/2010/main" xmlns="" w="9525">
+                <a14:hiddenLine xmlns="" xmlns:a14="http://schemas.microsoft.com/office/drawing/2010/main" w="9525">
                   <a:solidFill>
                     <a:srgbClr val="000000"/>
                   </a:solidFill>
@@ -2314,7 +2314,7 @@
             </a:ln>
             <a:extLst>
               <a:ext uri="{91240B29-F687-4f45-9708-019B960494DF}">
-                <a14:hiddenLine xmlns:a14="http://schemas.microsoft.com/office/drawing/2010/main" xmlns="" w="9525">
+                <a14:hiddenLine xmlns="" xmlns:a14="http://schemas.microsoft.com/office/drawing/2010/main" w="9525">
                   <a:solidFill>
                     <a:srgbClr val="000000"/>
                   </a:solidFill>
@@ -2348,7 +2348,7 @@
             </a:ln>
             <a:extLst>
               <a:ext uri="{91240B29-F687-4f45-9708-019B960494DF}">
-                <a14:hiddenLine xmlns:a14="http://schemas.microsoft.com/office/drawing/2010/main" xmlns="" w="9525">
+                <a14:hiddenLine xmlns="" xmlns:a14="http://schemas.microsoft.com/office/drawing/2010/main" w="9525">
                   <a:solidFill>
                     <a:srgbClr val="000000"/>
                   </a:solidFill>
@@ -2438,7 +2438,7 @@
             </a:ln>
             <a:extLst>
               <a:ext uri="{91240B29-F687-4f45-9708-019B960494DF}">
-                <a14:hiddenLine xmlns:a14="http://schemas.microsoft.com/office/drawing/2010/main" xmlns="" w="9525">
+                <a14:hiddenLine xmlns="" xmlns:a14="http://schemas.microsoft.com/office/drawing/2010/main" w="9525">
                   <a:solidFill>
                     <a:srgbClr val="000000"/>
                   </a:solidFill>
@@ -2500,7 +2500,7 @@
             </a:ln>
             <a:extLst>
               <a:ext uri="{91240B29-F687-4f45-9708-019B960494DF}">
-                <a14:hiddenLine xmlns:a14="http://schemas.microsoft.com/office/drawing/2010/main" xmlns="" w="9525">
+                <a14:hiddenLine xmlns="" xmlns:a14="http://schemas.microsoft.com/office/drawing/2010/main" w="9525">
                   <a:solidFill>
                     <a:srgbClr val="000000"/>
                   </a:solidFill>
@@ -2562,7 +2562,7 @@
             </a:ln>
             <a:extLst>
               <a:ext uri="{91240B29-F687-4f45-9708-019B960494DF}">
-                <a14:hiddenLine xmlns:a14="http://schemas.microsoft.com/office/drawing/2010/main" xmlns="" w="9525">
+                <a14:hiddenLine xmlns="" xmlns:a14="http://schemas.microsoft.com/office/drawing/2010/main" w="9525">
                   <a:solidFill>
                     <a:srgbClr val="000000"/>
                   </a:solidFill>
@@ -2652,7 +2652,7 @@
             </a:ln>
             <a:extLst>
               <a:ext uri="{91240B29-F687-4f45-9708-019B960494DF}">
-                <a14:hiddenLine xmlns:a14="http://schemas.microsoft.com/office/drawing/2010/main" xmlns="" w="9525">
+                <a14:hiddenLine xmlns="" xmlns:a14="http://schemas.microsoft.com/office/drawing/2010/main" w="9525">
                   <a:solidFill>
                     <a:srgbClr val="000000"/>
                   </a:solidFill>
@@ -2720,7 +2720,7 @@
             </a:ln>
             <a:extLst>
               <a:ext uri="{91240B29-F687-4f45-9708-019B960494DF}">
-                <a14:hiddenLine xmlns:a14="http://schemas.microsoft.com/office/drawing/2010/main" xmlns="" w="9525">
+                <a14:hiddenLine xmlns="" xmlns:a14="http://schemas.microsoft.com/office/drawing/2010/main" w="9525">
                   <a:solidFill>
                     <a:srgbClr val="000000"/>
                   </a:solidFill>
@@ -2782,7 +2782,7 @@
             </a:ln>
             <a:extLst>
               <a:ext uri="{91240B29-F687-4f45-9708-019B960494DF}">
-                <a14:hiddenLine xmlns:a14="http://schemas.microsoft.com/office/drawing/2010/main" xmlns="" w="9525">
+                <a14:hiddenLine xmlns="" xmlns:a14="http://schemas.microsoft.com/office/drawing/2010/main" w="9525">
                   <a:solidFill>
                     <a:srgbClr val="000000"/>
                   </a:solidFill>
@@ -2872,7 +2872,7 @@
             </a:ln>
             <a:extLst>
               <a:ext uri="{91240B29-F687-4f45-9708-019B960494DF}">
-                <a14:hiddenLine xmlns:a14="http://schemas.microsoft.com/office/drawing/2010/main" xmlns="" w="9525">
+                <a14:hiddenLine xmlns="" xmlns:a14="http://schemas.microsoft.com/office/drawing/2010/main" w="9525">
                   <a:solidFill>
                     <a:srgbClr val="000000"/>
                   </a:solidFill>
@@ -2934,7 +2934,7 @@
             </a:ln>
             <a:extLst>
               <a:ext uri="{91240B29-F687-4f45-9708-019B960494DF}">
-                <a14:hiddenLine xmlns:a14="http://schemas.microsoft.com/office/drawing/2010/main" xmlns="" w="9525">
+                <a14:hiddenLine xmlns="" xmlns:a14="http://schemas.microsoft.com/office/drawing/2010/main" w="9525">
                   <a:solidFill>
                     <a:srgbClr val="000000"/>
                   </a:solidFill>
@@ -3024,7 +3024,7 @@
             </a:ln>
             <a:extLst>
               <a:ext uri="{91240B29-F687-4f45-9708-019B960494DF}">
-                <a14:hiddenLine xmlns:a14="http://schemas.microsoft.com/office/drawing/2010/main" xmlns="" w="9525">
+                <a14:hiddenLine xmlns="" xmlns:a14="http://schemas.microsoft.com/office/drawing/2010/main" w="9525">
                   <a:solidFill>
                     <a:srgbClr val="000000"/>
                   </a:solidFill>
@@ -3086,7 +3086,7 @@
             </a:ln>
             <a:extLst>
               <a:ext uri="{91240B29-F687-4f45-9708-019B960494DF}">
-                <a14:hiddenLine xmlns:a14="http://schemas.microsoft.com/office/drawing/2010/main" xmlns="" w="9525">
+                <a14:hiddenLine xmlns="" xmlns:a14="http://schemas.microsoft.com/office/drawing/2010/main" w="9525">
                   <a:solidFill>
                     <a:srgbClr val="000000"/>
                   </a:solidFill>
@@ -3176,7 +3176,7 @@
             </a:ln>
             <a:extLst>
               <a:ext uri="{91240B29-F687-4f45-9708-019B960494DF}">
-                <a14:hiddenLine xmlns:a14="http://schemas.microsoft.com/office/drawing/2010/main" xmlns="" w="9525">
+                <a14:hiddenLine xmlns="" xmlns:a14="http://schemas.microsoft.com/office/drawing/2010/main" w="9525">
                   <a:solidFill>
                     <a:srgbClr val="000000"/>
                   </a:solidFill>
@@ -3210,7 +3210,7 @@
             </a:ln>
             <a:extLst>
               <a:ext uri="{91240B29-F687-4f45-9708-019B960494DF}">
-                <a14:hiddenLine xmlns:a14="http://schemas.microsoft.com/office/drawing/2010/main" xmlns="" w="9525">
+                <a14:hiddenLine xmlns="" xmlns:a14="http://schemas.microsoft.com/office/drawing/2010/main" w="9525">
                   <a:solidFill>
                     <a:srgbClr val="000000"/>
                   </a:solidFill>
@@ -3275,7 +3275,7 @@
             </a:ln>
             <a:extLst>
               <a:ext uri="{91240B29-F687-4f45-9708-019B960494DF}">
-                <a14:hiddenLine xmlns:a14="http://schemas.microsoft.com/office/drawing/2010/main" xmlns="" w="9525">
+                <a14:hiddenLine xmlns="" xmlns:a14="http://schemas.microsoft.com/office/drawing/2010/main" w="9525">
                   <a:solidFill>
                     <a:srgbClr val="000000"/>
                   </a:solidFill>
@@ -3365,7 +3365,7 @@
             </a:ln>
             <a:extLst>
               <a:ext uri="{91240B29-F687-4f45-9708-019B960494DF}">
-                <a14:hiddenLine xmlns:a14="http://schemas.microsoft.com/office/drawing/2010/main" xmlns="" w="9525">
+                <a14:hiddenLine xmlns="" xmlns:a14="http://schemas.microsoft.com/office/drawing/2010/main" w="9525">
                   <a:solidFill>
                     <a:srgbClr val="000000"/>
                   </a:solidFill>
@@ -3427,7 +3427,7 @@
             </a:ln>
             <a:extLst>
               <a:ext uri="{91240B29-F687-4f45-9708-019B960494DF}">
-                <a14:hiddenLine xmlns:a14="http://schemas.microsoft.com/office/drawing/2010/main" xmlns="" w="9525">
+                <a14:hiddenLine xmlns="" xmlns:a14="http://schemas.microsoft.com/office/drawing/2010/main" w="9525">
                   <a:solidFill>
                     <a:srgbClr val="000000"/>
                   </a:solidFill>
@@ -3517,7 +3517,7 @@
             </a:ln>
             <a:extLst>
               <a:ext uri="{91240B29-F687-4f45-9708-019B960494DF}">
-                <a14:hiddenLine xmlns:a14="http://schemas.microsoft.com/office/drawing/2010/main" xmlns="" w="9525">
+                <a14:hiddenLine xmlns="" xmlns:a14="http://schemas.microsoft.com/office/drawing/2010/main" w="9525">
                   <a:solidFill>
                     <a:srgbClr val="000000"/>
                   </a:solidFill>
@@ -3607,7 +3607,7 @@
             </a:ln>
             <a:extLst>
               <a:ext uri="{91240B29-F687-4f45-9708-019B960494DF}">
-                <a14:hiddenLine xmlns:a14="http://schemas.microsoft.com/office/drawing/2010/main" xmlns="" w="9525">
+                <a14:hiddenLine xmlns="" xmlns:a14="http://schemas.microsoft.com/office/drawing/2010/main" w="9525">
                   <a:solidFill>
                     <a:srgbClr val="000000"/>
                   </a:solidFill>
@@ -3672,7 +3672,7 @@
             </a:ln>
             <a:extLst>
               <a:ext uri="{91240B29-F687-4f45-9708-019B960494DF}">
-                <a14:hiddenLine xmlns:a14="http://schemas.microsoft.com/office/drawing/2010/main" xmlns="" w="9525">
+                <a14:hiddenLine xmlns="" xmlns:a14="http://schemas.microsoft.com/office/drawing/2010/main" w="9525">
                   <a:solidFill>
                     <a:srgbClr val="000000"/>
                   </a:solidFill>
@@ -3734,7 +3734,7 @@
             </a:ln>
             <a:extLst>
               <a:ext uri="{91240B29-F687-4f45-9708-019B960494DF}">
-                <a14:hiddenLine xmlns:a14="http://schemas.microsoft.com/office/drawing/2010/main" xmlns="" w="9525">
+                <a14:hiddenLine xmlns="" xmlns:a14="http://schemas.microsoft.com/office/drawing/2010/main" w="9525">
                   <a:solidFill>
                     <a:srgbClr val="000000"/>
                   </a:solidFill>
@@ -3824,7 +3824,7 @@
             </a:ln>
             <a:extLst>
               <a:ext uri="{91240B29-F687-4f45-9708-019B960494DF}">
-                <a14:hiddenLine xmlns:a14="http://schemas.microsoft.com/office/drawing/2010/main" xmlns="" w="9525">
+                <a14:hiddenLine xmlns="" xmlns:a14="http://schemas.microsoft.com/office/drawing/2010/main" w="9525">
                   <a:solidFill>
                     <a:srgbClr val="000000"/>
                   </a:solidFill>
@@ -3914,7 +3914,7 @@
             </a:ln>
             <a:extLst>
               <a:ext uri="{91240B29-F687-4f45-9708-019B960494DF}">
-                <a14:hiddenLine xmlns:a14="http://schemas.microsoft.com/office/drawing/2010/main" xmlns="" w="9525">
+                <a14:hiddenLine xmlns="" xmlns:a14="http://schemas.microsoft.com/office/drawing/2010/main" w="9525">
                   <a:solidFill>
                     <a:srgbClr val="000000"/>
                   </a:solidFill>
@@ -3976,7 +3976,7 @@
             </a:ln>
             <a:extLst>
               <a:ext uri="{91240B29-F687-4f45-9708-019B960494DF}">
-                <a14:hiddenLine xmlns:a14="http://schemas.microsoft.com/office/drawing/2010/main" xmlns="" w="9525">
+                <a14:hiddenLine xmlns="" xmlns:a14="http://schemas.microsoft.com/office/drawing/2010/main" w="9525">
                   <a:solidFill>
                     <a:srgbClr val="000000"/>
                   </a:solidFill>
@@ -4096,7 +4096,7 @@
             </a:ln>
             <a:extLst>
               <a:ext uri="{91240B29-F687-4f45-9708-019B960494DF}">
-                <a14:hiddenLine xmlns:a14="http://schemas.microsoft.com/office/drawing/2010/main" xmlns="" w="9525">
+                <a14:hiddenLine xmlns="" xmlns:a14="http://schemas.microsoft.com/office/drawing/2010/main" w="9525">
                   <a:solidFill>
                     <a:srgbClr val="000000"/>
                   </a:solidFill>
@@ -4164,7 +4164,7 @@
             </a:ln>
             <a:extLst>
               <a:ext uri="{91240B29-F687-4f45-9708-019B960494DF}">
-                <a14:hiddenLine xmlns:a14="http://schemas.microsoft.com/office/drawing/2010/main" xmlns="" w="9525">
+                <a14:hiddenLine xmlns="" xmlns:a14="http://schemas.microsoft.com/office/drawing/2010/main" w="9525">
                   <a:solidFill>
                     <a:srgbClr val="000000"/>
                   </a:solidFill>
@@ -4254,7 +4254,7 @@
             </a:ln>
             <a:extLst>
               <a:ext uri="{91240B29-F687-4f45-9708-019B960494DF}">
-                <a14:hiddenLine xmlns:a14="http://schemas.microsoft.com/office/drawing/2010/main" xmlns="" w="9525">
+                <a14:hiddenLine xmlns="" xmlns:a14="http://schemas.microsoft.com/office/drawing/2010/main" w="9525">
                   <a:solidFill>
                     <a:srgbClr val="000000"/>
                   </a:solidFill>
@@ -4394,7 +4394,7 @@
           <a:p>
             <a:fld id="{48A87A34-81AB-432B-8DAE-1953F412C126}" type="datetimeFigureOut">
               <a:rPr lang="en-US" dirty="0"/>
-              <a:t>1/8/2022</a:t>
+              <a:t>1/8/22</a:t>
             </a:fld>
             <a:endParaRPr lang="en-US" dirty="0"/>
           </a:p>
@@ -4656,7 +4656,7 @@
           <a:p>
             <a:fld id="{48A87A34-81AB-432B-8DAE-1953F412C126}" type="datetimeFigureOut">
               <a:rPr lang="en-US" dirty="0"/>
-              <a:t>1/8/2022</a:t>
+              <a:t>1/8/22</a:t>
             </a:fld>
             <a:endParaRPr lang="en-US" dirty="0"/>
           </a:p>
@@ -4847,7 +4847,7 @@
           <a:p>
             <a:fld id="{48A87A34-81AB-432B-8DAE-1953F412C126}" type="datetimeFigureOut">
               <a:rPr lang="en-US" dirty="0"/>
-              <a:t>1/8/2022</a:t>
+              <a:t>1/8/22</a:t>
             </a:fld>
             <a:endParaRPr lang="en-US" dirty="0"/>
           </a:p>
@@ -5105,7 +5105,7 @@
           <a:p>
             <a:fld id="{48A87A34-81AB-432B-8DAE-1953F412C126}" type="datetimeFigureOut">
               <a:rPr lang="en-US" dirty="0"/>
-              <a:t>1/8/2022</a:t>
+              <a:t>1/8/22</a:t>
             </a:fld>
             <a:endParaRPr lang="en-US" dirty="0"/>
           </a:p>
@@ -5534,7 +5534,7 @@
           <a:p>
             <a:fld id="{48A87A34-81AB-432B-8DAE-1953F412C126}" type="datetimeFigureOut">
               <a:rPr lang="en-US" dirty="0"/>
-              <a:t>1/8/2022</a:t>
+              <a:t>1/8/22</a:t>
             </a:fld>
             <a:endParaRPr lang="en-US" dirty="0"/>
           </a:p>
@@ -6075,7 +6075,7 @@
           <a:p>
             <a:fld id="{48A87A34-81AB-432B-8DAE-1953F412C126}" type="datetimeFigureOut">
               <a:rPr lang="en-US" dirty="0"/>
-              <a:t>1/8/2022</a:t>
+              <a:t>1/8/22</a:t>
             </a:fld>
             <a:endParaRPr lang="en-US" dirty="0"/>
           </a:p>
@@ -6790,7 +6790,7 @@
           <a:p>
             <a:fld id="{48A87A34-81AB-432B-8DAE-1953F412C126}" type="datetimeFigureOut">
               <a:rPr lang="en-US" dirty="0"/>
-              <a:t>1/8/2022</a:t>
+              <a:t>1/8/22</a:t>
             </a:fld>
             <a:endParaRPr lang="en-US" dirty="0"/>
           </a:p>
@@ -6955,7 +6955,7 @@
           <a:p>
             <a:fld id="{48A87A34-81AB-432B-8DAE-1953F412C126}" type="datetimeFigureOut">
               <a:rPr lang="en-US" dirty="0"/>
-              <a:t>1/8/2022</a:t>
+              <a:t>1/8/22</a:t>
             </a:fld>
             <a:endParaRPr lang="en-US" dirty="0"/>
           </a:p>
@@ -7130,7 +7130,7 @@
           <a:p>
             <a:fld id="{48A87A34-81AB-432B-8DAE-1953F412C126}" type="datetimeFigureOut">
               <a:rPr lang="en-US" dirty="0"/>
-              <a:t>1/8/2022</a:t>
+              <a:t>1/8/22</a:t>
             </a:fld>
             <a:endParaRPr lang="en-US" dirty="0"/>
           </a:p>
@@ -7295,7 +7295,7 @@
           <a:p>
             <a:fld id="{48A87A34-81AB-432B-8DAE-1953F412C126}" type="datetimeFigureOut">
               <a:rPr lang="en-US" dirty="0"/>
-              <a:t>1/8/2022</a:t>
+              <a:t>1/8/22</a:t>
             </a:fld>
             <a:endParaRPr lang="en-US" dirty="0"/>
           </a:p>
@@ -7540,7 +7540,7 @@
           <a:p>
             <a:fld id="{48A87A34-81AB-432B-8DAE-1953F412C126}" type="datetimeFigureOut">
               <a:rPr lang="en-US" dirty="0"/>
-              <a:t>1/8/2022</a:t>
+              <a:t>1/8/22</a:t>
             </a:fld>
             <a:endParaRPr lang="en-US" dirty="0"/>
           </a:p>
@@ -7767,7 +7767,7 @@
           <a:p>
             <a:fld id="{48A87A34-81AB-432B-8DAE-1953F412C126}" type="datetimeFigureOut">
               <a:rPr lang="en-US" dirty="0"/>
-              <a:t>1/8/2022</a:t>
+              <a:t>1/8/22</a:t>
             </a:fld>
             <a:endParaRPr lang="en-US" dirty="0"/>
           </a:p>
@@ -8143,7 +8143,7 @@
           <a:p>
             <a:fld id="{48A87A34-81AB-432B-8DAE-1953F412C126}" type="datetimeFigureOut">
               <a:rPr lang="en-US" dirty="0"/>
-              <a:t>1/8/2022</a:t>
+              <a:t>1/8/22</a:t>
             </a:fld>
             <a:endParaRPr lang="en-US" dirty="0"/>
           </a:p>
@@ -8256,7 +8256,7 @@
           <a:p>
             <a:fld id="{48A87A34-81AB-432B-8DAE-1953F412C126}" type="datetimeFigureOut">
               <a:rPr lang="en-US" dirty="0"/>
-              <a:t>1/8/2022</a:t>
+              <a:t>1/8/22</a:t>
             </a:fld>
             <a:endParaRPr lang="en-US" dirty="0"/>
           </a:p>
@@ -8346,7 +8346,7 @@
           <a:p>
             <a:fld id="{48A87A34-81AB-432B-8DAE-1953F412C126}" type="datetimeFigureOut">
               <a:rPr lang="en-US" dirty="0"/>
-              <a:t>1/8/2022</a:t>
+              <a:t>1/8/22</a:t>
             </a:fld>
             <a:endParaRPr lang="en-US" dirty="0"/>
           </a:p>
@@ -8590,7 +8590,7 @@
           <a:p>
             <a:fld id="{48A87A34-81AB-432B-8DAE-1953F412C126}" type="datetimeFigureOut">
               <a:rPr lang="en-US" dirty="0"/>
-              <a:t>1/8/2022</a:t>
+              <a:t>1/8/22</a:t>
             </a:fld>
             <a:endParaRPr lang="en-US" dirty="0"/>
           </a:p>
@@ -8865,7 +8865,7 @@
           <a:p>
             <a:fld id="{48A87A34-81AB-432B-8DAE-1953F412C126}" type="datetimeFigureOut">
               <a:rPr lang="en-US" dirty="0"/>
-              <a:t>1/8/2022</a:t>
+              <a:t>1/8/22</a:t>
             </a:fld>
             <a:endParaRPr lang="en-US" dirty="0"/>
           </a:p>
@@ -8976,7 +8976,7 @@
           <a:noFill/>
           <a:extLst>
             <a:ext uri="{909E8E84-426E-40dd-AFC4-6F175D3DCCD1}">
-              <a14:hiddenFill xmlns:a14="http://schemas.microsoft.com/office/drawing/2010/main" xmlns="">
+              <a14:hiddenFill xmlns="" xmlns:a14="http://schemas.microsoft.com/office/drawing/2010/main">
                 <a:solidFill>
                   <a:srgbClr val="FFFFFF"/>
                 </a:solidFill>
@@ -9050,7 +9050,7 @@
               </a:ln>
               <a:extLst>
                 <a:ext uri="{91240B29-F687-4f45-9708-019B960494DF}">
-                  <a14:hiddenLine xmlns:a14="http://schemas.microsoft.com/office/drawing/2010/main" xmlns="" w="9525">
+                  <a14:hiddenLine xmlns="" xmlns:a14="http://schemas.microsoft.com/office/drawing/2010/main" w="9525">
                     <a:solidFill>
                       <a:srgbClr val="000000"/>
                     </a:solidFill>
@@ -9140,7 +9140,7 @@
               </a:ln>
               <a:extLst>
                 <a:ext uri="{91240B29-F687-4f45-9708-019B960494DF}">
-                  <a14:hiddenLine xmlns:a14="http://schemas.microsoft.com/office/drawing/2010/main" xmlns="" w="9525">
+                  <a14:hiddenLine xmlns="" xmlns:a14="http://schemas.microsoft.com/office/drawing/2010/main" w="9525">
                     <a:solidFill>
                       <a:srgbClr val="000000"/>
                     </a:solidFill>
@@ -9230,7 +9230,7 @@
               </a:ln>
               <a:extLst>
                 <a:ext uri="{91240B29-F687-4f45-9708-019B960494DF}">
-                  <a14:hiddenLine xmlns:a14="http://schemas.microsoft.com/office/drawing/2010/main" xmlns="" w="9525">
+                  <a14:hiddenLine xmlns="" xmlns:a14="http://schemas.microsoft.com/office/drawing/2010/main" w="9525">
                     <a:solidFill>
                       <a:srgbClr val="000000"/>
                     </a:solidFill>
@@ -9292,7 +9292,7 @@
               </a:ln>
               <a:extLst>
                 <a:ext uri="{91240B29-F687-4f45-9708-019B960494DF}">
-                  <a14:hiddenLine xmlns:a14="http://schemas.microsoft.com/office/drawing/2010/main" xmlns="" w="9525">
+                  <a14:hiddenLine xmlns="" xmlns:a14="http://schemas.microsoft.com/office/drawing/2010/main" w="9525">
                     <a:solidFill>
                       <a:srgbClr val="000000"/>
                     </a:solidFill>
@@ -9382,7 +9382,7 @@
               </a:ln>
               <a:extLst>
                 <a:ext uri="{91240B29-F687-4f45-9708-019B960494DF}">
-                  <a14:hiddenLine xmlns:a14="http://schemas.microsoft.com/office/drawing/2010/main" xmlns="" w="9525">
+                  <a14:hiddenLine xmlns="" xmlns:a14="http://schemas.microsoft.com/office/drawing/2010/main" w="9525">
                     <a:solidFill>
                       <a:srgbClr val="000000"/>
                     </a:solidFill>
@@ -9444,7 +9444,7 @@
               </a:ln>
               <a:extLst>
                 <a:ext uri="{91240B29-F687-4f45-9708-019B960494DF}">
-                  <a14:hiddenLine xmlns:a14="http://schemas.microsoft.com/office/drawing/2010/main" xmlns="" w="9525">
+                  <a14:hiddenLine xmlns="" xmlns:a14="http://schemas.microsoft.com/office/drawing/2010/main" w="9525">
                     <a:solidFill>
                       <a:srgbClr val="000000"/>
                     </a:solidFill>
@@ -9506,7 +9506,7 @@
               </a:ln>
               <a:extLst>
                 <a:ext uri="{91240B29-F687-4f45-9708-019B960494DF}">
-                  <a14:hiddenLine xmlns:a14="http://schemas.microsoft.com/office/drawing/2010/main" xmlns="" w="9525">
+                  <a14:hiddenLine xmlns="" xmlns:a14="http://schemas.microsoft.com/office/drawing/2010/main" w="9525">
                     <a:solidFill>
                       <a:srgbClr val="000000"/>
                     </a:solidFill>
@@ -9596,7 +9596,7 @@
               </a:ln>
               <a:extLst>
                 <a:ext uri="{91240B29-F687-4f45-9708-019B960494DF}">
-                  <a14:hiddenLine xmlns:a14="http://schemas.microsoft.com/office/drawing/2010/main" xmlns="" w="9525">
+                  <a14:hiddenLine xmlns="" xmlns:a14="http://schemas.microsoft.com/office/drawing/2010/main" w="9525">
                     <a:solidFill>
                       <a:srgbClr val="000000"/>
                     </a:solidFill>
@@ -9686,7 +9686,7 @@
               </a:ln>
               <a:extLst>
                 <a:ext uri="{91240B29-F687-4f45-9708-019B960494DF}">
-                  <a14:hiddenLine xmlns:a14="http://schemas.microsoft.com/office/drawing/2010/main" xmlns="" w="9525">
+                  <a14:hiddenLine xmlns="" xmlns:a14="http://schemas.microsoft.com/office/drawing/2010/main" w="9525">
                     <a:solidFill>
                       <a:srgbClr val="000000"/>
                     </a:solidFill>
@@ -9748,7 +9748,7 @@
               </a:ln>
               <a:extLst>
                 <a:ext uri="{91240B29-F687-4f45-9708-019B960494DF}">
-                  <a14:hiddenLine xmlns:a14="http://schemas.microsoft.com/office/drawing/2010/main" xmlns="" w="9525">
+                  <a14:hiddenLine xmlns="" xmlns:a14="http://schemas.microsoft.com/office/drawing/2010/main" w="9525">
                     <a:solidFill>
                       <a:srgbClr val="000000"/>
                     </a:solidFill>
@@ -9858,7 +9858,7 @@
               </a:ln>
               <a:extLst>
                 <a:ext uri="{91240B29-F687-4f45-9708-019B960494DF}">
-                  <a14:hiddenLine xmlns:a14="http://schemas.microsoft.com/office/drawing/2010/main" xmlns="" w="9525">
+                  <a14:hiddenLine xmlns="" xmlns:a14="http://schemas.microsoft.com/office/drawing/2010/main" w="9525">
                     <a:solidFill>
                       <a:srgbClr val="000000"/>
                     </a:solidFill>
@@ -9942,7 +9942,7 @@
               </a:ln>
               <a:extLst>
                 <a:ext uri="{91240B29-F687-4f45-9708-019B960494DF}">
-                  <a14:hiddenLine xmlns:a14="http://schemas.microsoft.com/office/drawing/2010/main" xmlns="" w="9525">
+                  <a14:hiddenLine xmlns="" xmlns:a14="http://schemas.microsoft.com/office/drawing/2010/main" w="9525">
                     <a:solidFill>
                       <a:srgbClr val="000000"/>
                     </a:solidFill>
@@ -10004,7 +10004,7 @@
               </a:ln>
               <a:extLst>
                 <a:ext uri="{91240B29-F687-4f45-9708-019B960494DF}">
-                  <a14:hiddenLine xmlns:a14="http://schemas.microsoft.com/office/drawing/2010/main" xmlns="" w="9525">
+                  <a14:hiddenLine xmlns="" xmlns:a14="http://schemas.microsoft.com/office/drawing/2010/main" w="9525">
                     <a:solidFill>
                       <a:srgbClr val="000000"/>
                     </a:solidFill>
@@ -10066,7 +10066,7 @@
               </a:ln>
               <a:extLst>
                 <a:ext uri="{91240B29-F687-4f45-9708-019B960494DF}">
-                  <a14:hiddenLine xmlns:a14="http://schemas.microsoft.com/office/drawing/2010/main" xmlns="" w="9525">
+                  <a14:hiddenLine xmlns="" xmlns:a14="http://schemas.microsoft.com/office/drawing/2010/main" w="9525">
                     <a:solidFill>
                       <a:srgbClr val="000000"/>
                     </a:solidFill>
@@ -10156,7 +10156,7 @@
               </a:ln>
               <a:extLst>
                 <a:ext uri="{91240B29-F687-4f45-9708-019B960494DF}">
-                  <a14:hiddenLine xmlns:a14="http://schemas.microsoft.com/office/drawing/2010/main" xmlns="" w="9525">
+                  <a14:hiddenLine xmlns="" xmlns:a14="http://schemas.microsoft.com/office/drawing/2010/main" w="9525">
                     <a:solidFill>
                       <a:srgbClr val="000000"/>
                     </a:solidFill>
@@ -10190,7 +10190,7 @@
               </a:ln>
               <a:extLst>
                 <a:ext uri="{91240B29-F687-4f45-9708-019B960494DF}">
-                  <a14:hiddenLine xmlns:a14="http://schemas.microsoft.com/office/drawing/2010/main" xmlns="" w="9525">
+                  <a14:hiddenLine xmlns="" xmlns:a14="http://schemas.microsoft.com/office/drawing/2010/main" w="9525">
                     <a:solidFill>
                       <a:srgbClr val="000000"/>
                     </a:solidFill>
@@ -10255,7 +10255,7 @@
               </a:ln>
               <a:extLst>
                 <a:ext uri="{91240B29-F687-4f45-9708-019B960494DF}">
-                  <a14:hiddenLine xmlns:a14="http://schemas.microsoft.com/office/drawing/2010/main" xmlns="" w="9525">
+                  <a14:hiddenLine xmlns="" xmlns:a14="http://schemas.microsoft.com/office/drawing/2010/main" w="9525">
                     <a:solidFill>
                       <a:srgbClr val="000000"/>
                     </a:solidFill>
@@ -10345,7 +10345,7 @@
               </a:ln>
               <a:extLst>
                 <a:ext uri="{91240B29-F687-4f45-9708-019B960494DF}">
-                  <a14:hiddenLine xmlns:a14="http://schemas.microsoft.com/office/drawing/2010/main" xmlns="" w="9525">
+                  <a14:hiddenLine xmlns="" xmlns:a14="http://schemas.microsoft.com/office/drawing/2010/main" w="9525">
                     <a:solidFill>
                       <a:srgbClr val="000000"/>
                     </a:solidFill>
@@ -10407,7 +10407,7 @@
               </a:ln>
               <a:extLst>
                 <a:ext uri="{91240B29-F687-4f45-9708-019B960494DF}">
-                  <a14:hiddenLine xmlns:a14="http://schemas.microsoft.com/office/drawing/2010/main" xmlns="" w="9525">
+                  <a14:hiddenLine xmlns="" xmlns:a14="http://schemas.microsoft.com/office/drawing/2010/main" w="9525">
                     <a:solidFill>
                       <a:srgbClr val="000000"/>
                     </a:solidFill>
@@ -10497,7 +10497,7 @@
               </a:ln>
               <a:extLst>
                 <a:ext uri="{91240B29-F687-4f45-9708-019B960494DF}">
-                  <a14:hiddenLine xmlns:a14="http://schemas.microsoft.com/office/drawing/2010/main" xmlns="" w="9525">
+                  <a14:hiddenLine xmlns="" xmlns:a14="http://schemas.microsoft.com/office/drawing/2010/main" w="9525">
                     <a:solidFill>
                       <a:srgbClr val="000000"/>
                     </a:solidFill>
@@ -10562,7 +10562,7 @@
               </a:ln>
               <a:extLst>
                 <a:ext uri="{91240B29-F687-4f45-9708-019B960494DF}">
-                  <a14:hiddenLine xmlns:a14="http://schemas.microsoft.com/office/drawing/2010/main" xmlns="" w="9525">
+                  <a14:hiddenLine xmlns="" xmlns:a14="http://schemas.microsoft.com/office/drawing/2010/main" w="9525">
                     <a:solidFill>
                       <a:srgbClr val="000000"/>
                     </a:solidFill>
@@ -10624,7 +10624,7 @@
               </a:ln>
               <a:extLst>
                 <a:ext uri="{91240B29-F687-4f45-9708-019B960494DF}">
-                  <a14:hiddenLine xmlns:a14="http://schemas.microsoft.com/office/drawing/2010/main" xmlns="" w="9525">
+                  <a14:hiddenLine xmlns="" xmlns:a14="http://schemas.microsoft.com/office/drawing/2010/main" w="9525">
                     <a:solidFill>
                       <a:srgbClr val="000000"/>
                     </a:solidFill>
@@ -10714,7 +10714,7 @@
               </a:ln>
               <a:extLst>
                 <a:ext uri="{91240B29-F687-4f45-9708-019B960494DF}">
-                  <a14:hiddenLine xmlns:a14="http://schemas.microsoft.com/office/drawing/2010/main" xmlns="" w="9525">
+                  <a14:hiddenLine xmlns="" xmlns:a14="http://schemas.microsoft.com/office/drawing/2010/main" w="9525">
                     <a:solidFill>
                       <a:srgbClr val="000000"/>
                     </a:solidFill>
@@ -10804,7 +10804,7 @@
               </a:ln>
               <a:extLst>
                 <a:ext uri="{91240B29-F687-4f45-9708-019B960494DF}">
-                  <a14:hiddenLine xmlns:a14="http://schemas.microsoft.com/office/drawing/2010/main" xmlns="" w="9525">
+                  <a14:hiddenLine xmlns="" xmlns:a14="http://schemas.microsoft.com/office/drawing/2010/main" w="9525">
                     <a:solidFill>
                       <a:srgbClr val="000000"/>
                     </a:solidFill>
@@ -10869,7 +10869,7 @@
               </a:ln>
               <a:extLst>
                 <a:ext uri="{91240B29-F687-4f45-9708-019B960494DF}">
-                  <a14:hiddenLine xmlns:a14="http://schemas.microsoft.com/office/drawing/2010/main" xmlns="" w="9525">
+                  <a14:hiddenLine xmlns="" xmlns:a14="http://schemas.microsoft.com/office/drawing/2010/main" w="9525">
                     <a:solidFill>
                       <a:srgbClr val="000000"/>
                     </a:solidFill>
@@ -10989,7 +10989,7 @@
               </a:ln>
               <a:extLst>
                 <a:ext uri="{91240B29-F687-4f45-9708-019B960494DF}">
-                  <a14:hiddenLine xmlns:a14="http://schemas.microsoft.com/office/drawing/2010/main" xmlns="" w="9525">
+                  <a14:hiddenLine xmlns="" xmlns:a14="http://schemas.microsoft.com/office/drawing/2010/main" w="9525">
                     <a:solidFill>
                       <a:srgbClr val="000000"/>
                     </a:solidFill>
@@ -11087,7 +11087,7 @@
               </a:ln>
               <a:extLst>
                 <a:ext uri="{91240B29-F687-4f45-9708-019B960494DF}">
-                  <a14:hiddenLine xmlns:a14="http://schemas.microsoft.com/office/drawing/2010/main" xmlns="" w="9525">
+                  <a14:hiddenLine xmlns="" xmlns:a14="http://schemas.microsoft.com/office/drawing/2010/main" w="9525">
                     <a:solidFill>
                       <a:srgbClr val="000000"/>
                     </a:solidFill>
@@ -11202,7 +11202,7 @@
               </a:ln>
               <a:extLst>
                 <a:ext uri="{91240B29-F687-4f45-9708-019B960494DF}">
-                  <a14:hiddenLine xmlns:a14="http://schemas.microsoft.com/office/drawing/2010/main" xmlns="" w="9525">
+                  <a14:hiddenLine xmlns="" xmlns:a14="http://schemas.microsoft.com/office/drawing/2010/main" w="9525">
                     <a:solidFill>
                       <a:srgbClr val="000000"/>
                     </a:solidFill>
@@ -11292,7 +11292,7 @@
               </a:ln>
               <a:extLst>
                 <a:ext uri="{91240B29-F687-4f45-9708-019B960494DF}">
-                  <a14:hiddenLine xmlns:a14="http://schemas.microsoft.com/office/drawing/2010/main" xmlns="" w="9525">
+                  <a14:hiddenLine xmlns="" xmlns:a14="http://schemas.microsoft.com/office/drawing/2010/main" w="9525">
                     <a:solidFill>
                       <a:srgbClr val="000000"/>
                     </a:solidFill>
@@ -11357,7 +11357,7 @@
               </a:ln>
               <a:extLst>
                 <a:ext uri="{91240B29-F687-4f45-9708-019B960494DF}">
-                  <a14:hiddenLine xmlns:a14="http://schemas.microsoft.com/office/drawing/2010/main" xmlns="" w="9525">
+                  <a14:hiddenLine xmlns="" xmlns:a14="http://schemas.microsoft.com/office/drawing/2010/main" w="9525">
                     <a:solidFill>
                       <a:srgbClr val="000000"/>
                     </a:solidFill>
@@ -11447,7 +11447,7 @@
               </a:ln>
               <a:extLst>
                 <a:ext uri="{91240B29-F687-4f45-9708-019B960494DF}">
-                  <a14:hiddenLine xmlns:a14="http://schemas.microsoft.com/office/drawing/2010/main" xmlns="" w="9525">
+                  <a14:hiddenLine xmlns="" xmlns:a14="http://schemas.microsoft.com/office/drawing/2010/main" w="9525">
                     <a:solidFill>
                       <a:srgbClr val="000000"/>
                     </a:solidFill>
@@ -11515,7 +11515,7 @@
               </a:ln>
               <a:extLst>
                 <a:ext uri="{91240B29-F687-4f45-9708-019B960494DF}">
-                  <a14:hiddenLine xmlns:a14="http://schemas.microsoft.com/office/drawing/2010/main" xmlns="" w="9525">
+                  <a14:hiddenLine xmlns="" xmlns:a14="http://schemas.microsoft.com/office/drawing/2010/main" w="9525">
                     <a:solidFill>
                       <a:srgbClr val="000000"/>
                     </a:solidFill>
@@ -11605,7 +11605,7 @@
               </a:ln>
               <a:extLst>
                 <a:ext uri="{91240B29-F687-4f45-9708-019B960494DF}">
-                  <a14:hiddenLine xmlns:a14="http://schemas.microsoft.com/office/drawing/2010/main" xmlns="" w="9525">
+                  <a14:hiddenLine xmlns="" xmlns:a14="http://schemas.microsoft.com/office/drawing/2010/main" w="9525">
                     <a:solidFill>
                       <a:srgbClr val="000000"/>
                     </a:solidFill>
@@ -11673,7 +11673,7 @@
               </a:ln>
               <a:extLst>
                 <a:ext uri="{91240B29-F687-4f45-9708-019B960494DF}">
-                  <a14:hiddenLine xmlns:a14="http://schemas.microsoft.com/office/drawing/2010/main" xmlns="" w="9525">
+                  <a14:hiddenLine xmlns="" xmlns:a14="http://schemas.microsoft.com/office/drawing/2010/main" w="9525">
                     <a:solidFill>
                       <a:srgbClr val="000000"/>
                     </a:solidFill>
@@ -11763,7 +11763,7 @@
               </a:ln>
               <a:extLst>
                 <a:ext uri="{91240B29-F687-4f45-9708-019B960494DF}">
-                  <a14:hiddenLine xmlns:a14="http://schemas.microsoft.com/office/drawing/2010/main" xmlns="" w="9525">
+                  <a14:hiddenLine xmlns="" xmlns:a14="http://schemas.microsoft.com/office/drawing/2010/main" w="9525">
                     <a:solidFill>
                       <a:srgbClr val="000000"/>
                     </a:solidFill>
@@ -11797,7 +11797,7 @@
               </a:ln>
               <a:extLst>
                 <a:ext uri="{91240B29-F687-4f45-9708-019B960494DF}">
-                  <a14:hiddenLine xmlns:a14="http://schemas.microsoft.com/office/drawing/2010/main" xmlns="" w="9525">
+                  <a14:hiddenLine xmlns="" xmlns:a14="http://schemas.microsoft.com/office/drawing/2010/main" w="9525">
                     <a:solidFill>
                       <a:srgbClr val="000000"/>
                     </a:solidFill>
@@ -11938,7 +11938,7 @@
             <a:fld id="{48A87A34-81AB-432B-8DAE-1953F412C126}" type="datetimeFigureOut">
               <a:rPr lang="en-US" dirty="0"/>
               <a:pPr/>
-              <a:t>1/8/2022</a:t>
+              <a:t>1/8/22</a:t>
             </a:fld>
             <a:endParaRPr lang="en-US" dirty="0"/>
           </a:p>
@@ -12951,10 +12951,10 @@
       </p:sp>
       <p:sp>
         <p:nvSpPr>
-          <p:cNvPr id="3" name="Content Placeholder 2">
+          <p:cNvPr id="4" name="Content Placeholder 2">
             <a:extLst>
               <a:ext uri="{FF2B5EF4-FFF2-40B4-BE49-F238E27FC236}">
-                <a16:creationId xmlns:a16="http://schemas.microsoft.com/office/drawing/2014/main" id="{CD8FEB11-815B-C845-98F7-3238E998709E}"/>
+                <a16:creationId xmlns:a16="http://schemas.microsoft.com/office/drawing/2014/main" id="{D1889DCF-3C55-414D-B720-A886E0099820}"/>
               </a:ext>
             </a:extLst>
           </p:cNvPr>
@@ -12965,19 +12965,113 @@
             <p:ph idx="1"/>
           </p:nvPr>
         </p:nvSpPr>
-        <p:spPr/>
+        <p:spPr>
+          <a:xfrm>
+            <a:off x="1141412" y="1775012"/>
+            <a:ext cx="9905999" cy="4378361"/>
+          </a:xfrm>
+        </p:spPr>
         <p:txBody>
-          <a:bodyPr/>
+          <a:bodyPr>
+            <a:normAutofit/>
+          </a:bodyPr>
           <a:lstStyle/>
           <a:p>
-            <a:pPr marL="0" indent="0">
-              <a:buNone/>
-            </a:pPr>
-            <a:endParaRPr lang="en-US" dirty="0">
-              <a:solidFill>
-                <a:schemeClr val="bg1"/>
-              </a:solidFill>
-            </a:endParaRPr>
+            <a:r>
+              <a:rPr lang="en-US" b="1" dirty="0">
+                <a:solidFill>
+                  <a:schemeClr val="bg1"/>
+                </a:solidFill>
+              </a:rPr>
+              <a:t>AI Definition:</a:t>
+            </a:r>
+          </a:p>
+          <a:p>
+            <a:pPr lvl="1"/>
+            <a:r>
+              <a:rPr lang="en-US" dirty="0">
+                <a:solidFill>
+                  <a:schemeClr val="bg1"/>
+                </a:solidFill>
+              </a:rPr>
+              <a:t>Artificial Intelligence</a:t>
+            </a:r>
+          </a:p>
+          <a:p>
+            <a:pPr lvl="1"/>
+            <a:r>
+              <a:rPr lang="en-US" dirty="0">
+                <a:solidFill>
+                  <a:schemeClr val="bg1"/>
+                </a:solidFill>
+              </a:rPr>
+              <a:t>Solving problems which requires human intelligence</a:t>
+            </a:r>
+          </a:p>
+          <a:p>
+            <a:pPr lvl="1"/>
+            <a:r>
+              <a:rPr lang="en-US" dirty="0">
+                <a:solidFill>
+                  <a:schemeClr val="bg1"/>
+                </a:solidFill>
+              </a:rPr>
+              <a:t>Some application: Automatic systems, Robot, Virtual Assistants,… </a:t>
+            </a:r>
+          </a:p>
+          <a:p>
+            <a:r>
+              <a:rPr lang="en-US" b="1" dirty="0">
+                <a:solidFill>
+                  <a:schemeClr val="bg1"/>
+                </a:solidFill>
+              </a:rPr>
+              <a:t>How we apply AI in our project? Overview of our product.</a:t>
+            </a:r>
+          </a:p>
+          <a:p>
+            <a:pPr lvl="1"/>
+            <a:r>
+              <a:rPr lang="en-US" dirty="0">
+                <a:solidFill>
+                  <a:schemeClr val="bg1"/>
+                </a:solidFill>
+              </a:rPr>
+              <a:t>Small virtual assistant applications</a:t>
+            </a:r>
+          </a:p>
+          <a:p>
+            <a:pPr lvl="1"/>
+            <a:r>
+              <a:rPr lang="en-US" dirty="0">
+                <a:solidFill>
+                  <a:schemeClr val="bg1"/>
+                </a:solidFill>
+              </a:rPr>
+              <a:t>Use speech recognition</a:t>
+            </a:r>
+          </a:p>
+          <a:p>
+            <a:pPr lvl="1"/>
+            <a:r>
+              <a:rPr lang="en-US" dirty="0">
+                <a:solidFill>
+                  <a:schemeClr val="bg1"/>
+                </a:solidFill>
+              </a:rPr>
+              <a:t>Interaction between application and users</a:t>
+            </a:r>
+          </a:p>
+          <a:p>
+            <a:pPr lvl="1"/>
+            <a:r>
+              <a:rPr lang="en-US" dirty="0">
+                <a:solidFill>
+                  <a:schemeClr val="bg1"/>
+                </a:solidFill>
+              </a:rPr>
+              <a:t>Perform some interesting and helpful functions: play music, video, weather report,… </a:t>
+            </a:r>
           </a:p>
         </p:txBody>
       </p:sp>
@@ -13069,7 +13163,12 @@
             <p:ph idx="1"/>
           </p:nvPr>
         </p:nvSpPr>
-        <p:spPr/>
+        <p:spPr>
+          <a:xfrm>
+            <a:off x="1141412" y="1753496"/>
+            <a:ext cx="9905999" cy="4037705"/>
+          </a:xfrm>
+        </p:spPr>
         <p:txBody>
           <a:bodyPr>
             <a:normAutofit/>
@@ -13204,25 +13303,8 @@
                 <a:latin typeface="Times New Roman" panose="02020603050405020304" pitchFamily="18" charset="0"/>
                 <a:cs typeface="Times New Roman" panose="02020603050405020304" pitchFamily="18" charset="0"/>
               </a:rPr>
-              <a:t>3. solution – </a:t>
-            </a:r>
-            <a:r>
-              <a:rPr lang="en-US" dirty="0" err="1">
-                <a:solidFill>
-                  <a:schemeClr val="bg1"/>
-                </a:solidFill>
-                <a:latin typeface="Times New Roman" panose="02020603050405020304" pitchFamily="18" charset="0"/>
-                <a:cs typeface="Times New Roman" panose="02020603050405020304" pitchFamily="18" charset="0"/>
-              </a:rPr>
-              <a:t>Machenics</a:t>
-            </a:r>
-            <a:endParaRPr lang="en-US" dirty="0">
-              <a:solidFill>
-                <a:schemeClr val="bg1"/>
-              </a:solidFill>
-              <a:latin typeface="Times New Roman" panose="02020603050405020304" pitchFamily="18" charset="0"/>
-              <a:cs typeface="Times New Roman" panose="02020603050405020304" pitchFamily="18" charset="0"/>
-            </a:endParaRPr>
+              <a:t>3. solutions – Mechanics</a:t>
+            </a:r>
           </a:p>
         </p:txBody>
       </p:sp>
@@ -13242,70 +13324,62 @@
             <p:ph idx="1"/>
           </p:nvPr>
         </p:nvSpPr>
-        <p:spPr/>
+        <p:spPr>
+          <a:xfrm>
+            <a:off x="1141412" y="1807284"/>
+            <a:ext cx="9905999" cy="4658061"/>
+          </a:xfrm>
+        </p:spPr>
         <p:txBody>
           <a:bodyPr>
-            <a:normAutofit lnSpcReduction="10000"/>
+            <a:normAutofit/>
           </a:bodyPr>
           <a:lstStyle/>
           <a:p>
+            <a:r>
+              <a:rPr lang="en-US" sz="3200" dirty="0">
+                <a:solidFill>
+                  <a:schemeClr val="bg1"/>
+                </a:solidFill>
+              </a:rPr>
+              <a:t>How step to step VA works:</a:t>
+            </a:r>
+          </a:p>
+          <a:p>
+            <a:pPr lvl="1">
+              <a:buFontTx/>
+              <a:buChar char="-"/>
+            </a:pPr>
             <a:r>
               <a:rPr lang="en-US" dirty="0">
                 <a:solidFill>
                   <a:schemeClr val="bg1"/>
                 </a:solidFill>
               </a:rPr>
-              <a:t>How step to step VA works:</a:t>
-            </a:r>
-          </a:p>
-          <a:p>
-            <a:pPr>
+              <a:t>Determine user need: </a:t>
+            </a:r>
+          </a:p>
+          <a:p>
+            <a:pPr lvl="2">
               <a:buFontTx/>
               <a:buChar char="-"/>
             </a:pPr>
             <a:r>
-              <a:rPr lang="en-US" sz="2000" dirty="0">
+              <a:rPr lang="en-US" dirty="0">
                 <a:solidFill>
                   <a:schemeClr val="bg1"/>
                 </a:solidFill>
               </a:rPr>
-              <a:t>Determine user need: </a:t>
-            </a:r>
-          </a:p>
-          <a:p>
-            <a:pPr lvl="1">
+              <a:t>Speech recognition</a:t>
+            </a:r>
+          </a:p>
+          <a:p>
+            <a:pPr lvl="2">
               <a:buFontTx/>
               <a:buChar char="-"/>
             </a:pPr>
             <a:r>
-              <a:rPr lang="en-US" sz="1600" dirty="0">
-                <a:solidFill>
-                  <a:schemeClr val="bg1"/>
-                </a:solidFill>
-              </a:rPr>
-              <a:t>Speech </a:t>
-            </a:r>
-            <a:r>
-              <a:rPr lang="en-US" sz="1600" dirty="0" err="1">
-                <a:solidFill>
-                  <a:schemeClr val="bg1"/>
-                </a:solidFill>
-              </a:rPr>
-              <a:t>regcognition</a:t>
-            </a:r>
-            <a:endParaRPr lang="en-US" sz="1600" dirty="0">
-              <a:solidFill>
-                <a:schemeClr val="bg1"/>
-              </a:solidFill>
-            </a:endParaRPr>
-          </a:p>
-          <a:p>
-            <a:pPr lvl="1">
-              <a:buFontTx/>
-              <a:buChar char="-"/>
-            </a:pPr>
-            <a:r>
-              <a:rPr lang="en-US" sz="1600" dirty="0">
+              <a:rPr lang="en-US" dirty="0">
                 <a:solidFill>
                   <a:schemeClr val="bg1"/>
                 </a:solidFill>
@@ -13314,12 +13388,12 @@
             </a:r>
           </a:p>
           <a:p>
-            <a:pPr>
+            <a:pPr lvl="1">
               <a:buFontTx/>
               <a:buChar char="-"/>
             </a:pPr>
             <a:r>
-              <a:rPr lang="en-US" sz="2000" dirty="0">
+              <a:rPr lang="en-US" dirty="0">
                 <a:solidFill>
                   <a:schemeClr val="bg1"/>
                 </a:solidFill>
@@ -13328,12 +13402,12 @@
             </a:r>
           </a:p>
           <a:p>
-            <a:pPr lvl="1">
+            <a:pPr lvl="2">
               <a:buFontTx/>
               <a:buChar char="-"/>
             </a:pPr>
             <a:r>
-              <a:rPr lang="en-US" sz="1600" dirty="0">
+              <a:rPr lang="en-US" dirty="0">
                 <a:solidFill>
                   <a:schemeClr val="bg1"/>
                 </a:solidFill>
@@ -13342,12 +13416,12 @@
             </a:r>
           </a:p>
           <a:p>
-            <a:pPr>
+            <a:pPr lvl="1">
               <a:buFontTx/>
               <a:buChar char="-"/>
             </a:pPr>
             <a:r>
-              <a:rPr lang="en-US" sz="2000" dirty="0">
+              <a:rPr lang="en-US" dirty="0">
                 <a:solidFill>
                   <a:schemeClr val="bg1"/>
                 </a:solidFill>
@@ -13356,12 +13430,12 @@
             </a:r>
           </a:p>
           <a:p>
-            <a:pPr lvl="1">
+            <a:pPr lvl="2">
               <a:buFontTx/>
               <a:buChar char="-"/>
             </a:pPr>
             <a:r>
-              <a:rPr lang="en-US" sz="1600" dirty="0">
+              <a:rPr lang="en-US" dirty="0">
                 <a:solidFill>
                   <a:schemeClr val="bg1"/>
                 </a:solidFill>
@@ -13370,12 +13444,12 @@
             </a:r>
           </a:p>
           <a:p>
-            <a:pPr lvl="1">
+            <a:pPr lvl="2">
               <a:buFontTx/>
               <a:buChar char="-"/>
             </a:pPr>
             <a:r>
-              <a:rPr lang="en-US" sz="1600" dirty="0">
+              <a:rPr lang="en-US" dirty="0">
                 <a:solidFill>
                   <a:schemeClr val="bg1"/>
                 </a:solidFill>
@@ -13473,12 +13547,139 @@
             <p:ph idx="1"/>
           </p:nvPr>
         </p:nvSpPr>
-        <p:spPr/>
+        <p:spPr>
+          <a:xfrm>
+            <a:off x="1141412" y="1764254"/>
+            <a:ext cx="9905999" cy="4026947"/>
+          </a:xfrm>
+        </p:spPr>
         <p:txBody>
-          <a:bodyPr/>
+          <a:bodyPr>
+            <a:normAutofit fontScale="85000" lnSpcReduction="20000"/>
+          </a:bodyPr>
           <a:lstStyle/>
           <a:p>
-            <a:endParaRPr lang="en-US" dirty="0"/>
+            <a:r>
+              <a:rPr lang="en-US" dirty="0">
+                <a:solidFill>
+                  <a:schemeClr val="bg1"/>
+                </a:solidFill>
+              </a:rPr>
+              <a:t>How is the interface designed?</a:t>
+            </a:r>
+          </a:p>
+          <a:p>
+            <a:pPr lvl="1"/>
+            <a:r>
+              <a:rPr lang="en-US" dirty="0">
+                <a:solidFill>
+                  <a:schemeClr val="bg1"/>
+                </a:solidFill>
+              </a:rPr>
+              <a:t>Python </a:t>
+            </a:r>
+          </a:p>
+          <a:p>
+            <a:pPr lvl="1"/>
+            <a:r>
+              <a:rPr lang="en-US" dirty="0" err="1">
+                <a:solidFill>
+                  <a:schemeClr val="bg1"/>
+                </a:solidFill>
+              </a:rPr>
+              <a:t>Tkinter</a:t>
+            </a:r>
+            <a:endParaRPr lang="en-US" dirty="0">
+              <a:solidFill>
+                <a:schemeClr val="bg1"/>
+              </a:solidFill>
+            </a:endParaRPr>
+          </a:p>
+          <a:p>
+            <a:pPr lvl="1"/>
+            <a:r>
+              <a:rPr lang="en-US" dirty="0">
+                <a:solidFill>
+                  <a:schemeClr val="bg1"/>
+                </a:solidFill>
+              </a:rPr>
+              <a:t>Pillow(PIL)</a:t>
+            </a:r>
+          </a:p>
+          <a:p>
+            <a:r>
+              <a:rPr lang="en-US" dirty="0">
+                <a:solidFill>
+                  <a:schemeClr val="bg1"/>
+                </a:solidFill>
+              </a:rPr>
+              <a:t>What does it have(include)? </a:t>
+            </a:r>
+          </a:p>
+          <a:p>
+            <a:pPr lvl="1"/>
+            <a:r>
+              <a:rPr lang="en-US" dirty="0">
+                <a:solidFill>
+                  <a:schemeClr val="bg1"/>
+                </a:solidFill>
+              </a:rPr>
+              <a:t>Robot </a:t>
+            </a:r>
+          </a:p>
+          <a:p>
+            <a:pPr lvl="1"/>
+            <a:r>
+              <a:rPr lang="en-US" dirty="0">
+                <a:solidFill>
+                  <a:schemeClr val="bg1"/>
+                </a:solidFill>
+              </a:rPr>
+              <a:t>Texts</a:t>
+            </a:r>
+          </a:p>
+          <a:p>
+            <a:pPr lvl="1"/>
+            <a:r>
+              <a:rPr lang="en-US" dirty="0">
+                <a:solidFill>
+                  <a:schemeClr val="bg1"/>
+                </a:solidFill>
+              </a:rPr>
+              <a:t>Button</a:t>
+            </a:r>
+          </a:p>
+          <a:p>
+            <a:r>
+              <a:rPr lang="en-US" dirty="0">
+                <a:solidFill>
+                  <a:schemeClr val="bg1"/>
+                </a:solidFill>
+              </a:rPr>
+              <a:t>How does it work? </a:t>
+            </a:r>
+          </a:p>
+          <a:p>
+            <a:pPr lvl="1"/>
+            <a:r>
+              <a:rPr lang="en-US" dirty="0">
+                <a:solidFill>
+                  <a:schemeClr val="bg1"/>
+                </a:solidFill>
+              </a:rPr>
+              <a:t>Button-click</a:t>
+            </a:r>
+          </a:p>
+          <a:p>
+            <a:pPr lvl="1"/>
+            <a:r>
+              <a:rPr lang="en-US" dirty="0">
+                <a:solidFill>
+                  <a:schemeClr val="bg1"/>
+                </a:solidFill>
+              </a:rPr>
+              <a:t>Text-write</a:t>
+            </a:r>
           </a:p>
         </p:txBody>
       </p:sp>
@@ -13570,12 +13771,68 @@
             <p:ph idx="1"/>
           </p:nvPr>
         </p:nvSpPr>
-        <p:spPr/>
+        <p:spPr>
+          <a:xfrm>
+            <a:off x="1141412" y="2249486"/>
+            <a:ext cx="9905999" cy="3989995"/>
+          </a:xfrm>
+        </p:spPr>
         <p:txBody>
           <a:bodyPr/>
           <a:lstStyle/>
           <a:p>
-            <a:endParaRPr lang="en-US" dirty="0"/>
+            <a:r>
+              <a:rPr lang="en-US" dirty="0">
+                <a:solidFill>
+                  <a:schemeClr val="bg1"/>
+                </a:solidFill>
+              </a:rPr>
+              <a:t>To summarize, Jeff is:</a:t>
+            </a:r>
+          </a:p>
+          <a:p>
+            <a:pPr lvl="1"/>
+            <a:r>
+              <a:rPr lang="en-US" dirty="0">
+                <a:solidFill>
+                  <a:schemeClr val="bg1"/>
+                </a:solidFill>
+              </a:rPr>
+              <a:t>	Users friendly design</a:t>
+            </a:r>
+          </a:p>
+          <a:p>
+            <a:pPr lvl="1"/>
+            <a:r>
+              <a:rPr lang="en-US" dirty="0">
+                <a:solidFill>
+                  <a:schemeClr val="bg1"/>
+                </a:solidFill>
+              </a:rPr>
+              <a:t>	Easy to get familiar</a:t>
+            </a:r>
+          </a:p>
+          <a:p>
+            <a:pPr lvl="1"/>
+            <a:r>
+              <a:rPr lang="en-US" dirty="0">
+                <a:solidFill>
+                  <a:schemeClr val="bg1"/>
+                </a:solidFill>
+              </a:rPr>
+              <a:t>	Basic functions</a:t>
+            </a:r>
+          </a:p>
+          <a:p>
+            <a:pPr lvl="1"/>
+            <a:r>
+              <a:rPr lang="en-US" dirty="0">
+                <a:solidFill>
+                  <a:schemeClr val="bg1"/>
+                </a:solidFill>
+              </a:rPr>
+              <a:t>	A preparation for latter use of more advance technologies</a:t>
+            </a:r>
           </a:p>
         </p:txBody>
       </p:sp>

--- a/Group6_IIT_A3_Presentation.pptx
+++ b/Group6_IIT_A3_Presentation.pptx
@@ -168,7 +168,7 @@
           <a:noFill/>
           <a:extLst>
             <a:ext uri="{909E8E84-426E-40dd-AFC4-6F175D3DCCD1}">
-              <a14:hiddenFill xmlns="" xmlns:a14="http://schemas.microsoft.com/office/drawing/2010/main">
+              <a14:hiddenFill xmlns:a14="http://schemas.microsoft.com/office/drawing/2010/main" xmlns="">
                 <a:solidFill>
                   <a:srgbClr val="FFFFFF"/>
                 </a:solidFill>
@@ -228,7 +228,7 @@
             </a:ln>
             <a:extLst>
               <a:ext uri="{91240B29-F687-4f45-9708-019B960494DF}">
-                <a14:hiddenLine xmlns="" xmlns:a14="http://schemas.microsoft.com/office/drawing/2010/main" w="9525">
+                <a14:hiddenLine xmlns:a14="http://schemas.microsoft.com/office/drawing/2010/main" xmlns="" w="9525">
                   <a:solidFill>
                     <a:srgbClr val="000000"/>
                   </a:solidFill>
@@ -318,7 +318,7 @@
             </a:ln>
             <a:extLst>
               <a:ext uri="{91240B29-F687-4f45-9708-019B960494DF}">
-                <a14:hiddenLine xmlns="" xmlns:a14="http://schemas.microsoft.com/office/drawing/2010/main" w="9525">
+                <a14:hiddenLine xmlns:a14="http://schemas.microsoft.com/office/drawing/2010/main" xmlns="" w="9525">
                   <a:solidFill>
                     <a:srgbClr val="000000"/>
                   </a:solidFill>
@@ -408,7 +408,7 @@
             </a:ln>
             <a:extLst>
               <a:ext uri="{91240B29-F687-4f45-9708-019B960494DF}">
-                <a14:hiddenLine xmlns="" xmlns:a14="http://schemas.microsoft.com/office/drawing/2010/main" w="9525">
+                <a14:hiddenLine xmlns:a14="http://schemas.microsoft.com/office/drawing/2010/main" xmlns="" w="9525">
                   <a:solidFill>
                     <a:srgbClr val="000000"/>
                   </a:solidFill>
@@ -442,7 +442,7 @@
             </a:ln>
             <a:extLst>
               <a:ext uri="{91240B29-F687-4f45-9708-019B960494DF}">
-                <a14:hiddenLine xmlns="" xmlns:a14="http://schemas.microsoft.com/office/drawing/2010/main" w="9525">
+                <a14:hiddenLine xmlns:a14="http://schemas.microsoft.com/office/drawing/2010/main" xmlns="" w="9525">
                   <a:solidFill>
                     <a:srgbClr val="000000"/>
                   </a:solidFill>
@@ -532,7 +532,7 @@
             </a:ln>
             <a:extLst>
               <a:ext uri="{91240B29-F687-4f45-9708-019B960494DF}">
-                <a14:hiddenLine xmlns="" xmlns:a14="http://schemas.microsoft.com/office/drawing/2010/main" w="9525">
+                <a14:hiddenLine xmlns:a14="http://schemas.microsoft.com/office/drawing/2010/main" xmlns="" w="9525">
                   <a:solidFill>
                     <a:srgbClr val="000000"/>
                   </a:solidFill>
@@ -594,7 +594,7 @@
             </a:ln>
             <a:extLst>
               <a:ext uri="{91240B29-F687-4f45-9708-019B960494DF}">
-                <a14:hiddenLine xmlns="" xmlns:a14="http://schemas.microsoft.com/office/drawing/2010/main" w="9525">
+                <a14:hiddenLine xmlns:a14="http://schemas.microsoft.com/office/drawing/2010/main" xmlns="" w="9525">
                   <a:solidFill>
                     <a:srgbClr val="000000"/>
                   </a:solidFill>
@@ -656,7 +656,7 @@
             </a:ln>
             <a:extLst>
               <a:ext uri="{91240B29-F687-4f45-9708-019B960494DF}">
-                <a14:hiddenLine xmlns="" xmlns:a14="http://schemas.microsoft.com/office/drawing/2010/main" w="9525">
+                <a14:hiddenLine xmlns:a14="http://schemas.microsoft.com/office/drawing/2010/main" xmlns="" w="9525">
                   <a:solidFill>
                     <a:srgbClr val="000000"/>
                   </a:solidFill>
@@ -746,7 +746,7 @@
             </a:ln>
             <a:extLst>
               <a:ext uri="{91240B29-F687-4f45-9708-019B960494DF}">
-                <a14:hiddenLine xmlns="" xmlns:a14="http://schemas.microsoft.com/office/drawing/2010/main" w="9525">
+                <a14:hiddenLine xmlns:a14="http://schemas.microsoft.com/office/drawing/2010/main" xmlns="" w="9525">
                   <a:solidFill>
                     <a:srgbClr val="000000"/>
                   </a:solidFill>
@@ -808,7 +808,7 @@
             </a:ln>
             <a:extLst>
               <a:ext uri="{91240B29-F687-4f45-9708-019B960494DF}">
-                <a14:hiddenLine xmlns="" xmlns:a14="http://schemas.microsoft.com/office/drawing/2010/main" w="9525">
+                <a14:hiddenLine xmlns:a14="http://schemas.microsoft.com/office/drawing/2010/main" xmlns="" w="9525">
                   <a:solidFill>
                     <a:srgbClr val="000000"/>
                   </a:solidFill>
@@ -870,7 +870,7 @@
             </a:ln>
             <a:extLst>
               <a:ext uri="{91240B29-F687-4f45-9708-019B960494DF}">
-                <a14:hiddenLine xmlns="" xmlns:a14="http://schemas.microsoft.com/office/drawing/2010/main" w="9525">
+                <a14:hiddenLine xmlns:a14="http://schemas.microsoft.com/office/drawing/2010/main" xmlns="" w="9525">
                   <a:solidFill>
                     <a:srgbClr val="000000"/>
                   </a:solidFill>
@@ -960,7 +960,7 @@
             </a:ln>
             <a:extLst>
               <a:ext uri="{91240B29-F687-4f45-9708-019B960494DF}">
-                <a14:hiddenLine xmlns="" xmlns:a14="http://schemas.microsoft.com/office/drawing/2010/main" w="9525">
+                <a14:hiddenLine xmlns:a14="http://schemas.microsoft.com/office/drawing/2010/main" xmlns="" w="9525">
                   <a:solidFill>
                     <a:srgbClr val="000000"/>
                   </a:solidFill>
@@ -1050,7 +1050,7 @@
             </a:ln>
             <a:extLst>
               <a:ext uri="{91240B29-F687-4f45-9708-019B960494DF}">
-                <a14:hiddenLine xmlns="" xmlns:a14="http://schemas.microsoft.com/office/drawing/2010/main" w="9525">
+                <a14:hiddenLine xmlns:a14="http://schemas.microsoft.com/office/drawing/2010/main" xmlns="" w="9525">
                   <a:solidFill>
                     <a:srgbClr val="000000"/>
                   </a:solidFill>
@@ -1112,7 +1112,7 @@
             </a:ln>
             <a:extLst>
               <a:ext uri="{91240B29-F687-4f45-9708-019B960494DF}">
-                <a14:hiddenLine xmlns="" xmlns:a14="http://schemas.microsoft.com/office/drawing/2010/main" w="9525">
+                <a14:hiddenLine xmlns:a14="http://schemas.microsoft.com/office/drawing/2010/main" xmlns="" w="9525">
                   <a:solidFill>
                     <a:srgbClr val="000000"/>
                   </a:solidFill>
@@ -1222,7 +1222,7 @@
             </a:ln>
             <a:extLst>
               <a:ext uri="{91240B29-F687-4f45-9708-019B960494DF}">
-                <a14:hiddenLine xmlns="" xmlns:a14="http://schemas.microsoft.com/office/drawing/2010/main" w="9525">
+                <a14:hiddenLine xmlns:a14="http://schemas.microsoft.com/office/drawing/2010/main" xmlns="" w="9525">
                   <a:solidFill>
                     <a:srgbClr val="000000"/>
                   </a:solidFill>
@@ -1284,7 +1284,7 @@
             </a:ln>
             <a:extLst>
               <a:ext uri="{91240B29-F687-4f45-9708-019B960494DF}">
-                <a14:hiddenLine xmlns="" xmlns:a14="http://schemas.microsoft.com/office/drawing/2010/main" w="9525">
+                <a14:hiddenLine xmlns:a14="http://schemas.microsoft.com/office/drawing/2010/main" xmlns="" w="9525">
                   <a:solidFill>
                     <a:srgbClr val="000000"/>
                   </a:solidFill>
@@ -1374,7 +1374,7 @@
             </a:ln>
             <a:extLst>
               <a:ext uri="{91240B29-F687-4f45-9708-019B960494DF}">
-                <a14:hiddenLine xmlns="" xmlns:a14="http://schemas.microsoft.com/office/drawing/2010/main" w="9525">
+                <a14:hiddenLine xmlns:a14="http://schemas.microsoft.com/office/drawing/2010/main" xmlns="" w="9525">
                   <a:solidFill>
                     <a:srgbClr val="000000"/>
                   </a:solidFill>
@@ -1464,7 +1464,7 @@
             </a:ln>
             <a:extLst>
               <a:ext uri="{91240B29-F687-4f45-9708-019B960494DF}">
-                <a14:hiddenLine xmlns="" xmlns:a14="http://schemas.microsoft.com/office/drawing/2010/main" w="9525">
+                <a14:hiddenLine xmlns:a14="http://schemas.microsoft.com/office/drawing/2010/main" xmlns="" w="9525">
                   <a:solidFill>
                     <a:srgbClr val="000000"/>
                   </a:solidFill>
@@ -1526,7 +1526,7 @@
             </a:ln>
             <a:extLst>
               <a:ext uri="{91240B29-F687-4f45-9708-019B960494DF}">
-                <a14:hiddenLine xmlns="" xmlns:a14="http://schemas.microsoft.com/office/drawing/2010/main" w="9525">
+                <a14:hiddenLine xmlns:a14="http://schemas.microsoft.com/office/drawing/2010/main" xmlns="" w="9525">
                   <a:solidFill>
                     <a:srgbClr val="000000"/>
                   </a:solidFill>
@@ -1616,7 +1616,7 @@
             </a:ln>
             <a:extLst>
               <a:ext uri="{91240B29-F687-4f45-9708-019B960494DF}">
-                <a14:hiddenLine xmlns="" xmlns:a14="http://schemas.microsoft.com/office/drawing/2010/main" w="9525">
+                <a14:hiddenLine xmlns:a14="http://schemas.microsoft.com/office/drawing/2010/main" xmlns="" w="9525">
                   <a:solidFill>
                     <a:srgbClr val="000000"/>
                   </a:solidFill>
@@ -1706,7 +1706,7 @@
             </a:ln>
             <a:extLst>
               <a:ext uri="{91240B29-F687-4f45-9708-019B960494DF}">
-                <a14:hiddenLine xmlns="" xmlns:a14="http://schemas.microsoft.com/office/drawing/2010/main" w="9525">
+                <a14:hiddenLine xmlns:a14="http://schemas.microsoft.com/office/drawing/2010/main" xmlns="" w="9525">
                   <a:solidFill>
                     <a:srgbClr val="000000"/>
                   </a:solidFill>
@@ -1762,7 +1762,7 @@
             </a:ln>
             <a:extLst>
               <a:ext uri="{91240B29-F687-4f45-9708-019B960494DF}">
-                <a14:hiddenLine xmlns="" xmlns:a14="http://schemas.microsoft.com/office/drawing/2010/main" w="9525">
+                <a14:hiddenLine xmlns:a14="http://schemas.microsoft.com/office/drawing/2010/main" xmlns="" w="9525">
                   <a:solidFill>
                     <a:srgbClr val="000000"/>
                   </a:solidFill>
@@ -1852,7 +1852,7 @@
             </a:ln>
             <a:extLst>
               <a:ext uri="{91240B29-F687-4f45-9708-019B960494DF}">
-                <a14:hiddenLine xmlns="" xmlns:a14="http://schemas.microsoft.com/office/drawing/2010/main" w="9525">
+                <a14:hiddenLine xmlns:a14="http://schemas.microsoft.com/office/drawing/2010/main" xmlns="" w="9525">
                   <a:solidFill>
                     <a:srgbClr val="000000"/>
                   </a:solidFill>
@@ -1908,7 +1908,7 @@
             </a:ln>
             <a:extLst>
               <a:ext uri="{91240B29-F687-4f45-9708-019B960494DF}">
-                <a14:hiddenLine xmlns="" xmlns:a14="http://schemas.microsoft.com/office/drawing/2010/main" w="9525">
+                <a14:hiddenLine xmlns:a14="http://schemas.microsoft.com/office/drawing/2010/main" xmlns="" w="9525">
                   <a:solidFill>
                     <a:srgbClr val="000000"/>
                   </a:solidFill>
@@ -1998,7 +1998,7 @@
             </a:ln>
             <a:extLst>
               <a:ext uri="{91240B29-F687-4f45-9708-019B960494DF}">
-                <a14:hiddenLine xmlns="" xmlns:a14="http://schemas.microsoft.com/office/drawing/2010/main" w="9525">
+                <a14:hiddenLine xmlns:a14="http://schemas.microsoft.com/office/drawing/2010/main" xmlns="" w="9525">
                   <a:solidFill>
                     <a:srgbClr val="000000"/>
                   </a:solidFill>
@@ -2066,7 +2066,7 @@
             </a:ln>
             <a:extLst>
               <a:ext uri="{91240B29-F687-4f45-9708-019B960494DF}">
-                <a14:hiddenLine xmlns="" xmlns:a14="http://schemas.microsoft.com/office/drawing/2010/main" w="9525">
+                <a14:hiddenLine xmlns:a14="http://schemas.microsoft.com/office/drawing/2010/main" xmlns="" w="9525">
                   <a:solidFill>
                     <a:srgbClr val="000000"/>
                   </a:solidFill>
@@ -2156,7 +2156,7 @@
             </a:ln>
             <a:extLst>
               <a:ext uri="{91240B29-F687-4f45-9708-019B960494DF}">
-                <a14:hiddenLine xmlns="" xmlns:a14="http://schemas.microsoft.com/office/drawing/2010/main" w="9525">
+                <a14:hiddenLine xmlns:a14="http://schemas.microsoft.com/office/drawing/2010/main" xmlns="" w="9525">
                   <a:solidFill>
                     <a:srgbClr val="000000"/>
                   </a:solidFill>
@@ -2224,7 +2224,7 @@
             </a:ln>
             <a:extLst>
               <a:ext uri="{91240B29-F687-4f45-9708-019B960494DF}">
-                <a14:hiddenLine xmlns="" xmlns:a14="http://schemas.microsoft.com/office/drawing/2010/main" w="9525">
+                <a14:hiddenLine xmlns:a14="http://schemas.microsoft.com/office/drawing/2010/main" xmlns="" w="9525">
                   <a:solidFill>
                     <a:srgbClr val="000000"/>
                   </a:solidFill>
@@ -2314,7 +2314,7 @@
             </a:ln>
             <a:extLst>
               <a:ext uri="{91240B29-F687-4f45-9708-019B960494DF}">
-                <a14:hiddenLine xmlns="" xmlns:a14="http://schemas.microsoft.com/office/drawing/2010/main" w="9525">
+                <a14:hiddenLine xmlns:a14="http://schemas.microsoft.com/office/drawing/2010/main" xmlns="" w="9525">
                   <a:solidFill>
                     <a:srgbClr val="000000"/>
                   </a:solidFill>
@@ -2348,7 +2348,7 @@
             </a:ln>
             <a:extLst>
               <a:ext uri="{91240B29-F687-4f45-9708-019B960494DF}">
-                <a14:hiddenLine xmlns="" xmlns:a14="http://schemas.microsoft.com/office/drawing/2010/main" w="9525">
+                <a14:hiddenLine xmlns:a14="http://schemas.microsoft.com/office/drawing/2010/main" xmlns="" w="9525">
                   <a:solidFill>
                     <a:srgbClr val="000000"/>
                   </a:solidFill>
@@ -2438,7 +2438,7 @@
             </a:ln>
             <a:extLst>
               <a:ext uri="{91240B29-F687-4f45-9708-019B960494DF}">
-                <a14:hiddenLine xmlns="" xmlns:a14="http://schemas.microsoft.com/office/drawing/2010/main" w="9525">
+                <a14:hiddenLine xmlns:a14="http://schemas.microsoft.com/office/drawing/2010/main" xmlns="" w="9525">
                   <a:solidFill>
                     <a:srgbClr val="000000"/>
                   </a:solidFill>
@@ -2500,7 +2500,7 @@
             </a:ln>
             <a:extLst>
               <a:ext uri="{91240B29-F687-4f45-9708-019B960494DF}">
-                <a14:hiddenLine xmlns="" xmlns:a14="http://schemas.microsoft.com/office/drawing/2010/main" w="9525">
+                <a14:hiddenLine xmlns:a14="http://schemas.microsoft.com/office/drawing/2010/main" xmlns="" w="9525">
                   <a:solidFill>
                     <a:srgbClr val="000000"/>
                   </a:solidFill>
@@ -2562,7 +2562,7 @@
             </a:ln>
             <a:extLst>
               <a:ext uri="{91240B29-F687-4f45-9708-019B960494DF}">
-                <a14:hiddenLine xmlns="" xmlns:a14="http://schemas.microsoft.com/office/drawing/2010/main" w="9525">
+                <a14:hiddenLine xmlns:a14="http://schemas.microsoft.com/office/drawing/2010/main" xmlns="" w="9525">
                   <a:solidFill>
                     <a:srgbClr val="000000"/>
                   </a:solidFill>
@@ -2652,7 +2652,7 @@
             </a:ln>
             <a:extLst>
               <a:ext uri="{91240B29-F687-4f45-9708-019B960494DF}">
-                <a14:hiddenLine xmlns="" xmlns:a14="http://schemas.microsoft.com/office/drawing/2010/main" w="9525">
+                <a14:hiddenLine xmlns:a14="http://schemas.microsoft.com/office/drawing/2010/main" xmlns="" w="9525">
                   <a:solidFill>
                     <a:srgbClr val="000000"/>
                   </a:solidFill>
@@ -2720,7 +2720,7 @@
             </a:ln>
             <a:extLst>
               <a:ext uri="{91240B29-F687-4f45-9708-019B960494DF}">
-                <a14:hiddenLine xmlns="" xmlns:a14="http://schemas.microsoft.com/office/drawing/2010/main" w="9525">
+                <a14:hiddenLine xmlns:a14="http://schemas.microsoft.com/office/drawing/2010/main" xmlns="" w="9525">
                   <a:solidFill>
                     <a:srgbClr val="000000"/>
                   </a:solidFill>
@@ -2782,7 +2782,7 @@
             </a:ln>
             <a:extLst>
               <a:ext uri="{91240B29-F687-4f45-9708-019B960494DF}">
-                <a14:hiddenLine xmlns="" xmlns:a14="http://schemas.microsoft.com/office/drawing/2010/main" w="9525">
+                <a14:hiddenLine xmlns:a14="http://schemas.microsoft.com/office/drawing/2010/main" xmlns="" w="9525">
                   <a:solidFill>
                     <a:srgbClr val="000000"/>
                   </a:solidFill>
@@ -2872,7 +2872,7 @@
             </a:ln>
             <a:extLst>
               <a:ext uri="{91240B29-F687-4f45-9708-019B960494DF}">
-                <a14:hiddenLine xmlns="" xmlns:a14="http://schemas.microsoft.com/office/drawing/2010/main" w="9525">
+                <a14:hiddenLine xmlns:a14="http://schemas.microsoft.com/office/drawing/2010/main" xmlns="" w="9525">
                   <a:solidFill>
                     <a:srgbClr val="000000"/>
                   </a:solidFill>
@@ -2934,7 +2934,7 @@
             </a:ln>
             <a:extLst>
               <a:ext uri="{91240B29-F687-4f45-9708-019B960494DF}">
-                <a14:hiddenLine xmlns="" xmlns:a14="http://schemas.microsoft.com/office/drawing/2010/main" w="9525">
+                <a14:hiddenLine xmlns:a14="http://schemas.microsoft.com/office/drawing/2010/main" xmlns="" w="9525">
                   <a:solidFill>
                     <a:srgbClr val="000000"/>
                   </a:solidFill>
@@ -3024,7 +3024,7 @@
             </a:ln>
             <a:extLst>
               <a:ext uri="{91240B29-F687-4f45-9708-019B960494DF}">
-                <a14:hiddenLine xmlns="" xmlns:a14="http://schemas.microsoft.com/office/drawing/2010/main" w="9525">
+                <a14:hiddenLine xmlns:a14="http://schemas.microsoft.com/office/drawing/2010/main" xmlns="" w="9525">
                   <a:solidFill>
                     <a:srgbClr val="000000"/>
                   </a:solidFill>
@@ -3086,7 +3086,7 @@
             </a:ln>
             <a:extLst>
               <a:ext uri="{91240B29-F687-4f45-9708-019B960494DF}">
-                <a14:hiddenLine xmlns="" xmlns:a14="http://schemas.microsoft.com/office/drawing/2010/main" w="9525">
+                <a14:hiddenLine xmlns:a14="http://schemas.microsoft.com/office/drawing/2010/main" xmlns="" w="9525">
                   <a:solidFill>
                     <a:srgbClr val="000000"/>
                   </a:solidFill>
@@ -3176,7 +3176,7 @@
             </a:ln>
             <a:extLst>
               <a:ext uri="{91240B29-F687-4f45-9708-019B960494DF}">
-                <a14:hiddenLine xmlns="" xmlns:a14="http://schemas.microsoft.com/office/drawing/2010/main" w="9525">
+                <a14:hiddenLine xmlns:a14="http://schemas.microsoft.com/office/drawing/2010/main" xmlns="" w="9525">
                   <a:solidFill>
                     <a:srgbClr val="000000"/>
                   </a:solidFill>
@@ -3210,7 +3210,7 @@
             </a:ln>
             <a:extLst>
               <a:ext uri="{91240B29-F687-4f45-9708-019B960494DF}">
-                <a14:hiddenLine xmlns="" xmlns:a14="http://schemas.microsoft.com/office/drawing/2010/main" w="9525">
+                <a14:hiddenLine xmlns:a14="http://schemas.microsoft.com/office/drawing/2010/main" xmlns="" w="9525">
                   <a:solidFill>
                     <a:srgbClr val="000000"/>
                   </a:solidFill>
@@ -3275,7 +3275,7 @@
             </a:ln>
             <a:extLst>
               <a:ext uri="{91240B29-F687-4f45-9708-019B960494DF}">
-                <a14:hiddenLine xmlns="" xmlns:a14="http://schemas.microsoft.com/office/drawing/2010/main" w="9525">
+                <a14:hiddenLine xmlns:a14="http://schemas.microsoft.com/office/drawing/2010/main" xmlns="" w="9525">
                   <a:solidFill>
                     <a:srgbClr val="000000"/>
                   </a:solidFill>
@@ -3365,7 +3365,7 @@
             </a:ln>
             <a:extLst>
               <a:ext uri="{91240B29-F687-4f45-9708-019B960494DF}">
-                <a14:hiddenLine xmlns="" xmlns:a14="http://schemas.microsoft.com/office/drawing/2010/main" w="9525">
+                <a14:hiddenLine xmlns:a14="http://schemas.microsoft.com/office/drawing/2010/main" xmlns="" w="9525">
                   <a:solidFill>
                     <a:srgbClr val="000000"/>
                   </a:solidFill>
@@ -3427,7 +3427,7 @@
             </a:ln>
             <a:extLst>
               <a:ext uri="{91240B29-F687-4f45-9708-019B960494DF}">
-                <a14:hiddenLine xmlns="" xmlns:a14="http://schemas.microsoft.com/office/drawing/2010/main" w="9525">
+                <a14:hiddenLine xmlns:a14="http://schemas.microsoft.com/office/drawing/2010/main" xmlns="" w="9525">
                   <a:solidFill>
                     <a:srgbClr val="000000"/>
                   </a:solidFill>
@@ -3517,7 +3517,7 @@
             </a:ln>
             <a:extLst>
               <a:ext uri="{91240B29-F687-4f45-9708-019B960494DF}">
-                <a14:hiddenLine xmlns="" xmlns:a14="http://schemas.microsoft.com/office/drawing/2010/main" w="9525">
+                <a14:hiddenLine xmlns:a14="http://schemas.microsoft.com/office/drawing/2010/main" xmlns="" w="9525">
                   <a:solidFill>
                     <a:srgbClr val="000000"/>
                   </a:solidFill>
@@ -3607,7 +3607,7 @@
             </a:ln>
             <a:extLst>
               <a:ext uri="{91240B29-F687-4f45-9708-019B960494DF}">
-                <a14:hiddenLine xmlns="" xmlns:a14="http://schemas.microsoft.com/office/drawing/2010/main" w="9525">
+                <a14:hiddenLine xmlns:a14="http://schemas.microsoft.com/office/drawing/2010/main" xmlns="" w="9525">
                   <a:solidFill>
                     <a:srgbClr val="000000"/>
                   </a:solidFill>
@@ -3672,7 +3672,7 @@
             </a:ln>
             <a:extLst>
               <a:ext uri="{91240B29-F687-4f45-9708-019B960494DF}">
-                <a14:hiddenLine xmlns="" xmlns:a14="http://schemas.microsoft.com/office/drawing/2010/main" w="9525">
+                <a14:hiddenLine xmlns:a14="http://schemas.microsoft.com/office/drawing/2010/main" xmlns="" w="9525">
                   <a:solidFill>
                     <a:srgbClr val="000000"/>
                   </a:solidFill>
@@ -3734,7 +3734,7 @@
             </a:ln>
             <a:extLst>
               <a:ext uri="{91240B29-F687-4f45-9708-019B960494DF}">
-                <a14:hiddenLine xmlns="" xmlns:a14="http://schemas.microsoft.com/office/drawing/2010/main" w="9525">
+                <a14:hiddenLine xmlns:a14="http://schemas.microsoft.com/office/drawing/2010/main" xmlns="" w="9525">
                   <a:solidFill>
                     <a:srgbClr val="000000"/>
                   </a:solidFill>
@@ -3824,7 +3824,7 @@
             </a:ln>
             <a:extLst>
               <a:ext uri="{91240B29-F687-4f45-9708-019B960494DF}">
-                <a14:hiddenLine xmlns="" xmlns:a14="http://schemas.microsoft.com/office/drawing/2010/main" w="9525">
+                <a14:hiddenLine xmlns:a14="http://schemas.microsoft.com/office/drawing/2010/main" xmlns="" w="9525">
                   <a:solidFill>
                     <a:srgbClr val="000000"/>
                   </a:solidFill>
@@ -3914,7 +3914,7 @@
             </a:ln>
             <a:extLst>
               <a:ext uri="{91240B29-F687-4f45-9708-019B960494DF}">
-                <a14:hiddenLine xmlns="" xmlns:a14="http://schemas.microsoft.com/office/drawing/2010/main" w="9525">
+                <a14:hiddenLine xmlns:a14="http://schemas.microsoft.com/office/drawing/2010/main" xmlns="" w="9525">
                   <a:solidFill>
                     <a:srgbClr val="000000"/>
                   </a:solidFill>
@@ -3976,7 +3976,7 @@
             </a:ln>
             <a:extLst>
               <a:ext uri="{91240B29-F687-4f45-9708-019B960494DF}">
-                <a14:hiddenLine xmlns="" xmlns:a14="http://schemas.microsoft.com/office/drawing/2010/main" w="9525">
+                <a14:hiddenLine xmlns:a14="http://schemas.microsoft.com/office/drawing/2010/main" xmlns="" w="9525">
                   <a:solidFill>
                     <a:srgbClr val="000000"/>
                   </a:solidFill>
@@ -4096,7 +4096,7 @@
             </a:ln>
             <a:extLst>
               <a:ext uri="{91240B29-F687-4f45-9708-019B960494DF}">
-                <a14:hiddenLine xmlns="" xmlns:a14="http://schemas.microsoft.com/office/drawing/2010/main" w="9525">
+                <a14:hiddenLine xmlns:a14="http://schemas.microsoft.com/office/drawing/2010/main" xmlns="" w="9525">
                   <a:solidFill>
                     <a:srgbClr val="000000"/>
                   </a:solidFill>
@@ -4164,7 +4164,7 @@
             </a:ln>
             <a:extLst>
               <a:ext uri="{91240B29-F687-4f45-9708-019B960494DF}">
-                <a14:hiddenLine xmlns="" xmlns:a14="http://schemas.microsoft.com/office/drawing/2010/main" w="9525">
+                <a14:hiddenLine xmlns:a14="http://schemas.microsoft.com/office/drawing/2010/main" xmlns="" w="9525">
                   <a:solidFill>
                     <a:srgbClr val="000000"/>
                   </a:solidFill>
@@ -4254,7 +4254,7 @@
             </a:ln>
             <a:extLst>
               <a:ext uri="{91240B29-F687-4f45-9708-019B960494DF}">
-                <a14:hiddenLine xmlns="" xmlns:a14="http://schemas.microsoft.com/office/drawing/2010/main" w="9525">
+                <a14:hiddenLine xmlns:a14="http://schemas.microsoft.com/office/drawing/2010/main" xmlns="" w="9525">
                   <a:solidFill>
                     <a:srgbClr val="000000"/>
                   </a:solidFill>
@@ -4394,7 +4394,7 @@
           <a:p>
             <a:fld id="{48A87A34-81AB-432B-8DAE-1953F412C126}" type="datetimeFigureOut">
               <a:rPr lang="en-US" dirty="0"/>
-              <a:t>1/8/22</a:t>
+              <a:t>1/9/2022</a:t>
             </a:fld>
             <a:endParaRPr lang="en-US" dirty="0"/>
           </a:p>
@@ -4656,7 +4656,7 @@
           <a:p>
             <a:fld id="{48A87A34-81AB-432B-8DAE-1953F412C126}" type="datetimeFigureOut">
               <a:rPr lang="en-US" dirty="0"/>
-              <a:t>1/8/22</a:t>
+              <a:t>1/9/2022</a:t>
             </a:fld>
             <a:endParaRPr lang="en-US" dirty="0"/>
           </a:p>
@@ -4847,7 +4847,7 @@
           <a:p>
             <a:fld id="{48A87A34-81AB-432B-8DAE-1953F412C126}" type="datetimeFigureOut">
               <a:rPr lang="en-US" dirty="0"/>
-              <a:t>1/8/22</a:t>
+              <a:t>1/9/2022</a:t>
             </a:fld>
             <a:endParaRPr lang="en-US" dirty="0"/>
           </a:p>
@@ -5105,7 +5105,7 @@
           <a:p>
             <a:fld id="{48A87A34-81AB-432B-8DAE-1953F412C126}" type="datetimeFigureOut">
               <a:rPr lang="en-US" dirty="0"/>
-              <a:t>1/8/22</a:t>
+              <a:t>1/9/2022</a:t>
             </a:fld>
             <a:endParaRPr lang="en-US" dirty="0"/>
           </a:p>
@@ -5534,7 +5534,7 @@
           <a:p>
             <a:fld id="{48A87A34-81AB-432B-8DAE-1953F412C126}" type="datetimeFigureOut">
               <a:rPr lang="en-US" dirty="0"/>
-              <a:t>1/8/22</a:t>
+              <a:t>1/9/2022</a:t>
             </a:fld>
             <a:endParaRPr lang="en-US" dirty="0"/>
           </a:p>
@@ -6075,7 +6075,7 @@
           <a:p>
             <a:fld id="{48A87A34-81AB-432B-8DAE-1953F412C126}" type="datetimeFigureOut">
               <a:rPr lang="en-US" dirty="0"/>
-              <a:t>1/8/22</a:t>
+              <a:t>1/9/2022</a:t>
             </a:fld>
             <a:endParaRPr lang="en-US" dirty="0"/>
           </a:p>
@@ -6790,7 +6790,7 @@
           <a:p>
             <a:fld id="{48A87A34-81AB-432B-8DAE-1953F412C126}" type="datetimeFigureOut">
               <a:rPr lang="en-US" dirty="0"/>
-              <a:t>1/8/22</a:t>
+              <a:t>1/9/2022</a:t>
             </a:fld>
             <a:endParaRPr lang="en-US" dirty="0"/>
           </a:p>
@@ -6955,7 +6955,7 @@
           <a:p>
             <a:fld id="{48A87A34-81AB-432B-8DAE-1953F412C126}" type="datetimeFigureOut">
               <a:rPr lang="en-US" dirty="0"/>
-              <a:t>1/8/22</a:t>
+              <a:t>1/9/2022</a:t>
             </a:fld>
             <a:endParaRPr lang="en-US" dirty="0"/>
           </a:p>
@@ -7130,7 +7130,7 @@
           <a:p>
             <a:fld id="{48A87A34-81AB-432B-8DAE-1953F412C126}" type="datetimeFigureOut">
               <a:rPr lang="en-US" dirty="0"/>
-              <a:t>1/8/22</a:t>
+              <a:t>1/9/2022</a:t>
             </a:fld>
             <a:endParaRPr lang="en-US" dirty="0"/>
           </a:p>
@@ -7295,7 +7295,7 @@
           <a:p>
             <a:fld id="{48A87A34-81AB-432B-8DAE-1953F412C126}" type="datetimeFigureOut">
               <a:rPr lang="en-US" dirty="0"/>
-              <a:t>1/8/22</a:t>
+              <a:t>1/9/2022</a:t>
             </a:fld>
             <a:endParaRPr lang="en-US" dirty="0"/>
           </a:p>
@@ -7540,7 +7540,7 @@
           <a:p>
             <a:fld id="{48A87A34-81AB-432B-8DAE-1953F412C126}" type="datetimeFigureOut">
               <a:rPr lang="en-US" dirty="0"/>
-              <a:t>1/8/22</a:t>
+              <a:t>1/9/2022</a:t>
             </a:fld>
             <a:endParaRPr lang="en-US" dirty="0"/>
           </a:p>
@@ -7767,7 +7767,7 @@
           <a:p>
             <a:fld id="{48A87A34-81AB-432B-8DAE-1953F412C126}" type="datetimeFigureOut">
               <a:rPr lang="en-US" dirty="0"/>
-              <a:t>1/8/22</a:t>
+              <a:t>1/9/2022</a:t>
             </a:fld>
             <a:endParaRPr lang="en-US" dirty="0"/>
           </a:p>
@@ -8143,7 +8143,7 @@
           <a:p>
             <a:fld id="{48A87A34-81AB-432B-8DAE-1953F412C126}" type="datetimeFigureOut">
               <a:rPr lang="en-US" dirty="0"/>
-              <a:t>1/8/22</a:t>
+              <a:t>1/9/2022</a:t>
             </a:fld>
             <a:endParaRPr lang="en-US" dirty="0"/>
           </a:p>
@@ -8256,7 +8256,7 @@
           <a:p>
             <a:fld id="{48A87A34-81AB-432B-8DAE-1953F412C126}" type="datetimeFigureOut">
               <a:rPr lang="en-US" dirty="0"/>
-              <a:t>1/8/22</a:t>
+              <a:t>1/9/2022</a:t>
             </a:fld>
             <a:endParaRPr lang="en-US" dirty="0"/>
           </a:p>
@@ -8346,7 +8346,7 @@
           <a:p>
             <a:fld id="{48A87A34-81AB-432B-8DAE-1953F412C126}" type="datetimeFigureOut">
               <a:rPr lang="en-US" dirty="0"/>
-              <a:t>1/8/22</a:t>
+              <a:t>1/9/2022</a:t>
             </a:fld>
             <a:endParaRPr lang="en-US" dirty="0"/>
           </a:p>
@@ -8590,7 +8590,7 @@
           <a:p>
             <a:fld id="{48A87A34-81AB-432B-8DAE-1953F412C126}" type="datetimeFigureOut">
               <a:rPr lang="en-US" dirty="0"/>
-              <a:t>1/8/22</a:t>
+              <a:t>1/9/2022</a:t>
             </a:fld>
             <a:endParaRPr lang="en-US" dirty="0"/>
           </a:p>
@@ -8865,7 +8865,7 @@
           <a:p>
             <a:fld id="{48A87A34-81AB-432B-8DAE-1953F412C126}" type="datetimeFigureOut">
               <a:rPr lang="en-US" dirty="0"/>
-              <a:t>1/8/22</a:t>
+              <a:t>1/9/2022</a:t>
             </a:fld>
             <a:endParaRPr lang="en-US" dirty="0"/>
           </a:p>
@@ -8976,7 +8976,7 @@
           <a:noFill/>
           <a:extLst>
             <a:ext uri="{909E8E84-426E-40dd-AFC4-6F175D3DCCD1}">
-              <a14:hiddenFill xmlns="" xmlns:a14="http://schemas.microsoft.com/office/drawing/2010/main">
+              <a14:hiddenFill xmlns:a14="http://schemas.microsoft.com/office/drawing/2010/main" xmlns="">
                 <a:solidFill>
                   <a:srgbClr val="FFFFFF"/>
                 </a:solidFill>
@@ -9050,7 +9050,7 @@
               </a:ln>
               <a:extLst>
                 <a:ext uri="{91240B29-F687-4f45-9708-019B960494DF}">
-                  <a14:hiddenLine xmlns="" xmlns:a14="http://schemas.microsoft.com/office/drawing/2010/main" w="9525">
+                  <a14:hiddenLine xmlns:a14="http://schemas.microsoft.com/office/drawing/2010/main" xmlns="" w="9525">
                     <a:solidFill>
                       <a:srgbClr val="000000"/>
                     </a:solidFill>
@@ -9140,7 +9140,7 @@
               </a:ln>
               <a:extLst>
                 <a:ext uri="{91240B29-F687-4f45-9708-019B960494DF}">
-                  <a14:hiddenLine xmlns="" xmlns:a14="http://schemas.microsoft.com/office/drawing/2010/main" w="9525">
+                  <a14:hiddenLine xmlns:a14="http://schemas.microsoft.com/office/drawing/2010/main" xmlns="" w="9525">
                     <a:solidFill>
                       <a:srgbClr val="000000"/>
                     </a:solidFill>
@@ -9230,7 +9230,7 @@
               </a:ln>
               <a:extLst>
                 <a:ext uri="{91240B29-F687-4f45-9708-019B960494DF}">
-                  <a14:hiddenLine xmlns="" xmlns:a14="http://schemas.microsoft.com/office/drawing/2010/main" w="9525">
+                  <a14:hiddenLine xmlns:a14="http://schemas.microsoft.com/office/drawing/2010/main" xmlns="" w="9525">
                     <a:solidFill>
                       <a:srgbClr val="000000"/>
                     </a:solidFill>
@@ -9292,7 +9292,7 @@
               </a:ln>
               <a:extLst>
                 <a:ext uri="{91240B29-F687-4f45-9708-019B960494DF}">
-                  <a14:hiddenLine xmlns="" xmlns:a14="http://schemas.microsoft.com/office/drawing/2010/main" w="9525">
+                  <a14:hiddenLine xmlns:a14="http://schemas.microsoft.com/office/drawing/2010/main" xmlns="" w="9525">
                     <a:solidFill>
                       <a:srgbClr val="000000"/>
                     </a:solidFill>
@@ -9382,7 +9382,7 @@
               </a:ln>
               <a:extLst>
                 <a:ext uri="{91240B29-F687-4f45-9708-019B960494DF}">
-                  <a14:hiddenLine xmlns="" xmlns:a14="http://schemas.microsoft.com/office/drawing/2010/main" w="9525">
+                  <a14:hiddenLine xmlns:a14="http://schemas.microsoft.com/office/drawing/2010/main" xmlns="" w="9525">
                     <a:solidFill>
                       <a:srgbClr val="000000"/>
                     </a:solidFill>
@@ -9444,7 +9444,7 @@
               </a:ln>
               <a:extLst>
                 <a:ext uri="{91240B29-F687-4f45-9708-019B960494DF}">
-                  <a14:hiddenLine xmlns="" xmlns:a14="http://schemas.microsoft.com/office/drawing/2010/main" w="9525">
+                  <a14:hiddenLine xmlns:a14="http://schemas.microsoft.com/office/drawing/2010/main" xmlns="" w="9525">
                     <a:solidFill>
                       <a:srgbClr val="000000"/>
                     </a:solidFill>
@@ -9506,7 +9506,7 @@
               </a:ln>
               <a:extLst>
                 <a:ext uri="{91240B29-F687-4f45-9708-019B960494DF}">
-                  <a14:hiddenLine xmlns="" xmlns:a14="http://schemas.microsoft.com/office/drawing/2010/main" w="9525">
+                  <a14:hiddenLine xmlns:a14="http://schemas.microsoft.com/office/drawing/2010/main" xmlns="" w="9525">
                     <a:solidFill>
                       <a:srgbClr val="000000"/>
                     </a:solidFill>
@@ -9596,7 +9596,7 @@
               </a:ln>
               <a:extLst>
                 <a:ext uri="{91240B29-F687-4f45-9708-019B960494DF}">
-                  <a14:hiddenLine xmlns="" xmlns:a14="http://schemas.microsoft.com/office/drawing/2010/main" w="9525">
+                  <a14:hiddenLine xmlns:a14="http://schemas.microsoft.com/office/drawing/2010/main" xmlns="" w="9525">
                     <a:solidFill>
                       <a:srgbClr val="000000"/>
                     </a:solidFill>
@@ -9686,7 +9686,7 @@
               </a:ln>
               <a:extLst>
                 <a:ext uri="{91240B29-F687-4f45-9708-019B960494DF}">
-                  <a14:hiddenLine xmlns="" xmlns:a14="http://schemas.microsoft.com/office/drawing/2010/main" w="9525">
+                  <a14:hiddenLine xmlns:a14="http://schemas.microsoft.com/office/drawing/2010/main" xmlns="" w="9525">
                     <a:solidFill>
                       <a:srgbClr val="000000"/>
                     </a:solidFill>
@@ -9748,7 +9748,7 @@
               </a:ln>
               <a:extLst>
                 <a:ext uri="{91240B29-F687-4f45-9708-019B960494DF}">
-                  <a14:hiddenLine xmlns="" xmlns:a14="http://schemas.microsoft.com/office/drawing/2010/main" w="9525">
+                  <a14:hiddenLine xmlns:a14="http://schemas.microsoft.com/office/drawing/2010/main" xmlns="" w="9525">
                     <a:solidFill>
                       <a:srgbClr val="000000"/>
                     </a:solidFill>
@@ -9858,7 +9858,7 @@
               </a:ln>
               <a:extLst>
                 <a:ext uri="{91240B29-F687-4f45-9708-019B960494DF}">
-                  <a14:hiddenLine xmlns="" xmlns:a14="http://schemas.microsoft.com/office/drawing/2010/main" w="9525">
+                  <a14:hiddenLine xmlns:a14="http://schemas.microsoft.com/office/drawing/2010/main" xmlns="" w="9525">
                     <a:solidFill>
                       <a:srgbClr val="000000"/>
                     </a:solidFill>
@@ -9942,7 +9942,7 @@
               </a:ln>
               <a:extLst>
                 <a:ext uri="{91240B29-F687-4f45-9708-019B960494DF}">
-                  <a14:hiddenLine xmlns="" xmlns:a14="http://schemas.microsoft.com/office/drawing/2010/main" w="9525">
+                  <a14:hiddenLine xmlns:a14="http://schemas.microsoft.com/office/drawing/2010/main" xmlns="" w="9525">
                     <a:solidFill>
                       <a:srgbClr val="000000"/>
                     </a:solidFill>
@@ -10004,7 +10004,7 @@
               </a:ln>
               <a:extLst>
                 <a:ext uri="{91240B29-F687-4f45-9708-019B960494DF}">
-                  <a14:hiddenLine xmlns="" xmlns:a14="http://schemas.microsoft.com/office/drawing/2010/main" w="9525">
+                  <a14:hiddenLine xmlns:a14="http://schemas.microsoft.com/office/drawing/2010/main" xmlns="" w="9525">
                     <a:solidFill>
                       <a:srgbClr val="000000"/>
                     </a:solidFill>
@@ -10066,7 +10066,7 @@
               </a:ln>
               <a:extLst>
                 <a:ext uri="{91240B29-F687-4f45-9708-019B960494DF}">
-                  <a14:hiddenLine xmlns="" xmlns:a14="http://schemas.microsoft.com/office/drawing/2010/main" w="9525">
+                  <a14:hiddenLine xmlns:a14="http://schemas.microsoft.com/office/drawing/2010/main" xmlns="" w="9525">
                     <a:solidFill>
                       <a:srgbClr val="000000"/>
                     </a:solidFill>
@@ -10156,7 +10156,7 @@
               </a:ln>
               <a:extLst>
                 <a:ext uri="{91240B29-F687-4f45-9708-019B960494DF}">
-                  <a14:hiddenLine xmlns="" xmlns:a14="http://schemas.microsoft.com/office/drawing/2010/main" w="9525">
+                  <a14:hiddenLine xmlns:a14="http://schemas.microsoft.com/office/drawing/2010/main" xmlns="" w="9525">
                     <a:solidFill>
                       <a:srgbClr val="000000"/>
                     </a:solidFill>
@@ -10190,7 +10190,7 @@
               </a:ln>
               <a:extLst>
                 <a:ext uri="{91240B29-F687-4f45-9708-019B960494DF}">
-                  <a14:hiddenLine xmlns="" xmlns:a14="http://schemas.microsoft.com/office/drawing/2010/main" w="9525">
+                  <a14:hiddenLine xmlns:a14="http://schemas.microsoft.com/office/drawing/2010/main" xmlns="" w="9525">
                     <a:solidFill>
                       <a:srgbClr val="000000"/>
                     </a:solidFill>
@@ -10255,7 +10255,7 @@
               </a:ln>
               <a:extLst>
                 <a:ext uri="{91240B29-F687-4f45-9708-019B960494DF}">
-                  <a14:hiddenLine xmlns="" xmlns:a14="http://schemas.microsoft.com/office/drawing/2010/main" w="9525">
+                  <a14:hiddenLine xmlns:a14="http://schemas.microsoft.com/office/drawing/2010/main" xmlns="" w="9525">
                     <a:solidFill>
                       <a:srgbClr val="000000"/>
                     </a:solidFill>
@@ -10345,7 +10345,7 @@
               </a:ln>
               <a:extLst>
                 <a:ext uri="{91240B29-F687-4f45-9708-019B960494DF}">
-                  <a14:hiddenLine xmlns="" xmlns:a14="http://schemas.microsoft.com/office/drawing/2010/main" w="9525">
+                  <a14:hiddenLine xmlns:a14="http://schemas.microsoft.com/office/drawing/2010/main" xmlns="" w="9525">
                     <a:solidFill>
                       <a:srgbClr val="000000"/>
                     </a:solidFill>
@@ -10407,7 +10407,7 @@
               </a:ln>
               <a:extLst>
                 <a:ext uri="{91240B29-F687-4f45-9708-019B960494DF}">
-                  <a14:hiddenLine xmlns="" xmlns:a14="http://schemas.microsoft.com/office/drawing/2010/main" w="9525">
+                  <a14:hiddenLine xmlns:a14="http://schemas.microsoft.com/office/drawing/2010/main" xmlns="" w="9525">
                     <a:solidFill>
                       <a:srgbClr val="000000"/>
                     </a:solidFill>
@@ -10497,7 +10497,7 @@
               </a:ln>
               <a:extLst>
                 <a:ext uri="{91240B29-F687-4f45-9708-019B960494DF}">
-                  <a14:hiddenLine xmlns="" xmlns:a14="http://schemas.microsoft.com/office/drawing/2010/main" w="9525">
+                  <a14:hiddenLine xmlns:a14="http://schemas.microsoft.com/office/drawing/2010/main" xmlns="" w="9525">
                     <a:solidFill>
                       <a:srgbClr val="000000"/>
                     </a:solidFill>
@@ -10562,7 +10562,7 @@
               </a:ln>
               <a:extLst>
                 <a:ext uri="{91240B29-F687-4f45-9708-019B960494DF}">
-                  <a14:hiddenLine xmlns="" xmlns:a14="http://schemas.microsoft.com/office/drawing/2010/main" w="9525">
+                  <a14:hiddenLine xmlns:a14="http://schemas.microsoft.com/office/drawing/2010/main" xmlns="" w="9525">
                     <a:solidFill>
                       <a:srgbClr val="000000"/>
                     </a:solidFill>
@@ -10624,7 +10624,7 @@
               </a:ln>
               <a:extLst>
                 <a:ext uri="{91240B29-F687-4f45-9708-019B960494DF}">
-                  <a14:hiddenLine xmlns="" xmlns:a14="http://schemas.microsoft.com/office/drawing/2010/main" w="9525">
+                  <a14:hiddenLine xmlns:a14="http://schemas.microsoft.com/office/drawing/2010/main" xmlns="" w="9525">
                     <a:solidFill>
                       <a:srgbClr val="000000"/>
                     </a:solidFill>
@@ -10714,7 +10714,7 @@
               </a:ln>
               <a:extLst>
                 <a:ext uri="{91240B29-F687-4f45-9708-019B960494DF}">
-                  <a14:hiddenLine xmlns="" xmlns:a14="http://schemas.microsoft.com/office/drawing/2010/main" w="9525">
+                  <a14:hiddenLine xmlns:a14="http://schemas.microsoft.com/office/drawing/2010/main" xmlns="" w="9525">
                     <a:solidFill>
                       <a:srgbClr val="000000"/>
                     </a:solidFill>
@@ -10804,7 +10804,7 @@
               </a:ln>
               <a:extLst>
                 <a:ext uri="{91240B29-F687-4f45-9708-019B960494DF}">
-                  <a14:hiddenLine xmlns="" xmlns:a14="http://schemas.microsoft.com/office/drawing/2010/main" w="9525">
+                  <a14:hiddenLine xmlns:a14="http://schemas.microsoft.com/office/drawing/2010/main" xmlns="" w="9525">
                     <a:solidFill>
                       <a:srgbClr val="000000"/>
                     </a:solidFill>
@@ -10869,7 +10869,7 @@
               </a:ln>
               <a:extLst>
                 <a:ext uri="{91240B29-F687-4f45-9708-019B960494DF}">
-                  <a14:hiddenLine xmlns="" xmlns:a14="http://schemas.microsoft.com/office/drawing/2010/main" w="9525">
+                  <a14:hiddenLine xmlns:a14="http://schemas.microsoft.com/office/drawing/2010/main" xmlns="" w="9525">
                     <a:solidFill>
                       <a:srgbClr val="000000"/>
                     </a:solidFill>
@@ -10989,7 +10989,7 @@
               </a:ln>
               <a:extLst>
                 <a:ext uri="{91240B29-F687-4f45-9708-019B960494DF}">
-                  <a14:hiddenLine xmlns="" xmlns:a14="http://schemas.microsoft.com/office/drawing/2010/main" w="9525">
+                  <a14:hiddenLine xmlns:a14="http://schemas.microsoft.com/office/drawing/2010/main" xmlns="" w="9525">
                     <a:solidFill>
                       <a:srgbClr val="000000"/>
                     </a:solidFill>
@@ -11087,7 +11087,7 @@
               </a:ln>
               <a:extLst>
                 <a:ext uri="{91240B29-F687-4f45-9708-019B960494DF}">
-                  <a14:hiddenLine xmlns="" xmlns:a14="http://schemas.microsoft.com/office/drawing/2010/main" w="9525">
+                  <a14:hiddenLine xmlns:a14="http://schemas.microsoft.com/office/drawing/2010/main" xmlns="" w="9525">
                     <a:solidFill>
                       <a:srgbClr val="000000"/>
                     </a:solidFill>
@@ -11202,7 +11202,7 @@
               </a:ln>
               <a:extLst>
                 <a:ext uri="{91240B29-F687-4f45-9708-019B960494DF}">
-                  <a14:hiddenLine xmlns="" xmlns:a14="http://schemas.microsoft.com/office/drawing/2010/main" w="9525">
+                  <a14:hiddenLine xmlns:a14="http://schemas.microsoft.com/office/drawing/2010/main" xmlns="" w="9525">
                     <a:solidFill>
                       <a:srgbClr val="000000"/>
                     </a:solidFill>
@@ -11292,7 +11292,7 @@
               </a:ln>
               <a:extLst>
                 <a:ext uri="{91240B29-F687-4f45-9708-019B960494DF}">
-                  <a14:hiddenLine xmlns="" xmlns:a14="http://schemas.microsoft.com/office/drawing/2010/main" w="9525">
+                  <a14:hiddenLine xmlns:a14="http://schemas.microsoft.com/office/drawing/2010/main" xmlns="" w="9525">
                     <a:solidFill>
                       <a:srgbClr val="000000"/>
                     </a:solidFill>
@@ -11357,7 +11357,7 @@
               </a:ln>
               <a:extLst>
                 <a:ext uri="{91240B29-F687-4f45-9708-019B960494DF}">
-                  <a14:hiddenLine xmlns="" xmlns:a14="http://schemas.microsoft.com/office/drawing/2010/main" w="9525">
+                  <a14:hiddenLine xmlns:a14="http://schemas.microsoft.com/office/drawing/2010/main" xmlns="" w="9525">
                     <a:solidFill>
                       <a:srgbClr val="000000"/>
                     </a:solidFill>
@@ -11447,7 +11447,7 @@
               </a:ln>
               <a:extLst>
                 <a:ext uri="{91240B29-F687-4f45-9708-019B960494DF}">
-                  <a14:hiddenLine xmlns="" xmlns:a14="http://schemas.microsoft.com/office/drawing/2010/main" w="9525">
+                  <a14:hiddenLine xmlns:a14="http://schemas.microsoft.com/office/drawing/2010/main" xmlns="" w="9525">
                     <a:solidFill>
                       <a:srgbClr val="000000"/>
                     </a:solidFill>
@@ -11515,7 +11515,7 @@
               </a:ln>
               <a:extLst>
                 <a:ext uri="{91240B29-F687-4f45-9708-019B960494DF}">
-                  <a14:hiddenLine xmlns="" xmlns:a14="http://schemas.microsoft.com/office/drawing/2010/main" w="9525">
+                  <a14:hiddenLine xmlns:a14="http://schemas.microsoft.com/office/drawing/2010/main" xmlns="" w="9525">
                     <a:solidFill>
                       <a:srgbClr val="000000"/>
                     </a:solidFill>
@@ -11605,7 +11605,7 @@
               </a:ln>
               <a:extLst>
                 <a:ext uri="{91240B29-F687-4f45-9708-019B960494DF}">
-                  <a14:hiddenLine xmlns="" xmlns:a14="http://schemas.microsoft.com/office/drawing/2010/main" w="9525">
+                  <a14:hiddenLine xmlns:a14="http://schemas.microsoft.com/office/drawing/2010/main" xmlns="" w="9525">
                     <a:solidFill>
                       <a:srgbClr val="000000"/>
                     </a:solidFill>
@@ -11673,7 +11673,7 @@
               </a:ln>
               <a:extLst>
                 <a:ext uri="{91240B29-F687-4f45-9708-019B960494DF}">
-                  <a14:hiddenLine xmlns="" xmlns:a14="http://schemas.microsoft.com/office/drawing/2010/main" w="9525">
+                  <a14:hiddenLine xmlns:a14="http://schemas.microsoft.com/office/drawing/2010/main" xmlns="" w="9525">
                     <a:solidFill>
                       <a:srgbClr val="000000"/>
                     </a:solidFill>
@@ -11763,7 +11763,7 @@
               </a:ln>
               <a:extLst>
                 <a:ext uri="{91240B29-F687-4f45-9708-019B960494DF}">
-                  <a14:hiddenLine xmlns="" xmlns:a14="http://schemas.microsoft.com/office/drawing/2010/main" w="9525">
+                  <a14:hiddenLine xmlns:a14="http://schemas.microsoft.com/office/drawing/2010/main" xmlns="" w="9525">
                     <a:solidFill>
                       <a:srgbClr val="000000"/>
                     </a:solidFill>
@@ -11797,7 +11797,7 @@
               </a:ln>
               <a:extLst>
                 <a:ext uri="{91240B29-F687-4f45-9708-019B960494DF}">
-                  <a14:hiddenLine xmlns="" xmlns:a14="http://schemas.microsoft.com/office/drawing/2010/main" w="9525">
+                  <a14:hiddenLine xmlns:a14="http://schemas.microsoft.com/office/drawing/2010/main" xmlns="" w="9525">
                     <a:solidFill>
                       <a:srgbClr val="000000"/>
                     </a:solidFill>
@@ -11938,7 +11938,7 @@
             <a:fld id="{48A87A34-81AB-432B-8DAE-1953F412C126}" type="datetimeFigureOut">
               <a:rPr lang="en-US" dirty="0"/>
               <a:pPr/>
-              <a:t>1/8/22</a:t>
+              <a:t>1/9/2022</a:t>
             </a:fld>
             <a:endParaRPr lang="en-US" dirty="0"/>
           </a:p>
@@ -13412,7 +13412,7 @@
                   <a:schemeClr val="bg1"/>
                 </a:solidFill>
               </a:rPr>
-              <a:t>Mining data</a:t>
+              <a:t>Understand the command and find solution</a:t>
             </a:r>
           </a:p>
           <a:p>
